--- a/Shop.Solution/2.Shop.Solution.pptx
+++ b/Shop.Solution/2.Shop.Solution.pptx
@@ -23,8 +23,8 @@
     <p:sldId id="1735" r:id="rId11"/>
     <p:sldId id="1740" r:id="rId12"/>
     <p:sldId id="1739" r:id="rId13"/>
-    <p:sldId id="1684" r:id="rId14"/>
-    <p:sldId id="1742" r:id="rId15"/>
+    <p:sldId id="1742" r:id="rId14"/>
+    <p:sldId id="1684" r:id="rId15"/>
     <p:sldId id="1670" r:id="rId16"/>
   </p:sldIdLst>
   <p:sldSz cx="12192000" cy="6858000"/>
@@ -153,8 +153,8 @@
           <p14:sldIdLst>
             <p14:sldId id="1740"/>
             <p14:sldId id="1739"/>
+            <p14:sldId id="1742"/>
             <p14:sldId id="1684"/>
-            <p14:sldId id="1742"/>
             <p14:sldId id="1670"/>
           </p14:sldIdLst>
         </p14:section>
@@ -372,7 +372,7 @@
           <a:p>
             <a:fld id="{F869B831-4E69-4D2A-AD19-BF4301D60DCB}" type="datetimeFigureOut">
               <a:rPr lang="fr-FR" smtClean="0"/>
-              <a:t>26/08/2023</a:t>
+              <a:t>07/09/2023</a:t>
             </a:fld>
             <a:endParaRPr lang="fr-FR"/>
           </a:p>
@@ -549,7 +549,7 @@
           <a:p>
             <a:fld id="{21CD3A5E-BD05-4410-88B3-BEFECD2D9F92}" type="datetimeFigureOut">
               <a:rPr lang="fr-FR" smtClean="0"/>
-              <a:t>26/08/2023</a:t>
+              <a:t>07/09/2023</a:t>
             </a:fld>
             <a:endParaRPr lang="fr-FR"/>
           </a:p>
@@ -9113,6 +9113,1319 @@
       </p:grpSpPr>
       <p:sp>
         <p:nvSpPr>
+          <p:cNvPr id="5" name="Text Placeholder 4">
+            <a:extLst>
+              <a:ext uri="{FF2B5EF4-FFF2-40B4-BE49-F238E27FC236}">
+                <a16:creationId xmlns:a16="http://schemas.microsoft.com/office/drawing/2014/main" id="{216AB527-A222-464A-8558-1D6C7671F74D}"/>
+              </a:ext>
+            </a:extLst>
+          </p:cNvPr>
+          <p:cNvSpPr>
+            <a:spLocks noGrp="1"/>
+          </p:cNvSpPr>
+          <p:nvPr>
+            <p:ph type="body" sz="quarter" idx="19"/>
+          </p:nvPr>
+        </p:nvSpPr>
+        <p:spPr>
+          <a:prstGeom prst="roundRect">
+            <a:avLst>
+              <a:gd name="adj" fmla="val 4029"/>
+            </a:avLst>
+          </a:prstGeom>
+        </p:spPr>
+        <p:txBody>
+          <a:bodyPr/>
+          <a:lstStyle/>
+          <a:p>
+            <a:pPr marL="0" indent="0" algn="ctr">
+              <a:spcBef>
+                <a:spcPts val="600"/>
+              </a:spcBef>
+              <a:buNone/>
+            </a:pPr>
+            <a:r>
+              <a:rPr lang="fr-FR" dirty="0"/>
+              <a:t>Publish</a:t>
+            </a:r>
+            <a:endParaRPr lang="en-GB" sz="1600" b="0" dirty="0"/>
+          </a:p>
+        </p:txBody>
+      </p:sp>
+      <p:sp>
+        <p:nvSpPr>
+          <p:cNvPr id="3" name="Slide Number Placeholder 2">
+            <a:extLst>
+              <a:ext uri="{FF2B5EF4-FFF2-40B4-BE49-F238E27FC236}">
+                <a16:creationId xmlns:a16="http://schemas.microsoft.com/office/drawing/2014/main" id="{54EBE8C6-8A56-4FF8-9447-ED471D7BE95A}"/>
+              </a:ext>
+            </a:extLst>
+          </p:cNvPr>
+          <p:cNvSpPr>
+            <a:spLocks noGrp="1"/>
+          </p:cNvSpPr>
+          <p:nvPr>
+            <p:ph type="sldNum" sz="quarter" idx="10"/>
+          </p:nvPr>
+        </p:nvSpPr>
+        <p:spPr/>
+        <p:txBody>
+          <a:bodyPr/>
+          <a:lstStyle/>
+          <a:p>
+            <a:fld id="{E14D0CC5-784E-4B7E-B9F4-EE71C08DA69C}" type="slidenum">
+              <a:rPr lang="fr-FR" smtClean="0"/>
+              <a:pPr/>
+              <a:t>13</a:t>
+            </a:fld>
+            <a:endParaRPr lang="fr-FR" dirty="0"/>
+          </a:p>
+        </p:txBody>
+      </p:sp>
+      <p:sp>
+        <p:nvSpPr>
+          <p:cNvPr id="4" name="Footer Placeholder 3">
+            <a:extLst>
+              <a:ext uri="{FF2B5EF4-FFF2-40B4-BE49-F238E27FC236}">
+                <a16:creationId xmlns:a16="http://schemas.microsoft.com/office/drawing/2014/main" id="{A60F4F9E-EBE4-430F-8751-76CB0A1DAE17}"/>
+              </a:ext>
+            </a:extLst>
+          </p:cNvPr>
+          <p:cNvSpPr>
+            <a:spLocks noGrp="1"/>
+          </p:cNvSpPr>
+          <p:nvPr>
+            <p:ph type="ftr" sz="quarter" idx="11"/>
+          </p:nvPr>
+        </p:nvSpPr>
+        <p:spPr/>
+        <p:txBody>
+          <a:bodyPr/>
+          <a:lstStyle/>
+          <a:p>
+            <a:r>
+              <a:rPr lang="fr-FR" dirty="0"/>
+              <a:t>Unlocked By | K </a:t>
+            </a:r>
+          </a:p>
+        </p:txBody>
+      </p:sp>
+      <p:sp>
+        <p:nvSpPr>
+          <p:cNvPr id="7" name="Text Placeholder 6">
+            <a:extLst>
+              <a:ext uri="{FF2B5EF4-FFF2-40B4-BE49-F238E27FC236}">
+                <a16:creationId xmlns:a16="http://schemas.microsoft.com/office/drawing/2014/main" id="{B9DB5296-C120-42B0-91A7-036F8F1A8B17}"/>
+              </a:ext>
+            </a:extLst>
+          </p:cNvPr>
+          <p:cNvSpPr>
+            <a:spLocks noGrp="1"/>
+          </p:cNvSpPr>
+          <p:nvPr>
+            <p:ph type="body" sz="quarter" idx="16"/>
+          </p:nvPr>
+        </p:nvSpPr>
+        <p:spPr/>
+        <p:txBody>
+          <a:bodyPr/>
+          <a:lstStyle/>
+          <a:p>
+            <a:r>
+              <a:rPr lang="en-US" dirty="0"/>
+              <a:t>Code</a:t>
+            </a:r>
+            <a:endParaRPr lang="en-GB" dirty="0"/>
+          </a:p>
+        </p:txBody>
+      </p:sp>
+      <p:sp>
+        <p:nvSpPr>
+          <p:cNvPr id="13" name="Text Placeholder 7">
+            <a:extLst>
+              <a:ext uri="{FF2B5EF4-FFF2-40B4-BE49-F238E27FC236}">
+                <a16:creationId xmlns:a16="http://schemas.microsoft.com/office/drawing/2014/main" id="{C23351D1-F1E6-A49B-A576-F2FA3ACE59E7}"/>
+              </a:ext>
+            </a:extLst>
+          </p:cNvPr>
+          <p:cNvSpPr>
+            <a:spLocks noGrp="1"/>
+          </p:cNvSpPr>
+          <p:nvPr>
+            <p:ph type="body" sz="quarter" idx="20"/>
+          </p:nvPr>
+        </p:nvSpPr>
+        <p:spPr>
+          <a:prstGeom prst="roundRect">
+            <a:avLst>
+              <a:gd name="adj" fmla="val 3329"/>
+            </a:avLst>
+          </a:prstGeom>
+          <a:solidFill>
+            <a:schemeClr val="bg1">
+              <a:lumMod val="85000"/>
+            </a:schemeClr>
+          </a:solidFill>
+        </p:spPr>
+        <p:txBody>
+          <a:bodyPr/>
+          <a:lstStyle/>
+          <a:p>
+            <a:pPr marL="0" indent="0" algn="ctr">
+              <a:spcBef>
+                <a:spcPts val="600"/>
+              </a:spcBef>
+              <a:buNone/>
+            </a:pPr>
+            <a:r>
+              <a:rPr lang="en-US" dirty="0"/>
+              <a:t>Pipeline</a:t>
+            </a:r>
+          </a:p>
+          <a:p>
+            <a:pPr marL="365760" lvl="1" indent="-274320">
+              <a:spcBef>
+                <a:spcPts val="600"/>
+              </a:spcBef>
+            </a:pPr>
+            <a:r>
+              <a:rPr lang="en-US" b="0" dirty="0"/>
+              <a:t>Static Code Analysis</a:t>
+            </a:r>
+          </a:p>
+          <a:p>
+            <a:pPr marL="365760" lvl="1" indent="-274320">
+              <a:spcBef>
+                <a:spcPts val="600"/>
+              </a:spcBef>
+            </a:pPr>
+            <a:r>
+              <a:rPr lang="en-US" b="0" dirty="0"/>
+              <a:t>Package resolution &amp; Build ?</a:t>
+            </a:r>
+          </a:p>
+          <a:p>
+            <a:pPr marL="365760" lvl="1" indent="-274320">
+              <a:spcBef>
+                <a:spcPts val="600"/>
+              </a:spcBef>
+            </a:pPr>
+            <a:r>
+              <a:rPr lang="en-US" b="0" dirty="0"/>
+              <a:t>Test</a:t>
+            </a:r>
+          </a:p>
+          <a:p>
+            <a:pPr marL="365760" lvl="1" indent="-274320">
+              <a:spcBef>
+                <a:spcPts val="600"/>
+              </a:spcBef>
+            </a:pPr>
+            <a:r>
+              <a:rPr lang="en-US" b="0" dirty="0"/>
+              <a:t>Publish sur env (Dev, Int, Prd)</a:t>
+            </a:r>
+            <a:endParaRPr lang="en-US" sz="1800" dirty="0"/>
+          </a:p>
+        </p:txBody>
+      </p:sp>
+      <p:sp>
+        <p:nvSpPr>
+          <p:cNvPr id="2" name="Title 1">
+            <a:extLst>
+              <a:ext uri="{FF2B5EF4-FFF2-40B4-BE49-F238E27FC236}">
+                <a16:creationId xmlns:a16="http://schemas.microsoft.com/office/drawing/2014/main" id="{CD3E31C6-AC28-4412-A0C4-A8988800354D}"/>
+              </a:ext>
+            </a:extLst>
+          </p:cNvPr>
+          <p:cNvSpPr>
+            <a:spLocks noGrp="1"/>
+          </p:cNvSpPr>
+          <p:nvPr>
+            <p:ph type="title"/>
+          </p:nvPr>
+        </p:nvSpPr>
+        <p:spPr/>
+        <p:txBody>
+          <a:bodyPr/>
+          <a:lstStyle/>
+          <a:p>
+            <a:r>
+              <a:rPr lang="en-US" dirty="0"/>
+              <a:t>Publish &amp; Pipeline</a:t>
+            </a:r>
+            <a:endParaRPr lang="fr-FR" dirty="0"/>
+          </a:p>
+        </p:txBody>
+      </p:sp>
+      <p:sp>
+        <p:nvSpPr>
+          <p:cNvPr id="10" name="Text Placeholder 4">
+            <a:extLst>
+              <a:ext uri="{FF2B5EF4-FFF2-40B4-BE49-F238E27FC236}">
+                <a16:creationId xmlns:a16="http://schemas.microsoft.com/office/drawing/2014/main" id="{6C68C10C-F36A-D03C-94C8-AADF336A1188}"/>
+              </a:ext>
+            </a:extLst>
+          </p:cNvPr>
+          <p:cNvSpPr txBox="1">
+            <a:spLocks/>
+          </p:cNvSpPr>
+          <p:nvPr/>
+        </p:nvSpPr>
+        <p:spPr>
+          <a:xfrm>
+            <a:off x="990601" y="1507253"/>
+            <a:ext cx="4827395" cy="1265443"/>
+          </a:xfrm>
+          <a:prstGeom prst="roundRect">
+            <a:avLst>
+              <a:gd name="adj" fmla="val 12768"/>
+            </a:avLst>
+          </a:prstGeom>
+          <a:ln w="15875">
+            <a:solidFill>
+              <a:schemeClr val="accent1"/>
+            </a:solidFill>
+          </a:ln>
+        </p:spPr>
+        <p:txBody>
+          <a:bodyPr vert="horz" lIns="0" tIns="0" rIns="0" bIns="0" rtlCol="0">
+            <a:noAutofit/>
+          </a:bodyPr>
+          <a:lstStyle>
+            <a:lvl1pPr marL="360000" indent="-360000" algn="l" defTabSz="914400" rtl="0" eaLnBrk="1" latinLnBrk="0" hangingPunct="1">
+              <a:lnSpc>
+                <a:spcPct val="90000"/>
+              </a:lnSpc>
+              <a:spcBef>
+                <a:spcPts val="1000"/>
+              </a:spcBef>
+              <a:buFont typeface="Arial" panose="020B0604020202020204" pitchFamily="34" charset="0"/>
+              <a:buChar char="•"/>
+              <a:defRPr sz="2000" b="1" kern="1200">
+                <a:solidFill>
+                  <a:schemeClr val="tx1"/>
+                </a:solidFill>
+                <a:latin typeface="+mn-lt"/>
+                <a:ea typeface="+mn-ea"/>
+                <a:cs typeface="+mn-cs"/>
+              </a:defRPr>
+            </a:lvl1pPr>
+            <a:lvl2pPr marL="648000" indent="-360000" algn="l" defTabSz="914400" rtl="0" eaLnBrk="1" latinLnBrk="0" hangingPunct="1">
+              <a:lnSpc>
+                <a:spcPct val="90000"/>
+              </a:lnSpc>
+              <a:spcBef>
+                <a:spcPts val="1200"/>
+              </a:spcBef>
+              <a:buFont typeface="Arial" panose="020B0604020202020204" pitchFamily="34" charset="0"/>
+              <a:buChar char="•"/>
+              <a:defRPr sz="1800" b="1" kern="1200">
+                <a:solidFill>
+                  <a:schemeClr val="tx2"/>
+                </a:solidFill>
+                <a:latin typeface="+mn-lt"/>
+                <a:ea typeface="+mn-ea"/>
+                <a:cs typeface="+mn-cs"/>
+              </a:defRPr>
+            </a:lvl2pPr>
+            <a:lvl3pPr marL="648000" indent="-360000" algn="l" defTabSz="914400" rtl="0" eaLnBrk="1" latinLnBrk="0" hangingPunct="1">
+              <a:lnSpc>
+                <a:spcPct val="90000"/>
+              </a:lnSpc>
+              <a:spcBef>
+                <a:spcPts val="1200"/>
+              </a:spcBef>
+              <a:buFont typeface="Arial" panose="020B0604020202020204" pitchFamily="34" charset="0"/>
+              <a:buChar char="•"/>
+              <a:defRPr lang="fr-FR" sz="1400" b="1" kern="1200" dirty="0">
+                <a:solidFill>
+                  <a:schemeClr val="bg1">
+                    <a:lumMod val="65000"/>
+                  </a:schemeClr>
+                </a:solidFill>
+                <a:latin typeface="+mn-lt"/>
+                <a:ea typeface="+mn-lt"/>
+                <a:cs typeface="+mn-lt"/>
+              </a:defRPr>
+            </a:lvl3pPr>
+            <a:lvl4pPr marL="720000" indent="-270000" algn="l" defTabSz="914400" rtl="0" eaLnBrk="1" latinLnBrk="0" hangingPunct="1">
+              <a:lnSpc>
+                <a:spcPct val="90000"/>
+              </a:lnSpc>
+              <a:spcBef>
+                <a:spcPts val="1000"/>
+              </a:spcBef>
+              <a:buFont typeface="Arial" panose="020B0604020202020204" pitchFamily="34" charset="0"/>
+              <a:buChar char="•"/>
+              <a:defRPr sz="1600" kern="1200">
+                <a:solidFill>
+                  <a:schemeClr val="tx2"/>
+                </a:solidFill>
+                <a:latin typeface="+mn-lt"/>
+                <a:ea typeface="+mn-ea"/>
+                <a:cs typeface="+mn-cs"/>
+              </a:defRPr>
+            </a:lvl4pPr>
+            <a:lvl5pPr marL="630000" indent="-270000" algn="l" defTabSz="914400" rtl="0" eaLnBrk="1" latinLnBrk="0" hangingPunct="1">
+              <a:lnSpc>
+                <a:spcPct val="90000"/>
+              </a:lnSpc>
+              <a:spcBef>
+                <a:spcPts val="1000"/>
+              </a:spcBef>
+              <a:buFont typeface="Arial" panose="020B0604020202020204" pitchFamily="34" charset="0"/>
+              <a:buChar char="•"/>
+              <a:defRPr sz="1600" kern="1200">
+                <a:solidFill>
+                  <a:schemeClr val="tx2"/>
+                </a:solidFill>
+                <a:latin typeface="+mn-lt"/>
+                <a:ea typeface="+mn-ea"/>
+                <a:cs typeface="+mn-cs"/>
+              </a:defRPr>
+            </a:lvl5pPr>
+            <a:lvl6pPr marL="2514600" indent="-228600" algn="l" defTabSz="914400" rtl="0" eaLnBrk="1" latinLnBrk="0" hangingPunct="1">
+              <a:lnSpc>
+                <a:spcPct val="90000"/>
+              </a:lnSpc>
+              <a:spcBef>
+                <a:spcPts val="500"/>
+              </a:spcBef>
+              <a:buFont typeface="Arial" panose="020B0604020202020204" pitchFamily="34" charset="0"/>
+              <a:buChar char="•"/>
+              <a:defRPr sz="1800" kern="1200">
+                <a:solidFill>
+                  <a:schemeClr val="tx1"/>
+                </a:solidFill>
+                <a:latin typeface="+mn-lt"/>
+                <a:ea typeface="+mn-ea"/>
+                <a:cs typeface="+mn-cs"/>
+              </a:defRPr>
+            </a:lvl6pPr>
+            <a:lvl7pPr marL="2971800" indent="-228600" algn="l" defTabSz="914400" rtl="0" eaLnBrk="1" latinLnBrk="0" hangingPunct="1">
+              <a:lnSpc>
+                <a:spcPct val="90000"/>
+              </a:lnSpc>
+              <a:spcBef>
+                <a:spcPts val="500"/>
+              </a:spcBef>
+              <a:buFont typeface="Arial" panose="020B0604020202020204" pitchFamily="34" charset="0"/>
+              <a:buChar char="•"/>
+              <a:defRPr sz="1800" kern="1200">
+                <a:solidFill>
+                  <a:schemeClr val="tx1"/>
+                </a:solidFill>
+                <a:latin typeface="+mn-lt"/>
+                <a:ea typeface="+mn-ea"/>
+                <a:cs typeface="+mn-cs"/>
+              </a:defRPr>
+            </a:lvl7pPr>
+            <a:lvl8pPr marL="3429000" indent="-228600" algn="l" defTabSz="914400" rtl="0" eaLnBrk="1" latinLnBrk="0" hangingPunct="1">
+              <a:lnSpc>
+                <a:spcPct val="90000"/>
+              </a:lnSpc>
+              <a:spcBef>
+                <a:spcPts val="500"/>
+              </a:spcBef>
+              <a:buFont typeface="Arial" panose="020B0604020202020204" pitchFamily="34" charset="0"/>
+              <a:buChar char="•"/>
+              <a:defRPr sz="1800" kern="1200">
+                <a:solidFill>
+                  <a:schemeClr val="tx1"/>
+                </a:solidFill>
+                <a:latin typeface="+mn-lt"/>
+                <a:ea typeface="+mn-ea"/>
+                <a:cs typeface="+mn-cs"/>
+              </a:defRPr>
+            </a:lvl8pPr>
+            <a:lvl9pPr marL="3886200" indent="-228600" algn="l" defTabSz="914400" rtl="0" eaLnBrk="1" latinLnBrk="0" hangingPunct="1">
+              <a:lnSpc>
+                <a:spcPct val="90000"/>
+              </a:lnSpc>
+              <a:spcBef>
+                <a:spcPts val="500"/>
+              </a:spcBef>
+              <a:buFont typeface="Arial" panose="020B0604020202020204" pitchFamily="34" charset="0"/>
+              <a:buChar char="•"/>
+              <a:defRPr sz="1800" kern="1200">
+                <a:solidFill>
+                  <a:schemeClr val="tx1"/>
+                </a:solidFill>
+                <a:latin typeface="+mn-lt"/>
+                <a:ea typeface="+mn-ea"/>
+                <a:cs typeface="+mn-cs"/>
+              </a:defRPr>
+            </a:lvl9pPr>
+          </a:lstStyle>
+          <a:p>
+            <a:pPr marL="0" indent="0" algn="ctr">
+              <a:spcBef>
+                <a:spcPts val="600"/>
+              </a:spcBef>
+              <a:buFont typeface="Arial" panose="020B0604020202020204" pitchFamily="34" charset="0"/>
+              <a:buNone/>
+            </a:pPr>
+            <a:r>
+              <a:rPr lang="fr-FR" sz="1800" dirty="0"/>
+              <a:t>App.Angular (In VsCode)</a:t>
+            </a:r>
+            <a:endParaRPr lang="en-GB" sz="1600" b="0" dirty="0"/>
+          </a:p>
+          <a:p>
+            <a:pPr marL="365760" lvl="1" indent="-274320">
+              <a:spcBef>
+                <a:spcPts val="600"/>
+              </a:spcBef>
+            </a:pPr>
+            <a:r>
+              <a:rPr lang="en-GB" sz="1600" dirty="0"/>
+              <a:t>Deploy.</a:t>
+            </a:r>
+            <a:r>
+              <a:rPr lang="en-GB" sz="1600" b="0" dirty="0"/>
+              <a:t> ng deploy (deploy cloud avec firebase)</a:t>
+            </a:r>
+          </a:p>
+          <a:p>
+            <a:pPr marL="365760" lvl="1" indent="-274320">
+              <a:spcBef>
+                <a:spcPts val="600"/>
+              </a:spcBef>
+            </a:pPr>
+            <a:r>
+              <a:rPr lang="en-GB" sz="1600" dirty="0"/>
+              <a:t>Stop cloud app.</a:t>
+            </a:r>
+            <a:r>
+              <a:rPr lang="en-GB" sz="1600" b="0" dirty="0"/>
+              <a:t> firebase </a:t>
+            </a:r>
+            <a:r>
+              <a:rPr lang="en-GB" sz="1600" b="0" dirty="0" err="1"/>
+              <a:t>hosting:disable</a:t>
+            </a:r>
+            <a:endParaRPr lang="en-GB" sz="1600" b="0" dirty="0"/>
+          </a:p>
+        </p:txBody>
+      </p:sp>
+      <p:sp>
+        <p:nvSpPr>
+          <p:cNvPr id="9" name="Text Placeholder 4">
+            <a:extLst>
+              <a:ext uri="{FF2B5EF4-FFF2-40B4-BE49-F238E27FC236}">
+                <a16:creationId xmlns:a16="http://schemas.microsoft.com/office/drawing/2014/main" id="{61D3CDF3-14FD-33ED-7EC1-E98F0290FADA}"/>
+              </a:ext>
+            </a:extLst>
+          </p:cNvPr>
+          <p:cNvSpPr txBox="1">
+            <a:spLocks/>
+          </p:cNvSpPr>
+          <p:nvPr/>
+        </p:nvSpPr>
+        <p:spPr>
+          <a:xfrm>
+            <a:off x="990601" y="2875689"/>
+            <a:ext cx="4827395" cy="2984337"/>
+          </a:xfrm>
+          <a:prstGeom prst="roundRect">
+            <a:avLst>
+              <a:gd name="adj" fmla="val 5629"/>
+            </a:avLst>
+          </a:prstGeom>
+          <a:ln w="15875">
+            <a:solidFill>
+              <a:schemeClr val="accent1"/>
+            </a:solidFill>
+          </a:ln>
+        </p:spPr>
+        <p:txBody>
+          <a:bodyPr vert="horz" lIns="0" tIns="0" rIns="0" bIns="0" rtlCol="0">
+            <a:noAutofit/>
+          </a:bodyPr>
+          <a:lstStyle>
+            <a:lvl1pPr marL="360000" indent="-360000" algn="l" defTabSz="914400" rtl="0" eaLnBrk="1" latinLnBrk="0" hangingPunct="1">
+              <a:lnSpc>
+                <a:spcPct val="90000"/>
+              </a:lnSpc>
+              <a:spcBef>
+                <a:spcPts val="1000"/>
+              </a:spcBef>
+              <a:buFont typeface="Arial" panose="020B0604020202020204" pitchFamily="34" charset="0"/>
+              <a:buChar char="•"/>
+              <a:defRPr sz="2000" b="1" kern="1200">
+                <a:solidFill>
+                  <a:schemeClr val="tx1"/>
+                </a:solidFill>
+                <a:latin typeface="+mn-lt"/>
+                <a:ea typeface="+mn-ea"/>
+                <a:cs typeface="+mn-cs"/>
+              </a:defRPr>
+            </a:lvl1pPr>
+            <a:lvl2pPr marL="648000" indent="-360000" algn="l" defTabSz="914400" rtl="0" eaLnBrk="1" latinLnBrk="0" hangingPunct="1">
+              <a:lnSpc>
+                <a:spcPct val="90000"/>
+              </a:lnSpc>
+              <a:spcBef>
+                <a:spcPts val="1200"/>
+              </a:spcBef>
+              <a:buFont typeface="Arial" panose="020B0604020202020204" pitchFamily="34" charset="0"/>
+              <a:buChar char="•"/>
+              <a:defRPr sz="1800" b="1" kern="1200">
+                <a:solidFill>
+                  <a:schemeClr val="tx2"/>
+                </a:solidFill>
+                <a:latin typeface="+mn-lt"/>
+                <a:ea typeface="+mn-ea"/>
+                <a:cs typeface="+mn-cs"/>
+              </a:defRPr>
+            </a:lvl2pPr>
+            <a:lvl3pPr marL="648000" indent="-360000" algn="l" defTabSz="914400" rtl="0" eaLnBrk="1" latinLnBrk="0" hangingPunct="1">
+              <a:lnSpc>
+                <a:spcPct val="90000"/>
+              </a:lnSpc>
+              <a:spcBef>
+                <a:spcPts val="1200"/>
+              </a:spcBef>
+              <a:buFont typeface="Arial" panose="020B0604020202020204" pitchFamily="34" charset="0"/>
+              <a:buChar char="•"/>
+              <a:defRPr lang="fr-FR" sz="1400" b="1" kern="1200" dirty="0">
+                <a:solidFill>
+                  <a:schemeClr val="bg1">
+                    <a:lumMod val="65000"/>
+                  </a:schemeClr>
+                </a:solidFill>
+                <a:latin typeface="+mn-lt"/>
+                <a:ea typeface="+mn-lt"/>
+                <a:cs typeface="+mn-lt"/>
+              </a:defRPr>
+            </a:lvl3pPr>
+            <a:lvl4pPr marL="720000" indent="-270000" algn="l" defTabSz="914400" rtl="0" eaLnBrk="1" latinLnBrk="0" hangingPunct="1">
+              <a:lnSpc>
+                <a:spcPct val="90000"/>
+              </a:lnSpc>
+              <a:spcBef>
+                <a:spcPts val="1000"/>
+              </a:spcBef>
+              <a:buFont typeface="Arial" panose="020B0604020202020204" pitchFamily="34" charset="0"/>
+              <a:buChar char="•"/>
+              <a:defRPr sz="1600" kern="1200">
+                <a:solidFill>
+                  <a:schemeClr val="tx2"/>
+                </a:solidFill>
+                <a:latin typeface="+mn-lt"/>
+                <a:ea typeface="+mn-ea"/>
+                <a:cs typeface="+mn-cs"/>
+              </a:defRPr>
+            </a:lvl4pPr>
+            <a:lvl5pPr marL="630000" indent="-270000" algn="l" defTabSz="914400" rtl="0" eaLnBrk="1" latinLnBrk="0" hangingPunct="1">
+              <a:lnSpc>
+                <a:spcPct val="90000"/>
+              </a:lnSpc>
+              <a:spcBef>
+                <a:spcPts val="1000"/>
+              </a:spcBef>
+              <a:buFont typeface="Arial" panose="020B0604020202020204" pitchFamily="34" charset="0"/>
+              <a:buChar char="•"/>
+              <a:defRPr sz="1600" kern="1200">
+                <a:solidFill>
+                  <a:schemeClr val="tx2"/>
+                </a:solidFill>
+                <a:latin typeface="+mn-lt"/>
+                <a:ea typeface="+mn-ea"/>
+                <a:cs typeface="+mn-cs"/>
+              </a:defRPr>
+            </a:lvl5pPr>
+            <a:lvl6pPr marL="2514600" indent="-228600" algn="l" defTabSz="914400" rtl="0" eaLnBrk="1" latinLnBrk="0" hangingPunct="1">
+              <a:lnSpc>
+                <a:spcPct val="90000"/>
+              </a:lnSpc>
+              <a:spcBef>
+                <a:spcPts val="500"/>
+              </a:spcBef>
+              <a:buFont typeface="Arial" panose="020B0604020202020204" pitchFamily="34" charset="0"/>
+              <a:buChar char="•"/>
+              <a:defRPr sz="1800" kern="1200">
+                <a:solidFill>
+                  <a:schemeClr val="tx1"/>
+                </a:solidFill>
+                <a:latin typeface="+mn-lt"/>
+                <a:ea typeface="+mn-ea"/>
+                <a:cs typeface="+mn-cs"/>
+              </a:defRPr>
+            </a:lvl6pPr>
+            <a:lvl7pPr marL="2971800" indent="-228600" algn="l" defTabSz="914400" rtl="0" eaLnBrk="1" latinLnBrk="0" hangingPunct="1">
+              <a:lnSpc>
+                <a:spcPct val="90000"/>
+              </a:lnSpc>
+              <a:spcBef>
+                <a:spcPts val="500"/>
+              </a:spcBef>
+              <a:buFont typeface="Arial" panose="020B0604020202020204" pitchFamily="34" charset="0"/>
+              <a:buChar char="•"/>
+              <a:defRPr sz="1800" kern="1200">
+                <a:solidFill>
+                  <a:schemeClr val="tx1"/>
+                </a:solidFill>
+                <a:latin typeface="+mn-lt"/>
+                <a:ea typeface="+mn-ea"/>
+                <a:cs typeface="+mn-cs"/>
+              </a:defRPr>
+            </a:lvl7pPr>
+            <a:lvl8pPr marL="3429000" indent="-228600" algn="l" defTabSz="914400" rtl="0" eaLnBrk="1" latinLnBrk="0" hangingPunct="1">
+              <a:lnSpc>
+                <a:spcPct val="90000"/>
+              </a:lnSpc>
+              <a:spcBef>
+                <a:spcPts val="500"/>
+              </a:spcBef>
+              <a:buFont typeface="Arial" panose="020B0604020202020204" pitchFamily="34" charset="0"/>
+              <a:buChar char="•"/>
+              <a:defRPr sz="1800" kern="1200">
+                <a:solidFill>
+                  <a:schemeClr val="tx1"/>
+                </a:solidFill>
+                <a:latin typeface="+mn-lt"/>
+                <a:ea typeface="+mn-ea"/>
+                <a:cs typeface="+mn-cs"/>
+              </a:defRPr>
+            </a:lvl8pPr>
+            <a:lvl9pPr marL="3886200" indent="-228600" algn="l" defTabSz="914400" rtl="0" eaLnBrk="1" latinLnBrk="0" hangingPunct="1">
+              <a:lnSpc>
+                <a:spcPct val="90000"/>
+              </a:lnSpc>
+              <a:spcBef>
+                <a:spcPts val="500"/>
+              </a:spcBef>
+              <a:buFont typeface="Arial" panose="020B0604020202020204" pitchFamily="34" charset="0"/>
+              <a:buChar char="•"/>
+              <a:defRPr sz="1800" kern="1200">
+                <a:solidFill>
+                  <a:schemeClr val="tx1"/>
+                </a:solidFill>
+                <a:latin typeface="+mn-lt"/>
+                <a:ea typeface="+mn-ea"/>
+                <a:cs typeface="+mn-cs"/>
+              </a:defRPr>
+            </a:lvl9pPr>
+          </a:lstStyle>
+          <a:p>
+            <a:pPr marL="0" indent="0" algn="ctr">
+              <a:spcBef>
+                <a:spcPts val="600"/>
+              </a:spcBef>
+              <a:buFont typeface="Arial" panose="020B0604020202020204" pitchFamily="34" charset="0"/>
+              <a:buNone/>
+            </a:pPr>
+            <a:r>
+              <a:rPr lang="fr-FR" sz="1800" dirty="0"/>
+              <a:t>.Net (App / Api)</a:t>
+            </a:r>
+          </a:p>
+        </p:txBody>
+      </p:sp>
+      <p:sp>
+        <p:nvSpPr>
+          <p:cNvPr id="6" name="Text Placeholder 4">
+            <a:extLst>
+              <a:ext uri="{FF2B5EF4-FFF2-40B4-BE49-F238E27FC236}">
+                <a16:creationId xmlns:a16="http://schemas.microsoft.com/office/drawing/2014/main" id="{2BD9BF4D-9191-609E-C5D7-892BA60A6DDA}"/>
+              </a:ext>
+            </a:extLst>
+          </p:cNvPr>
+          <p:cNvSpPr txBox="1">
+            <a:spLocks/>
+          </p:cNvSpPr>
+          <p:nvPr/>
+        </p:nvSpPr>
+        <p:spPr>
+          <a:xfrm>
+            <a:off x="1067578" y="4434348"/>
+            <a:ext cx="4625300" cy="1197193"/>
+          </a:xfrm>
+          <a:prstGeom prst="roundRect">
+            <a:avLst>
+              <a:gd name="adj" fmla="val 10291"/>
+            </a:avLst>
+          </a:prstGeom>
+          <a:ln w="15875">
+            <a:solidFill>
+              <a:schemeClr val="accent1"/>
+            </a:solidFill>
+          </a:ln>
+        </p:spPr>
+        <p:txBody>
+          <a:bodyPr vert="horz" lIns="0" tIns="0" rIns="0" bIns="0" rtlCol="0">
+            <a:noAutofit/>
+          </a:bodyPr>
+          <a:lstStyle>
+            <a:lvl1pPr marL="360000" indent="-360000" algn="l" defTabSz="914400" rtl="0" eaLnBrk="1" latinLnBrk="0" hangingPunct="1">
+              <a:lnSpc>
+                <a:spcPct val="90000"/>
+              </a:lnSpc>
+              <a:spcBef>
+                <a:spcPts val="1000"/>
+              </a:spcBef>
+              <a:buFont typeface="Arial" panose="020B0604020202020204" pitchFamily="34" charset="0"/>
+              <a:buChar char="•"/>
+              <a:defRPr sz="2000" b="1" kern="1200">
+                <a:solidFill>
+                  <a:schemeClr val="tx1"/>
+                </a:solidFill>
+                <a:latin typeface="+mn-lt"/>
+                <a:ea typeface="+mn-ea"/>
+                <a:cs typeface="+mn-cs"/>
+              </a:defRPr>
+            </a:lvl1pPr>
+            <a:lvl2pPr marL="648000" indent="-360000" algn="l" defTabSz="914400" rtl="0" eaLnBrk="1" latinLnBrk="0" hangingPunct="1">
+              <a:lnSpc>
+                <a:spcPct val="90000"/>
+              </a:lnSpc>
+              <a:spcBef>
+                <a:spcPts val="1200"/>
+              </a:spcBef>
+              <a:buFont typeface="Arial" panose="020B0604020202020204" pitchFamily="34" charset="0"/>
+              <a:buChar char="•"/>
+              <a:defRPr sz="1800" b="1" kern="1200">
+                <a:solidFill>
+                  <a:schemeClr val="tx2"/>
+                </a:solidFill>
+                <a:latin typeface="+mn-lt"/>
+                <a:ea typeface="+mn-ea"/>
+                <a:cs typeface="+mn-cs"/>
+              </a:defRPr>
+            </a:lvl2pPr>
+            <a:lvl3pPr marL="648000" indent="-360000" algn="l" defTabSz="914400" rtl="0" eaLnBrk="1" latinLnBrk="0" hangingPunct="1">
+              <a:lnSpc>
+                <a:spcPct val="90000"/>
+              </a:lnSpc>
+              <a:spcBef>
+                <a:spcPts val="1200"/>
+              </a:spcBef>
+              <a:buFont typeface="Arial" panose="020B0604020202020204" pitchFamily="34" charset="0"/>
+              <a:buChar char="•"/>
+              <a:defRPr lang="fr-FR" sz="1400" b="1" kern="1200" dirty="0">
+                <a:solidFill>
+                  <a:schemeClr val="bg1">
+                    <a:lumMod val="65000"/>
+                  </a:schemeClr>
+                </a:solidFill>
+                <a:latin typeface="+mn-lt"/>
+                <a:ea typeface="+mn-lt"/>
+                <a:cs typeface="+mn-lt"/>
+              </a:defRPr>
+            </a:lvl3pPr>
+            <a:lvl4pPr marL="720000" indent="-270000" algn="l" defTabSz="914400" rtl="0" eaLnBrk="1" latinLnBrk="0" hangingPunct="1">
+              <a:lnSpc>
+                <a:spcPct val="90000"/>
+              </a:lnSpc>
+              <a:spcBef>
+                <a:spcPts val="1000"/>
+              </a:spcBef>
+              <a:buFont typeface="Arial" panose="020B0604020202020204" pitchFamily="34" charset="0"/>
+              <a:buChar char="•"/>
+              <a:defRPr sz="1600" kern="1200">
+                <a:solidFill>
+                  <a:schemeClr val="tx2"/>
+                </a:solidFill>
+                <a:latin typeface="+mn-lt"/>
+                <a:ea typeface="+mn-ea"/>
+                <a:cs typeface="+mn-cs"/>
+              </a:defRPr>
+            </a:lvl4pPr>
+            <a:lvl5pPr marL="630000" indent="-270000" algn="l" defTabSz="914400" rtl="0" eaLnBrk="1" latinLnBrk="0" hangingPunct="1">
+              <a:lnSpc>
+                <a:spcPct val="90000"/>
+              </a:lnSpc>
+              <a:spcBef>
+                <a:spcPts val="1000"/>
+              </a:spcBef>
+              <a:buFont typeface="Arial" panose="020B0604020202020204" pitchFamily="34" charset="0"/>
+              <a:buChar char="•"/>
+              <a:defRPr sz="1600" kern="1200">
+                <a:solidFill>
+                  <a:schemeClr val="tx2"/>
+                </a:solidFill>
+                <a:latin typeface="+mn-lt"/>
+                <a:ea typeface="+mn-ea"/>
+                <a:cs typeface="+mn-cs"/>
+              </a:defRPr>
+            </a:lvl5pPr>
+            <a:lvl6pPr marL="2514600" indent="-228600" algn="l" defTabSz="914400" rtl="0" eaLnBrk="1" latinLnBrk="0" hangingPunct="1">
+              <a:lnSpc>
+                <a:spcPct val="90000"/>
+              </a:lnSpc>
+              <a:spcBef>
+                <a:spcPts val="500"/>
+              </a:spcBef>
+              <a:buFont typeface="Arial" panose="020B0604020202020204" pitchFamily="34" charset="0"/>
+              <a:buChar char="•"/>
+              <a:defRPr sz="1800" kern="1200">
+                <a:solidFill>
+                  <a:schemeClr val="tx1"/>
+                </a:solidFill>
+                <a:latin typeface="+mn-lt"/>
+                <a:ea typeface="+mn-ea"/>
+                <a:cs typeface="+mn-cs"/>
+              </a:defRPr>
+            </a:lvl6pPr>
+            <a:lvl7pPr marL="2971800" indent="-228600" algn="l" defTabSz="914400" rtl="0" eaLnBrk="1" latinLnBrk="0" hangingPunct="1">
+              <a:lnSpc>
+                <a:spcPct val="90000"/>
+              </a:lnSpc>
+              <a:spcBef>
+                <a:spcPts val="500"/>
+              </a:spcBef>
+              <a:buFont typeface="Arial" panose="020B0604020202020204" pitchFamily="34" charset="0"/>
+              <a:buChar char="•"/>
+              <a:defRPr sz="1800" kern="1200">
+                <a:solidFill>
+                  <a:schemeClr val="tx1"/>
+                </a:solidFill>
+                <a:latin typeface="+mn-lt"/>
+                <a:ea typeface="+mn-ea"/>
+                <a:cs typeface="+mn-cs"/>
+              </a:defRPr>
+            </a:lvl7pPr>
+            <a:lvl8pPr marL="3429000" indent="-228600" algn="l" defTabSz="914400" rtl="0" eaLnBrk="1" latinLnBrk="0" hangingPunct="1">
+              <a:lnSpc>
+                <a:spcPct val="90000"/>
+              </a:lnSpc>
+              <a:spcBef>
+                <a:spcPts val="500"/>
+              </a:spcBef>
+              <a:buFont typeface="Arial" panose="020B0604020202020204" pitchFamily="34" charset="0"/>
+              <a:buChar char="•"/>
+              <a:defRPr sz="1800" kern="1200">
+                <a:solidFill>
+                  <a:schemeClr val="tx1"/>
+                </a:solidFill>
+                <a:latin typeface="+mn-lt"/>
+                <a:ea typeface="+mn-ea"/>
+                <a:cs typeface="+mn-cs"/>
+              </a:defRPr>
+            </a:lvl8pPr>
+            <a:lvl9pPr marL="3886200" indent="-228600" algn="l" defTabSz="914400" rtl="0" eaLnBrk="1" latinLnBrk="0" hangingPunct="1">
+              <a:lnSpc>
+                <a:spcPct val="90000"/>
+              </a:lnSpc>
+              <a:spcBef>
+                <a:spcPts val="500"/>
+              </a:spcBef>
+              <a:buFont typeface="Arial" panose="020B0604020202020204" pitchFamily="34" charset="0"/>
+              <a:buChar char="•"/>
+              <a:defRPr sz="1800" kern="1200">
+                <a:solidFill>
+                  <a:schemeClr val="tx1"/>
+                </a:solidFill>
+                <a:latin typeface="+mn-lt"/>
+                <a:ea typeface="+mn-ea"/>
+                <a:cs typeface="+mn-cs"/>
+              </a:defRPr>
+            </a:lvl9pPr>
+          </a:lstStyle>
+          <a:p>
+            <a:pPr marL="0" indent="0" algn="ctr">
+              <a:spcBef>
+                <a:spcPts val="600"/>
+              </a:spcBef>
+              <a:buFont typeface="Arial" panose="020B0604020202020204" pitchFamily="34" charset="0"/>
+              <a:buNone/>
+            </a:pPr>
+            <a:r>
+              <a:rPr lang="en-GB" sz="1800" dirty="0">
+                <a:hlinkClick r:id="rId3"/>
+              </a:rPr>
+              <a:t>Si VsCode</a:t>
+            </a:r>
+            <a:endParaRPr lang="en-GB" sz="1800" dirty="0"/>
+          </a:p>
+          <a:p>
+            <a:pPr marL="274320" indent="-182880">
+              <a:spcBef>
+                <a:spcPts val="600"/>
+              </a:spcBef>
+            </a:pPr>
+            <a:r>
+              <a:rPr lang="fr-FR" sz="1200" b="0" dirty="0" err="1">
+                <a:solidFill>
+                  <a:schemeClr val="tx2"/>
+                </a:solidFill>
+              </a:rPr>
+              <a:t>Gen</a:t>
+            </a:r>
+            <a:r>
+              <a:rPr lang="fr-FR" sz="1200" b="0" dirty="0">
+                <a:solidFill>
+                  <a:schemeClr val="tx2"/>
+                </a:solidFill>
+              </a:rPr>
+              <a:t> ./Publish. Ds « Src/Api », run </a:t>
+            </a:r>
+            <a:r>
+              <a:rPr lang="en-US" sz="1200" b="0" dirty="0">
+                <a:solidFill>
+                  <a:schemeClr val="tx2"/>
+                </a:solidFill>
+              </a:rPr>
+              <a:t>“</a:t>
+            </a:r>
+            <a:r>
+              <a:rPr lang="en-GB" sz="1200" b="0" dirty="0">
+                <a:solidFill>
+                  <a:srgbClr val="9CDCFE"/>
+                </a:solidFill>
+                <a:latin typeface="Consolas" panose="020B0609020204030204" pitchFamily="49" charset="0"/>
+              </a:rPr>
+              <a:t>dotnet publish -c Release -o ./bin/Publish</a:t>
+            </a:r>
+            <a:r>
+              <a:rPr lang="en-GB" sz="1200" b="0" dirty="0">
+                <a:solidFill>
+                  <a:schemeClr val="tx2"/>
+                </a:solidFill>
+              </a:rPr>
+              <a:t>” (génère dans le dossier /bin)</a:t>
+            </a:r>
+          </a:p>
+          <a:p>
+            <a:pPr marL="274320" indent="-182880">
+              <a:spcBef>
+                <a:spcPts val="600"/>
+              </a:spcBef>
+            </a:pPr>
+            <a:r>
+              <a:rPr lang="en-GB" sz="1200" b="0" dirty="0">
+                <a:solidFill>
+                  <a:schemeClr val="tx2"/>
+                </a:solidFill>
+              </a:rPr>
+              <a:t>Déployer sur Azure. Ds extension “Azure /  Subscription / </a:t>
+            </a:r>
+            <a:r>
+              <a:rPr lang="en-GB" sz="1200" b="0" dirty="0" err="1">
+                <a:solidFill>
+                  <a:schemeClr val="tx2"/>
+                </a:solidFill>
+              </a:rPr>
+              <a:t>AppServices</a:t>
+            </a:r>
+            <a:r>
+              <a:rPr lang="en-GB" sz="1200" b="0" dirty="0">
+                <a:solidFill>
+                  <a:schemeClr val="tx2"/>
+                </a:solidFill>
+              </a:rPr>
+              <a:t>”. </a:t>
+            </a:r>
+            <a:r>
+              <a:rPr lang="en-GB" sz="1200" b="0" dirty="0" err="1">
+                <a:solidFill>
+                  <a:schemeClr val="tx2"/>
+                </a:solidFill>
+              </a:rPr>
+              <a:t>ClicDroit</a:t>
+            </a:r>
+            <a:r>
+              <a:rPr lang="en-GB" sz="1200" b="0" dirty="0">
+                <a:solidFill>
+                  <a:schemeClr val="tx2"/>
+                </a:solidFill>
+              </a:rPr>
+              <a:t> “Deploy to web App”</a:t>
+            </a:r>
+          </a:p>
+        </p:txBody>
+      </p:sp>
+      <p:sp>
+        <p:nvSpPr>
+          <p:cNvPr id="8" name="Text Placeholder 4">
+            <a:extLst>
+              <a:ext uri="{FF2B5EF4-FFF2-40B4-BE49-F238E27FC236}">
+                <a16:creationId xmlns:a16="http://schemas.microsoft.com/office/drawing/2014/main" id="{4D1660CA-0B13-98EE-99C7-E3A59CCD2087}"/>
+              </a:ext>
+            </a:extLst>
+          </p:cNvPr>
+          <p:cNvSpPr txBox="1">
+            <a:spLocks/>
+          </p:cNvSpPr>
+          <p:nvPr/>
+        </p:nvSpPr>
+        <p:spPr>
+          <a:xfrm>
+            <a:off x="1091648" y="3237156"/>
+            <a:ext cx="4625300" cy="1094200"/>
+          </a:xfrm>
+          <a:prstGeom prst="roundRect">
+            <a:avLst>
+              <a:gd name="adj" fmla="val 10291"/>
+            </a:avLst>
+          </a:prstGeom>
+          <a:ln w="15875">
+            <a:solidFill>
+              <a:schemeClr val="accent1"/>
+            </a:solidFill>
+          </a:ln>
+        </p:spPr>
+        <p:txBody>
+          <a:bodyPr vert="horz" lIns="0" tIns="0" rIns="0" bIns="0" rtlCol="0">
+            <a:noAutofit/>
+          </a:bodyPr>
+          <a:lstStyle>
+            <a:lvl1pPr marL="360000" indent="-360000" algn="l" defTabSz="914400" rtl="0" eaLnBrk="1" latinLnBrk="0" hangingPunct="1">
+              <a:lnSpc>
+                <a:spcPct val="90000"/>
+              </a:lnSpc>
+              <a:spcBef>
+                <a:spcPts val="1000"/>
+              </a:spcBef>
+              <a:buFont typeface="Arial" panose="020B0604020202020204" pitchFamily="34" charset="0"/>
+              <a:buChar char="•"/>
+              <a:defRPr sz="2000" b="1" kern="1200">
+                <a:solidFill>
+                  <a:schemeClr val="tx1"/>
+                </a:solidFill>
+                <a:latin typeface="+mn-lt"/>
+                <a:ea typeface="+mn-ea"/>
+                <a:cs typeface="+mn-cs"/>
+              </a:defRPr>
+            </a:lvl1pPr>
+            <a:lvl2pPr marL="648000" indent="-360000" algn="l" defTabSz="914400" rtl="0" eaLnBrk="1" latinLnBrk="0" hangingPunct="1">
+              <a:lnSpc>
+                <a:spcPct val="90000"/>
+              </a:lnSpc>
+              <a:spcBef>
+                <a:spcPts val="1200"/>
+              </a:spcBef>
+              <a:buFont typeface="Arial" panose="020B0604020202020204" pitchFamily="34" charset="0"/>
+              <a:buChar char="•"/>
+              <a:defRPr sz="1800" b="1" kern="1200">
+                <a:solidFill>
+                  <a:schemeClr val="tx2"/>
+                </a:solidFill>
+                <a:latin typeface="+mn-lt"/>
+                <a:ea typeface="+mn-ea"/>
+                <a:cs typeface="+mn-cs"/>
+              </a:defRPr>
+            </a:lvl2pPr>
+            <a:lvl3pPr marL="648000" indent="-360000" algn="l" defTabSz="914400" rtl="0" eaLnBrk="1" latinLnBrk="0" hangingPunct="1">
+              <a:lnSpc>
+                <a:spcPct val="90000"/>
+              </a:lnSpc>
+              <a:spcBef>
+                <a:spcPts val="1200"/>
+              </a:spcBef>
+              <a:buFont typeface="Arial" panose="020B0604020202020204" pitchFamily="34" charset="0"/>
+              <a:buChar char="•"/>
+              <a:defRPr lang="fr-FR" sz="1400" b="1" kern="1200" dirty="0">
+                <a:solidFill>
+                  <a:schemeClr val="bg1">
+                    <a:lumMod val="65000"/>
+                  </a:schemeClr>
+                </a:solidFill>
+                <a:latin typeface="+mn-lt"/>
+                <a:ea typeface="+mn-lt"/>
+                <a:cs typeface="+mn-lt"/>
+              </a:defRPr>
+            </a:lvl3pPr>
+            <a:lvl4pPr marL="720000" indent="-270000" algn="l" defTabSz="914400" rtl="0" eaLnBrk="1" latinLnBrk="0" hangingPunct="1">
+              <a:lnSpc>
+                <a:spcPct val="90000"/>
+              </a:lnSpc>
+              <a:spcBef>
+                <a:spcPts val="1000"/>
+              </a:spcBef>
+              <a:buFont typeface="Arial" panose="020B0604020202020204" pitchFamily="34" charset="0"/>
+              <a:buChar char="•"/>
+              <a:defRPr sz="1600" kern="1200">
+                <a:solidFill>
+                  <a:schemeClr val="tx2"/>
+                </a:solidFill>
+                <a:latin typeface="+mn-lt"/>
+                <a:ea typeface="+mn-ea"/>
+                <a:cs typeface="+mn-cs"/>
+              </a:defRPr>
+            </a:lvl4pPr>
+            <a:lvl5pPr marL="630000" indent="-270000" algn="l" defTabSz="914400" rtl="0" eaLnBrk="1" latinLnBrk="0" hangingPunct="1">
+              <a:lnSpc>
+                <a:spcPct val="90000"/>
+              </a:lnSpc>
+              <a:spcBef>
+                <a:spcPts val="1000"/>
+              </a:spcBef>
+              <a:buFont typeface="Arial" panose="020B0604020202020204" pitchFamily="34" charset="0"/>
+              <a:buChar char="•"/>
+              <a:defRPr sz="1600" kern="1200">
+                <a:solidFill>
+                  <a:schemeClr val="tx2"/>
+                </a:solidFill>
+                <a:latin typeface="+mn-lt"/>
+                <a:ea typeface="+mn-ea"/>
+                <a:cs typeface="+mn-cs"/>
+              </a:defRPr>
+            </a:lvl5pPr>
+            <a:lvl6pPr marL="2514600" indent="-228600" algn="l" defTabSz="914400" rtl="0" eaLnBrk="1" latinLnBrk="0" hangingPunct="1">
+              <a:lnSpc>
+                <a:spcPct val="90000"/>
+              </a:lnSpc>
+              <a:spcBef>
+                <a:spcPts val="500"/>
+              </a:spcBef>
+              <a:buFont typeface="Arial" panose="020B0604020202020204" pitchFamily="34" charset="0"/>
+              <a:buChar char="•"/>
+              <a:defRPr sz="1800" kern="1200">
+                <a:solidFill>
+                  <a:schemeClr val="tx1"/>
+                </a:solidFill>
+                <a:latin typeface="+mn-lt"/>
+                <a:ea typeface="+mn-ea"/>
+                <a:cs typeface="+mn-cs"/>
+              </a:defRPr>
+            </a:lvl6pPr>
+            <a:lvl7pPr marL="2971800" indent="-228600" algn="l" defTabSz="914400" rtl="0" eaLnBrk="1" latinLnBrk="0" hangingPunct="1">
+              <a:lnSpc>
+                <a:spcPct val="90000"/>
+              </a:lnSpc>
+              <a:spcBef>
+                <a:spcPts val="500"/>
+              </a:spcBef>
+              <a:buFont typeface="Arial" panose="020B0604020202020204" pitchFamily="34" charset="0"/>
+              <a:buChar char="•"/>
+              <a:defRPr sz="1800" kern="1200">
+                <a:solidFill>
+                  <a:schemeClr val="tx1"/>
+                </a:solidFill>
+                <a:latin typeface="+mn-lt"/>
+                <a:ea typeface="+mn-ea"/>
+                <a:cs typeface="+mn-cs"/>
+              </a:defRPr>
+            </a:lvl7pPr>
+            <a:lvl8pPr marL="3429000" indent="-228600" algn="l" defTabSz="914400" rtl="0" eaLnBrk="1" latinLnBrk="0" hangingPunct="1">
+              <a:lnSpc>
+                <a:spcPct val="90000"/>
+              </a:lnSpc>
+              <a:spcBef>
+                <a:spcPts val="500"/>
+              </a:spcBef>
+              <a:buFont typeface="Arial" panose="020B0604020202020204" pitchFamily="34" charset="0"/>
+              <a:buChar char="•"/>
+              <a:defRPr sz="1800" kern="1200">
+                <a:solidFill>
+                  <a:schemeClr val="tx1"/>
+                </a:solidFill>
+                <a:latin typeface="+mn-lt"/>
+                <a:ea typeface="+mn-ea"/>
+                <a:cs typeface="+mn-cs"/>
+              </a:defRPr>
+            </a:lvl8pPr>
+            <a:lvl9pPr marL="3886200" indent="-228600" algn="l" defTabSz="914400" rtl="0" eaLnBrk="1" latinLnBrk="0" hangingPunct="1">
+              <a:lnSpc>
+                <a:spcPct val="90000"/>
+              </a:lnSpc>
+              <a:spcBef>
+                <a:spcPts val="500"/>
+              </a:spcBef>
+              <a:buFont typeface="Arial" panose="020B0604020202020204" pitchFamily="34" charset="0"/>
+              <a:buChar char="•"/>
+              <a:defRPr sz="1800" kern="1200">
+                <a:solidFill>
+                  <a:schemeClr val="tx1"/>
+                </a:solidFill>
+                <a:latin typeface="+mn-lt"/>
+                <a:ea typeface="+mn-ea"/>
+                <a:cs typeface="+mn-cs"/>
+              </a:defRPr>
+            </a:lvl9pPr>
+          </a:lstStyle>
+          <a:p>
+            <a:pPr marL="0" indent="0" algn="ctr">
+              <a:spcBef>
+                <a:spcPts val="600"/>
+              </a:spcBef>
+              <a:buFont typeface="Arial" panose="020B0604020202020204" pitchFamily="34" charset="0"/>
+              <a:buNone/>
+            </a:pPr>
+            <a:r>
+              <a:rPr lang="en-GB" sz="1800" dirty="0"/>
+              <a:t>Si Vs202X</a:t>
+            </a:r>
+          </a:p>
+          <a:p>
+            <a:pPr marL="274320" indent="-182880">
+              <a:spcBef>
+                <a:spcPts val="600"/>
+              </a:spcBef>
+            </a:pPr>
+            <a:r>
+              <a:rPr lang="fr-FR" sz="1200" dirty="0">
+                <a:solidFill>
+                  <a:schemeClr val="tx2"/>
+                </a:solidFill>
+              </a:rPr>
+              <a:t>Publish.</a:t>
+            </a:r>
+            <a:r>
+              <a:rPr lang="fr-FR" sz="1200" b="0" dirty="0">
+                <a:solidFill>
+                  <a:schemeClr val="tx2"/>
+                </a:solidFill>
+              </a:rPr>
+              <a:t> </a:t>
+            </a:r>
+            <a:r>
+              <a:rPr lang="fr-FR" sz="1200" dirty="0">
+                <a:solidFill>
+                  <a:schemeClr val="tx2"/>
+                </a:solidFill>
+                <a:hlinkClick r:id="rId4"/>
+              </a:rPr>
+              <a:t>Clic droit sur projet « Presentation » / Publish…</a:t>
+            </a:r>
+            <a:endParaRPr lang="en-GB" sz="1200" dirty="0">
+              <a:solidFill>
+                <a:schemeClr val="tx2"/>
+              </a:solidFill>
+            </a:endParaRPr>
+          </a:p>
+        </p:txBody>
+      </p:sp>
+    </p:spTree>
+    <p:extLst>
+      <p:ext uri="{BB962C8B-B14F-4D97-AF65-F5344CB8AC3E}">
+        <p14:creationId xmlns:p14="http://schemas.microsoft.com/office/powerpoint/2010/main" val="2477077953"/>
+      </p:ext>
+    </p:extLst>
+  </p:cSld>
+  <p:clrMapOvr>
+    <a:masterClrMapping/>
+  </p:clrMapOvr>
+  <p:extLst>
+    <p:ext uri="{6950BFC3-D8DA-4A85-94F7-54DA5524770B}">
+      <p188:commentRel xmlns:p188="http://schemas.microsoft.com/office/powerpoint/2018/8/main" r:id="rId2"/>
+    </p:ext>
+  </p:extLst>
+</p:sld>
+</file>
+
+<file path=ppt/slides/slide14.xml><?xml version="1.0" encoding="utf-8"?>
+<p:sld xmlns:a="http://schemas.openxmlformats.org/drawingml/2006/main" xmlns:r="http://schemas.openxmlformats.org/officeDocument/2006/relationships" xmlns:p="http://schemas.openxmlformats.org/presentationml/2006/main">
+  <p:cSld>
+    <p:spTree>
+      <p:nvGrpSpPr>
+        <p:cNvPr id="1" name=""/>
+        <p:cNvGrpSpPr/>
+        <p:nvPr/>
+      </p:nvGrpSpPr>
+      <p:grpSpPr>
+        <a:xfrm>
+          <a:off x="0" y="0"/>
+          <a:ext cx="0" cy="0"/>
+          <a:chOff x="0" y="0"/>
+          <a:chExt cx="0" cy="0"/>
+        </a:xfrm>
+      </p:grpSpPr>
+      <p:sp>
+        <p:nvSpPr>
           <p:cNvPr id="7" name="Espace réservé du numéro de diapositive 1">
             <a:extLst>
               <a:ext uri="{FF2B5EF4-FFF2-40B4-BE49-F238E27FC236}">
@@ -9134,7 +10447,7 @@
           <a:p>
             <a:fld id="{E14D0CC5-784E-4B7E-B9F4-EE71C08DA69C}" type="slidenum">
               <a:rPr lang="fr-FR" smtClean="0"/>
-              <a:t>13</a:t>
+              <a:t>14</a:t>
             </a:fld>
             <a:endParaRPr lang="fr-FR"/>
           </a:p>
@@ -10216,1311 +11529,6 @@
   <p:clrMapOvr>
     <a:masterClrMapping/>
   </p:clrMapOvr>
-</p:sld>
-</file>
-
-<file path=ppt/slides/slide14.xml><?xml version="1.0" encoding="utf-8"?>
-<p:sld xmlns:a="http://schemas.openxmlformats.org/drawingml/2006/main" xmlns:r="http://schemas.openxmlformats.org/officeDocument/2006/relationships" xmlns:p="http://schemas.openxmlformats.org/presentationml/2006/main">
-  <p:cSld>
-    <p:spTree>
-      <p:nvGrpSpPr>
-        <p:cNvPr id="1" name=""/>
-        <p:cNvGrpSpPr/>
-        <p:nvPr/>
-      </p:nvGrpSpPr>
-      <p:grpSpPr>
-        <a:xfrm>
-          <a:off x="0" y="0"/>
-          <a:ext cx="0" cy="0"/>
-          <a:chOff x="0" y="0"/>
-          <a:chExt cx="0" cy="0"/>
-        </a:xfrm>
-      </p:grpSpPr>
-      <p:sp>
-        <p:nvSpPr>
-          <p:cNvPr id="5" name="Text Placeholder 4">
-            <a:extLst>
-              <a:ext uri="{FF2B5EF4-FFF2-40B4-BE49-F238E27FC236}">
-                <a16:creationId xmlns:a16="http://schemas.microsoft.com/office/drawing/2014/main" id="{216AB527-A222-464A-8558-1D6C7671F74D}"/>
-              </a:ext>
-            </a:extLst>
-          </p:cNvPr>
-          <p:cNvSpPr>
-            <a:spLocks noGrp="1"/>
-          </p:cNvSpPr>
-          <p:nvPr>
-            <p:ph type="body" sz="quarter" idx="19"/>
-          </p:nvPr>
-        </p:nvSpPr>
-        <p:spPr>
-          <a:prstGeom prst="roundRect">
-            <a:avLst>
-              <a:gd name="adj" fmla="val 4029"/>
-            </a:avLst>
-          </a:prstGeom>
-        </p:spPr>
-        <p:txBody>
-          <a:bodyPr/>
-          <a:lstStyle/>
-          <a:p>
-            <a:pPr marL="0" indent="0" algn="ctr">
-              <a:spcBef>
-                <a:spcPts val="600"/>
-              </a:spcBef>
-              <a:buNone/>
-            </a:pPr>
-            <a:r>
-              <a:rPr lang="fr-FR" dirty="0"/>
-              <a:t>Publish</a:t>
-            </a:r>
-            <a:endParaRPr lang="en-GB" sz="1600" b="0" dirty="0"/>
-          </a:p>
-        </p:txBody>
-      </p:sp>
-      <p:sp>
-        <p:nvSpPr>
-          <p:cNvPr id="3" name="Slide Number Placeholder 2">
-            <a:extLst>
-              <a:ext uri="{FF2B5EF4-FFF2-40B4-BE49-F238E27FC236}">
-                <a16:creationId xmlns:a16="http://schemas.microsoft.com/office/drawing/2014/main" id="{54EBE8C6-8A56-4FF8-9447-ED471D7BE95A}"/>
-              </a:ext>
-            </a:extLst>
-          </p:cNvPr>
-          <p:cNvSpPr>
-            <a:spLocks noGrp="1"/>
-          </p:cNvSpPr>
-          <p:nvPr>
-            <p:ph type="sldNum" sz="quarter" idx="10"/>
-          </p:nvPr>
-        </p:nvSpPr>
-        <p:spPr/>
-        <p:txBody>
-          <a:bodyPr/>
-          <a:lstStyle/>
-          <a:p>
-            <a:fld id="{E14D0CC5-784E-4B7E-B9F4-EE71C08DA69C}" type="slidenum">
-              <a:rPr lang="fr-FR" smtClean="0"/>
-              <a:pPr/>
-              <a:t>14</a:t>
-            </a:fld>
-            <a:endParaRPr lang="fr-FR" dirty="0"/>
-          </a:p>
-        </p:txBody>
-      </p:sp>
-      <p:sp>
-        <p:nvSpPr>
-          <p:cNvPr id="4" name="Footer Placeholder 3">
-            <a:extLst>
-              <a:ext uri="{FF2B5EF4-FFF2-40B4-BE49-F238E27FC236}">
-                <a16:creationId xmlns:a16="http://schemas.microsoft.com/office/drawing/2014/main" id="{A60F4F9E-EBE4-430F-8751-76CB0A1DAE17}"/>
-              </a:ext>
-            </a:extLst>
-          </p:cNvPr>
-          <p:cNvSpPr>
-            <a:spLocks noGrp="1"/>
-          </p:cNvSpPr>
-          <p:nvPr>
-            <p:ph type="ftr" sz="quarter" idx="11"/>
-          </p:nvPr>
-        </p:nvSpPr>
-        <p:spPr/>
-        <p:txBody>
-          <a:bodyPr/>
-          <a:lstStyle/>
-          <a:p>
-            <a:r>
-              <a:rPr lang="fr-FR" dirty="0"/>
-              <a:t>Unlocked By | K </a:t>
-            </a:r>
-          </a:p>
-        </p:txBody>
-      </p:sp>
-      <p:sp>
-        <p:nvSpPr>
-          <p:cNvPr id="7" name="Text Placeholder 6">
-            <a:extLst>
-              <a:ext uri="{FF2B5EF4-FFF2-40B4-BE49-F238E27FC236}">
-                <a16:creationId xmlns:a16="http://schemas.microsoft.com/office/drawing/2014/main" id="{B9DB5296-C120-42B0-91A7-036F8F1A8B17}"/>
-              </a:ext>
-            </a:extLst>
-          </p:cNvPr>
-          <p:cNvSpPr>
-            <a:spLocks noGrp="1"/>
-          </p:cNvSpPr>
-          <p:nvPr>
-            <p:ph type="body" sz="quarter" idx="16"/>
-          </p:nvPr>
-        </p:nvSpPr>
-        <p:spPr/>
-        <p:txBody>
-          <a:bodyPr/>
-          <a:lstStyle/>
-          <a:p>
-            <a:r>
-              <a:rPr lang="en-US" dirty="0"/>
-              <a:t>Code</a:t>
-            </a:r>
-            <a:endParaRPr lang="en-GB" dirty="0"/>
-          </a:p>
-        </p:txBody>
-      </p:sp>
-      <p:sp>
-        <p:nvSpPr>
-          <p:cNvPr id="13" name="Text Placeholder 7">
-            <a:extLst>
-              <a:ext uri="{FF2B5EF4-FFF2-40B4-BE49-F238E27FC236}">
-                <a16:creationId xmlns:a16="http://schemas.microsoft.com/office/drawing/2014/main" id="{C23351D1-F1E6-A49B-A576-F2FA3ACE59E7}"/>
-              </a:ext>
-            </a:extLst>
-          </p:cNvPr>
-          <p:cNvSpPr>
-            <a:spLocks noGrp="1"/>
-          </p:cNvSpPr>
-          <p:nvPr>
-            <p:ph type="body" sz="quarter" idx="20"/>
-          </p:nvPr>
-        </p:nvSpPr>
-        <p:spPr>
-          <a:prstGeom prst="roundRect">
-            <a:avLst>
-              <a:gd name="adj" fmla="val 3329"/>
-            </a:avLst>
-          </a:prstGeom>
-          <a:solidFill>
-            <a:schemeClr val="bg1">
-              <a:lumMod val="85000"/>
-            </a:schemeClr>
-          </a:solidFill>
-        </p:spPr>
-        <p:txBody>
-          <a:bodyPr/>
-          <a:lstStyle/>
-          <a:p>
-            <a:pPr marL="0" indent="0" algn="ctr">
-              <a:spcBef>
-                <a:spcPts val="600"/>
-              </a:spcBef>
-              <a:buNone/>
-            </a:pPr>
-            <a:r>
-              <a:rPr lang="en-US" dirty="0"/>
-              <a:t>Pipeline</a:t>
-            </a:r>
-          </a:p>
-          <a:p>
-            <a:pPr marL="365760" lvl="1" indent="-274320">
-              <a:spcBef>
-                <a:spcPts val="600"/>
-              </a:spcBef>
-            </a:pPr>
-            <a:r>
-              <a:rPr lang="en-US" b="0" dirty="0"/>
-              <a:t>Static Code Analysis</a:t>
-            </a:r>
-          </a:p>
-          <a:p>
-            <a:pPr marL="365760" lvl="1" indent="-274320">
-              <a:spcBef>
-                <a:spcPts val="600"/>
-              </a:spcBef>
-            </a:pPr>
-            <a:r>
-              <a:rPr lang="en-US" b="0" dirty="0"/>
-              <a:t>Package resolution &amp; Build ?</a:t>
-            </a:r>
-          </a:p>
-          <a:p>
-            <a:pPr marL="365760" lvl="1" indent="-274320">
-              <a:spcBef>
-                <a:spcPts val="600"/>
-              </a:spcBef>
-            </a:pPr>
-            <a:r>
-              <a:rPr lang="en-US" b="0" dirty="0"/>
-              <a:t>Test</a:t>
-            </a:r>
-          </a:p>
-          <a:p>
-            <a:pPr marL="365760" lvl="1" indent="-274320">
-              <a:spcBef>
-                <a:spcPts val="600"/>
-              </a:spcBef>
-            </a:pPr>
-            <a:r>
-              <a:rPr lang="en-US" b="0" dirty="0"/>
-              <a:t>Publish sur env (Dev, Int, Prd)</a:t>
-            </a:r>
-            <a:endParaRPr lang="en-US" sz="1800" dirty="0"/>
-          </a:p>
-        </p:txBody>
-      </p:sp>
-      <p:sp>
-        <p:nvSpPr>
-          <p:cNvPr id="2" name="Title 1">
-            <a:extLst>
-              <a:ext uri="{FF2B5EF4-FFF2-40B4-BE49-F238E27FC236}">
-                <a16:creationId xmlns:a16="http://schemas.microsoft.com/office/drawing/2014/main" id="{CD3E31C6-AC28-4412-A0C4-A8988800354D}"/>
-              </a:ext>
-            </a:extLst>
-          </p:cNvPr>
-          <p:cNvSpPr>
-            <a:spLocks noGrp="1"/>
-          </p:cNvSpPr>
-          <p:nvPr>
-            <p:ph type="title"/>
-          </p:nvPr>
-        </p:nvSpPr>
-        <p:spPr/>
-        <p:txBody>
-          <a:bodyPr/>
-          <a:lstStyle/>
-          <a:p>
-            <a:r>
-              <a:rPr lang="en-US" dirty="0"/>
-              <a:t>Publish &amp; Pipeline</a:t>
-            </a:r>
-            <a:endParaRPr lang="fr-FR" dirty="0"/>
-          </a:p>
-        </p:txBody>
-      </p:sp>
-      <p:sp>
-        <p:nvSpPr>
-          <p:cNvPr id="10" name="Text Placeholder 4">
-            <a:extLst>
-              <a:ext uri="{FF2B5EF4-FFF2-40B4-BE49-F238E27FC236}">
-                <a16:creationId xmlns:a16="http://schemas.microsoft.com/office/drawing/2014/main" id="{6C68C10C-F36A-D03C-94C8-AADF336A1188}"/>
-              </a:ext>
-            </a:extLst>
-          </p:cNvPr>
-          <p:cNvSpPr txBox="1">
-            <a:spLocks/>
-          </p:cNvSpPr>
-          <p:nvPr/>
-        </p:nvSpPr>
-        <p:spPr>
-          <a:xfrm>
-            <a:off x="990601" y="1507253"/>
-            <a:ext cx="4827395" cy="1265443"/>
-          </a:xfrm>
-          <a:prstGeom prst="roundRect">
-            <a:avLst>
-              <a:gd name="adj" fmla="val 12768"/>
-            </a:avLst>
-          </a:prstGeom>
-          <a:ln w="15875">
-            <a:solidFill>
-              <a:schemeClr val="accent1"/>
-            </a:solidFill>
-          </a:ln>
-        </p:spPr>
-        <p:txBody>
-          <a:bodyPr vert="horz" lIns="0" tIns="0" rIns="0" bIns="0" rtlCol="0">
-            <a:noAutofit/>
-          </a:bodyPr>
-          <a:lstStyle>
-            <a:lvl1pPr marL="360000" indent="-360000" algn="l" defTabSz="914400" rtl="0" eaLnBrk="1" latinLnBrk="0" hangingPunct="1">
-              <a:lnSpc>
-                <a:spcPct val="90000"/>
-              </a:lnSpc>
-              <a:spcBef>
-                <a:spcPts val="1000"/>
-              </a:spcBef>
-              <a:buFont typeface="Arial" panose="020B0604020202020204" pitchFamily="34" charset="0"/>
-              <a:buChar char="•"/>
-              <a:defRPr sz="2000" b="1" kern="1200">
-                <a:solidFill>
-                  <a:schemeClr val="tx1"/>
-                </a:solidFill>
-                <a:latin typeface="+mn-lt"/>
-                <a:ea typeface="+mn-ea"/>
-                <a:cs typeface="+mn-cs"/>
-              </a:defRPr>
-            </a:lvl1pPr>
-            <a:lvl2pPr marL="648000" indent="-360000" algn="l" defTabSz="914400" rtl="0" eaLnBrk="1" latinLnBrk="0" hangingPunct="1">
-              <a:lnSpc>
-                <a:spcPct val="90000"/>
-              </a:lnSpc>
-              <a:spcBef>
-                <a:spcPts val="1200"/>
-              </a:spcBef>
-              <a:buFont typeface="Arial" panose="020B0604020202020204" pitchFamily="34" charset="0"/>
-              <a:buChar char="•"/>
-              <a:defRPr sz="1800" b="1" kern="1200">
-                <a:solidFill>
-                  <a:schemeClr val="tx2"/>
-                </a:solidFill>
-                <a:latin typeface="+mn-lt"/>
-                <a:ea typeface="+mn-ea"/>
-                <a:cs typeface="+mn-cs"/>
-              </a:defRPr>
-            </a:lvl2pPr>
-            <a:lvl3pPr marL="648000" indent="-360000" algn="l" defTabSz="914400" rtl="0" eaLnBrk="1" latinLnBrk="0" hangingPunct="1">
-              <a:lnSpc>
-                <a:spcPct val="90000"/>
-              </a:lnSpc>
-              <a:spcBef>
-                <a:spcPts val="1200"/>
-              </a:spcBef>
-              <a:buFont typeface="Arial" panose="020B0604020202020204" pitchFamily="34" charset="0"/>
-              <a:buChar char="•"/>
-              <a:defRPr lang="fr-FR" sz="1400" b="1" kern="1200" dirty="0">
-                <a:solidFill>
-                  <a:schemeClr val="bg1">
-                    <a:lumMod val="65000"/>
-                  </a:schemeClr>
-                </a:solidFill>
-                <a:latin typeface="+mn-lt"/>
-                <a:ea typeface="+mn-lt"/>
-                <a:cs typeface="+mn-lt"/>
-              </a:defRPr>
-            </a:lvl3pPr>
-            <a:lvl4pPr marL="720000" indent="-270000" algn="l" defTabSz="914400" rtl="0" eaLnBrk="1" latinLnBrk="0" hangingPunct="1">
-              <a:lnSpc>
-                <a:spcPct val="90000"/>
-              </a:lnSpc>
-              <a:spcBef>
-                <a:spcPts val="1000"/>
-              </a:spcBef>
-              <a:buFont typeface="Arial" panose="020B0604020202020204" pitchFamily="34" charset="0"/>
-              <a:buChar char="•"/>
-              <a:defRPr sz="1600" kern="1200">
-                <a:solidFill>
-                  <a:schemeClr val="tx2"/>
-                </a:solidFill>
-                <a:latin typeface="+mn-lt"/>
-                <a:ea typeface="+mn-ea"/>
-                <a:cs typeface="+mn-cs"/>
-              </a:defRPr>
-            </a:lvl4pPr>
-            <a:lvl5pPr marL="630000" indent="-270000" algn="l" defTabSz="914400" rtl="0" eaLnBrk="1" latinLnBrk="0" hangingPunct="1">
-              <a:lnSpc>
-                <a:spcPct val="90000"/>
-              </a:lnSpc>
-              <a:spcBef>
-                <a:spcPts val="1000"/>
-              </a:spcBef>
-              <a:buFont typeface="Arial" panose="020B0604020202020204" pitchFamily="34" charset="0"/>
-              <a:buChar char="•"/>
-              <a:defRPr sz="1600" kern="1200">
-                <a:solidFill>
-                  <a:schemeClr val="tx2"/>
-                </a:solidFill>
-                <a:latin typeface="+mn-lt"/>
-                <a:ea typeface="+mn-ea"/>
-                <a:cs typeface="+mn-cs"/>
-              </a:defRPr>
-            </a:lvl5pPr>
-            <a:lvl6pPr marL="2514600" indent="-228600" algn="l" defTabSz="914400" rtl="0" eaLnBrk="1" latinLnBrk="0" hangingPunct="1">
-              <a:lnSpc>
-                <a:spcPct val="90000"/>
-              </a:lnSpc>
-              <a:spcBef>
-                <a:spcPts val="500"/>
-              </a:spcBef>
-              <a:buFont typeface="Arial" panose="020B0604020202020204" pitchFamily="34" charset="0"/>
-              <a:buChar char="•"/>
-              <a:defRPr sz="1800" kern="1200">
-                <a:solidFill>
-                  <a:schemeClr val="tx1"/>
-                </a:solidFill>
-                <a:latin typeface="+mn-lt"/>
-                <a:ea typeface="+mn-ea"/>
-                <a:cs typeface="+mn-cs"/>
-              </a:defRPr>
-            </a:lvl6pPr>
-            <a:lvl7pPr marL="2971800" indent="-228600" algn="l" defTabSz="914400" rtl="0" eaLnBrk="1" latinLnBrk="0" hangingPunct="1">
-              <a:lnSpc>
-                <a:spcPct val="90000"/>
-              </a:lnSpc>
-              <a:spcBef>
-                <a:spcPts val="500"/>
-              </a:spcBef>
-              <a:buFont typeface="Arial" panose="020B0604020202020204" pitchFamily="34" charset="0"/>
-              <a:buChar char="•"/>
-              <a:defRPr sz="1800" kern="1200">
-                <a:solidFill>
-                  <a:schemeClr val="tx1"/>
-                </a:solidFill>
-                <a:latin typeface="+mn-lt"/>
-                <a:ea typeface="+mn-ea"/>
-                <a:cs typeface="+mn-cs"/>
-              </a:defRPr>
-            </a:lvl7pPr>
-            <a:lvl8pPr marL="3429000" indent="-228600" algn="l" defTabSz="914400" rtl="0" eaLnBrk="1" latinLnBrk="0" hangingPunct="1">
-              <a:lnSpc>
-                <a:spcPct val="90000"/>
-              </a:lnSpc>
-              <a:spcBef>
-                <a:spcPts val="500"/>
-              </a:spcBef>
-              <a:buFont typeface="Arial" panose="020B0604020202020204" pitchFamily="34" charset="0"/>
-              <a:buChar char="•"/>
-              <a:defRPr sz="1800" kern="1200">
-                <a:solidFill>
-                  <a:schemeClr val="tx1"/>
-                </a:solidFill>
-                <a:latin typeface="+mn-lt"/>
-                <a:ea typeface="+mn-ea"/>
-                <a:cs typeface="+mn-cs"/>
-              </a:defRPr>
-            </a:lvl8pPr>
-            <a:lvl9pPr marL="3886200" indent="-228600" algn="l" defTabSz="914400" rtl="0" eaLnBrk="1" latinLnBrk="0" hangingPunct="1">
-              <a:lnSpc>
-                <a:spcPct val="90000"/>
-              </a:lnSpc>
-              <a:spcBef>
-                <a:spcPts val="500"/>
-              </a:spcBef>
-              <a:buFont typeface="Arial" panose="020B0604020202020204" pitchFamily="34" charset="0"/>
-              <a:buChar char="•"/>
-              <a:defRPr sz="1800" kern="1200">
-                <a:solidFill>
-                  <a:schemeClr val="tx1"/>
-                </a:solidFill>
-                <a:latin typeface="+mn-lt"/>
-                <a:ea typeface="+mn-ea"/>
-                <a:cs typeface="+mn-cs"/>
-              </a:defRPr>
-            </a:lvl9pPr>
-          </a:lstStyle>
-          <a:p>
-            <a:pPr marL="0" indent="0" algn="ctr">
-              <a:spcBef>
-                <a:spcPts val="600"/>
-              </a:spcBef>
-              <a:buFont typeface="Arial" panose="020B0604020202020204" pitchFamily="34" charset="0"/>
-              <a:buNone/>
-            </a:pPr>
-            <a:r>
-              <a:rPr lang="fr-FR" sz="1800" dirty="0"/>
-              <a:t>App.Angular (In VsCode)</a:t>
-            </a:r>
-            <a:endParaRPr lang="en-GB" sz="1600" b="0" dirty="0"/>
-          </a:p>
-          <a:p>
-            <a:pPr marL="365760" lvl="1" indent="-274320">
-              <a:spcBef>
-                <a:spcPts val="600"/>
-              </a:spcBef>
-            </a:pPr>
-            <a:r>
-              <a:rPr lang="en-GB" sz="1600" dirty="0"/>
-              <a:t>Deploy.</a:t>
-            </a:r>
-            <a:r>
-              <a:rPr lang="en-GB" sz="1600" b="0" dirty="0"/>
-              <a:t> ng deploy (deploy cloud avec firebase)</a:t>
-            </a:r>
-          </a:p>
-          <a:p>
-            <a:pPr marL="365760" lvl="1" indent="-274320">
-              <a:spcBef>
-                <a:spcPts val="600"/>
-              </a:spcBef>
-            </a:pPr>
-            <a:r>
-              <a:rPr lang="en-GB" sz="1600" dirty="0"/>
-              <a:t>Stop cloud app.</a:t>
-            </a:r>
-            <a:r>
-              <a:rPr lang="en-GB" sz="1600" b="0" dirty="0"/>
-              <a:t> firebase </a:t>
-            </a:r>
-            <a:r>
-              <a:rPr lang="en-GB" sz="1600" b="0" dirty="0" err="1"/>
-              <a:t>hosting:disable</a:t>
-            </a:r>
-            <a:endParaRPr lang="en-GB" sz="1600" b="0" dirty="0"/>
-          </a:p>
-        </p:txBody>
-      </p:sp>
-      <p:sp>
-        <p:nvSpPr>
-          <p:cNvPr id="9" name="Text Placeholder 4">
-            <a:extLst>
-              <a:ext uri="{FF2B5EF4-FFF2-40B4-BE49-F238E27FC236}">
-                <a16:creationId xmlns:a16="http://schemas.microsoft.com/office/drawing/2014/main" id="{61D3CDF3-14FD-33ED-7EC1-E98F0290FADA}"/>
-              </a:ext>
-            </a:extLst>
-          </p:cNvPr>
-          <p:cNvSpPr txBox="1">
-            <a:spLocks/>
-          </p:cNvSpPr>
-          <p:nvPr/>
-        </p:nvSpPr>
-        <p:spPr>
-          <a:xfrm>
-            <a:off x="990601" y="2875689"/>
-            <a:ext cx="4827395" cy="2984337"/>
-          </a:xfrm>
-          <a:prstGeom prst="roundRect">
-            <a:avLst>
-              <a:gd name="adj" fmla="val 5629"/>
-            </a:avLst>
-          </a:prstGeom>
-          <a:ln w="15875">
-            <a:solidFill>
-              <a:schemeClr val="accent1"/>
-            </a:solidFill>
-          </a:ln>
-        </p:spPr>
-        <p:txBody>
-          <a:bodyPr vert="horz" lIns="0" tIns="0" rIns="0" bIns="0" rtlCol="0">
-            <a:noAutofit/>
-          </a:bodyPr>
-          <a:lstStyle>
-            <a:lvl1pPr marL="360000" indent="-360000" algn="l" defTabSz="914400" rtl="0" eaLnBrk="1" latinLnBrk="0" hangingPunct="1">
-              <a:lnSpc>
-                <a:spcPct val="90000"/>
-              </a:lnSpc>
-              <a:spcBef>
-                <a:spcPts val="1000"/>
-              </a:spcBef>
-              <a:buFont typeface="Arial" panose="020B0604020202020204" pitchFamily="34" charset="0"/>
-              <a:buChar char="•"/>
-              <a:defRPr sz="2000" b="1" kern="1200">
-                <a:solidFill>
-                  <a:schemeClr val="tx1"/>
-                </a:solidFill>
-                <a:latin typeface="+mn-lt"/>
-                <a:ea typeface="+mn-ea"/>
-                <a:cs typeface="+mn-cs"/>
-              </a:defRPr>
-            </a:lvl1pPr>
-            <a:lvl2pPr marL="648000" indent="-360000" algn="l" defTabSz="914400" rtl="0" eaLnBrk="1" latinLnBrk="0" hangingPunct="1">
-              <a:lnSpc>
-                <a:spcPct val="90000"/>
-              </a:lnSpc>
-              <a:spcBef>
-                <a:spcPts val="1200"/>
-              </a:spcBef>
-              <a:buFont typeface="Arial" panose="020B0604020202020204" pitchFamily="34" charset="0"/>
-              <a:buChar char="•"/>
-              <a:defRPr sz="1800" b="1" kern="1200">
-                <a:solidFill>
-                  <a:schemeClr val="tx2"/>
-                </a:solidFill>
-                <a:latin typeface="+mn-lt"/>
-                <a:ea typeface="+mn-ea"/>
-                <a:cs typeface="+mn-cs"/>
-              </a:defRPr>
-            </a:lvl2pPr>
-            <a:lvl3pPr marL="648000" indent="-360000" algn="l" defTabSz="914400" rtl="0" eaLnBrk="1" latinLnBrk="0" hangingPunct="1">
-              <a:lnSpc>
-                <a:spcPct val="90000"/>
-              </a:lnSpc>
-              <a:spcBef>
-                <a:spcPts val="1200"/>
-              </a:spcBef>
-              <a:buFont typeface="Arial" panose="020B0604020202020204" pitchFamily="34" charset="0"/>
-              <a:buChar char="•"/>
-              <a:defRPr lang="fr-FR" sz="1400" b="1" kern="1200" dirty="0">
-                <a:solidFill>
-                  <a:schemeClr val="bg1">
-                    <a:lumMod val="65000"/>
-                  </a:schemeClr>
-                </a:solidFill>
-                <a:latin typeface="+mn-lt"/>
-                <a:ea typeface="+mn-lt"/>
-                <a:cs typeface="+mn-lt"/>
-              </a:defRPr>
-            </a:lvl3pPr>
-            <a:lvl4pPr marL="720000" indent="-270000" algn="l" defTabSz="914400" rtl="0" eaLnBrk="1" latinLnBrk="0" hangingPunct="1">
-              <a:lnSpc>
-                <a:spcPct val="90000"/>
-              </a:lnSpc>
-              <a:spcBef>
-                <a:spcPts val="1000"/>
-              </a:spcBef>
-              <a:buFont typeface="Arial" panose="020B0604020202020204" pitchFamily="34" charset="0"/>
-              <a:buChar char="•"/>
-              <a:defRPr sz="1600" kern="1200">
-                <a:solidFill>
-                  <a:schemeClr val="tx2"/>
-                </a:solidFill>
-                <a:latin typeface="+mn-lt"/>
-                <a:ea typeface="+mn-ea"/>
-                <a:cs typeface="+mn-cs"/>
-              </a:defRPr>
-            </a:lvl4pPr>
-            <a:lvl5pPr marL="630000" indent="-270000" algn="l" defTabSz="914400" rtl="0" eaLnBrk="1" latinLnBrk="0" hangingPunct="1">
-              <a:lnSpc>
-                <a:spcPct val="90000"/>
-              </a:lnSpc>
-              <a:spcBef>
-                <a:spcPts val="1000"/>
-              </a:spcBef>
-              <a:buFont typeface="Arial" panose="020B0604020202020204" pitchFamily="34" charset="0"/>
-              <a:buChar char="•"/>
-              <a:defRPr sz="1600" kern="1200">
-                <a:solidFill>
-                  <a:schemeClr val="tx2"/>
-                </a:solidFill>
-                <a:latin typeface="+mn-lt"/>
-                <a:ea typeface="+mn-ea"/>
-                <a:cs typeface="+mn-cs"/>
-              </a:defRPr>
-            </a:lvl5pPr>
-            <a:lvl6pPr marL="2514600" indent="-228600" algn="l" defTabSz="914400" rtl="0" eaLnBrk="1" latinLnBrk="0" hangingPunct="1">
-              <a:lnSpc>
-                <a:spcPct val="90000"/>
-              </a:lnSpc>
-              <a:spcBef>
-                <a:spcPts val="500"/>
-              </a:spcBef>
-              <a:buFont typeface="Arial" panose="020B0604020202020204" pitchFamily="34" charset="0"/>
-              <a:buChar char="•"/>
-              <a:defRPr sz="1800" kern="1200">
-                <a:solidFill>
-                  <a:schemeClr val="tx1"/>
-                </a:solidFill>
-                <a:latin typeface="+mn-lt"/>
-                <a:ea typeface="+mn-ea"/>
-                <a:cs typeface="+mn-cs"/>
-              </a:defRPr>
-            </a:lvl6pPr>
-            <a:lvl7pPr marL="2971800" indent="-228600" algn="l" defTabSz="914400" rtl="0" eaLnBrk="1" latinLnBrk="0" hangingPunct="1">
-              <a:lnSpc>
-                <a:spcPct val="90000"/>
-              </a:lnSpc>
-              <a:spcBef>
-                <a:spcPts val="500"/>
-              </a:spcBef>
-              <a:buFont typeface="Arial" panose="020B0604020202020204" pitchFamily="34" charset="0"/>
-              <a:buChar char="•"/>
-              <a:defRPr sz="1800" kern="1200">
-                <a:solidFill>
-                  <a:schemeClr val="tx1"/>
-                </a:solidFill>
-                <a:latin typeface="+mn-lt"/>
-                <a:ea typeface="+mn-ea"/>
-                <a:cs typeface="+mn-cs"/>
-              </a:defRPr>
-            </a:lvl7pPr>
-            <a:lvl8pPr marL="3429000" indent="-228600" algn="l" defTabSz="914400" rtl="0" eaLnBrk="1" latinLnBrk="0" hangingPunct="1">
-              <a:lnSpc>
-                <a:spcPct val="90000"/>
-              </a:lnSpc>
-              <a:spcBef>
-                <a:spcPts val="500"/>
-              </a:spcBef>
-              <a:buFont typeface="Arial" panose="020B0604020202020204" pitchFamily="34" charset="0"/>
-              <a:buChar char="•"/>
-              <a:defRPr sz="1800" kern="1200">
-                <a:solidFill>
-                  <a:schemeClr val="tx1"/>
-                </a:solidFill>
-                <a:latin typeface="+mn-lt"/>
-                <a:ea typeface="+mn-ea"/>
-                <a:cs typeface="+mn-cs"/>
-              </a:defRPr>
-            </a:lvl8pPr>
-            <a:lvl9pPr marL="3886200" indent="-228600" algn="l" defTabSz="914400" rtl="0" eaLnBrk="1" latinLnBrk="0" hangingPunct="1">
-              <a:lnSpc>
-                <a:spcPct val="90000"/>
-              </a:lnSpc>
-              <a:spcBef>
-                <a:spcPts val="500"/>
-              </a:spcBef>
-              <a:buFont typeface="Arial" panose="020B0604020202020204" pitchFamily="34" charset="0"/>
-              <a:buChar char="•"/>
-              <a:defRPr sz="1800" kern="1200">
-                <a:solidFill>
-                  <a:schemeClr val="tx1"/>
-                </a:solidFill>
-                <a:latin typeface="+mn-lt"/>
-                <a:ea typeface="+mn-ea"/>
-                <a:cs typeface="+mn-cs"/>
-              </a:defRPr>
-            </a:lvl9pPr>
-          </a:lstStyle>
-          <a:p>
-            <a:pPr marL="0" indent="0" algn="ctr">
-              <a:spcBef>
-                <a:spcPts val="600"/>
-              </a:spcBef>
-              <a:buFont typeface="Arial" panose="020B0604020202020204" pitchFamily="34" charset="0"/>
-              <a:buNone/>
-            </a:pPr>
-            <a:r>
-              <a:rPr lang="fr-FR" sz="1800" dirty="0"/>
-              <a:t>.Net (App / Api)</a:t>
-            </a:r>
-          </a:p>
-        </p:txBody>
-      </p:sp>
-      <p:sp>
-        <p:nvSpPr>
-          <p:cNvPr id="6" name="Text Placeholder 4">
-            <a:extLst>
-              <a:ext uri="{FF2B5EF4-FFF2-40B4-BE49-F238E27FC236}">
-                <a16:creationId xmlns:a16="http://schemas.microsoft.com/office/drawing/2014/main" id="{2BD9BF4D-9191-609E-C5D7-892BA60A6DDA}"/>
-              </a:ext>
-            </a:extLst>
-          </p:cNvPr>
-          <p:cNvSpPr txBox="1">
-            <a:spLocks/>
-          </p:cNvSpPr>
-          <p:nvPr/>
-        </p:nvSpPr>
-        <p:spPr>
-          <a:xfrm>
-            <a:off x="1067578" y="4434348"/>
-            <a:ext cx="4625300" cy="1197193"/>
-          </a:xfrm>
-          <a:prstGeom prst="roundRect">
-            <a:avLst>
-              <a:gd name="adj" fmla="val 10291"/>
-            </a:avLst>
-          </a:prstGeom>
-          <a:ln w="15875">
-            <a:solidFill>
-              <a:schemeClr val="accent1"/>
-            </a:solidFill>
-          </a:ln>
-        </p:spPr>
-        <p:txBody>
-          <a:bodyPr vert="horz" lIns="0" tIns="0" rIns="0" bIns="0" rtlCol="0">
-            <a:noAutofit/>
-          </a:bodyPr>
-          <a:lstStyle>
-            <a:lvl1pPr marL="360000" indent="-360000" algn="l" defTabSz="914400" rtl="0" eaLnBrk="1" latinLnBrk="0" hangingPunct="1">
-              <a:lnSpc>
-                <a:spcPct val="90000"/>
-              </a:lnSpc>
-              <a:spcBef>
-                <a:spcPts val="1000"/>
-              </a:spcBef>
-              <a:buFont typeface="Arial" panose="020B0604020202020204" pitchFamily="34" charset="0"/>
-              <a:buChar char="•"/>
-              <a:defRPr sz="2000" b="1" kern="1200">
-                <a:solidFill>
-                  <a:schemeClr val="tx1"/>
-                </a:solidFill>
-                <a:latin typeface="+mn-lt"/>
-                <a:ea typeface="+mn-ea"/>
-                <a:cs typeface="+mn-cs"/>
-              </a:defRPr>
-            </a:lvl1pPr>
-            <a:lvl2pPr marL="648000" indent="-360000" algn="l" defTabSz="914400" rtl="0" eaLnBrk="1" latinLnBrk="0" hangingPunct="1">
-              <a:lnSpc>
-                <a:spcPct val="90000"/>
-              </a:lnSpc>
-              <a:spcBef>
-                <a:spcPts val="1200"/>
-              </a:spcBef>
-              <a:buFont typeface="Arial" panose="020B0604020202020204" pitchFamily="34" charset="0"/>
-              <a:buChar char="•"/>
-              <a:defRPr sz="1800" b="1" kern="1200">
-                <a:solidFill>
-                  <a:schemeClr val="tx2"/>
-                </a:solidFill>
-                <a:latin typeface="+mn-lt"/>
-                <a:ea typeface="+mn-ea"/>
-                <a:cs typeface="+mn-cs"/>
-              </a:defRPr>
-            </a:lvl2pPr>
-            <a:lvl3pPr marL="648000" indent="-360000" algn="l" defTabSz="914400" rtl="0" eaLnBrk="1" latinLnBrk="0" hangingPunct="1">
-              <a:lnSpc>
-                <a:spcPct val="90000"/>
-              </a:lnSpc>
-              <a:spcBef>
-                <a:spcPts val="1200"/>
-              </a:spcBef>
-              <a:buFont typeface="Arial" panose="020B0604020202020204" pitchFamily="34" charset="0"/>
-              <a:buChar char="•"/>
-              <a:defRPr lang="fr-FR" sz="1400" b="1" kern="1200" dirty="0">
-                <a:solidFill>
-                  <a:schemeClr val="bg1">
-                    <a:lumMod val="65000"/>
-                  </a:schemeClr>
-                </a:solidFill>
-                <a:latin typeface="+mn-lt"/>
-                <a:ea typeface="+mn-lt"/>
-                <a:cs typeface="+mn-lt"/>
-              </a:defRPr>
-            </a:lvl3pPr>
-            <a:lvl4pPr marL="720000" indent="-270000" algn="l" defTabSz="914400" rtl="0" eaLnBrk="1" latinLnBrk="0" hangingPunct="1">
-              <a:lnSpc>
-                <a:spcPct val="90000"/>
-              </a:lnSpc>
-              <a:spcBef>
-                <a:spcPts val="1000"/>
-              </a:spcBef>
-              <a:buFont typeface="Arial" panose="020B0604020202020204" pitchFamily="34" charset="0"/>
-              <a:buChar char="•"/>
-              <a:defRPr sz="1600" kern="1200">
-                <a:solidFill>
-                  <a:schemeClr val="tx2"/>
-                </a:solidFill>
-                <a:latin typeface="+mn-lt"/>
-                <a:ea typeface="+mn-ea"/>
-                <a:cs typeface="+mn-cs"/>
-              </a:defRPr>
-            </a:lvl4pPr>
-            <a:lvl5pPr marL="630000" indent="-270000" algn="l" defTabSz="914400" rtl="0" eaLnBrk="1" latinLnBrk="0" hangingPunct="1">
-              <a:lnSpc>
-                <a:spcPct val="90000"/>
-              </a:lnSpc>
-              <a:spcBef>
-                <a:spcPts val="1000"/>
-              </a:spcBef>
-              <a:buFont typeface="Arial" panose="020B0604020202020204" pitchFamily="34" charset="0"/>
-              <a:buChar char="•"/>
-              <a:defRPr sz="1600" kern="1200">
-                <a:solidFill>
-                  <a:schemeClr val="tx2"/>
-                </a:solidFill>
-                <a:latin typeface="+mn-lt"/>
-                <a:ea typeface="+mn-ea"/>
-                <a:cs typeface="+mn-cs"/>
-              </a:defRPr>
-            </a:lvl5pPr>
-            <a:lvl6pPr marL="2514600" indent="-228600" algn="l" defTabSz="914400" rtl="0" eaLnBrk="1" latinLnBrk="0" hangingPunct="1">
-              <a:lnSpc>
-                <a:spcPct val="90000"/>
-              </a:lnSpc>
-              <a:spcBef>
-                <a:spcPts val="500"/>
-              </a:spcBef>
-              <a:buFont typeface="Arial" panose="020B0604020202020204" pitchFamily="34" charset="0"/>
-              <a:buChar char="•"/>
-              <a:defRPr sz="1800" kern="1200">
-                <a:solidFill>
-                  <a:schemeClr val="tx1"/>
-                </a:solidFill>
-                <a:latin typeface="+mn-lt"/>
-                <a:ea typeface="+mn-ea"/>
-                <a:cs typeface="+mn-cs"/>
-              </a:defRPr>
-            </a:lvl6pPr>
-            <a:lvl7pPr marL="2971800" indent="-228600" algn="l" defTabSz="914400" rtl="0" eaLnBrk="1" latinLnBrk="0" hangingPunct="1">
-              <a:lnSpc>
-                <a:spcPct val="90000"/>
-              </a:lnSpc>
-              <a:spcBef>
-                <a:spcPts val="500"/>
-              </a:spcBef>
-              <a:buFont typeface="Arial" panose="020B0604020202020204" pitchFamily="34" charset="0"/>
-              <a:buChar char="•"/>
-              <a:defRPr sz="1800" kern="1200">
-                <a:solidFill>
-                  <a:schemeClr val="tx1"/>
-                </a:solidFill>
-                <a:latin typeface="+mn-lt"/>
-                <a:ea typeface="+mn-ea"/>
-                <a:cs typeface="+mn-cs"/>
-              </a:defRPr>
-            </a:lvl7pPr>
-            <a:lvl8pPr marL="3429000" indent="-228600" algn="l" defTabSz="914400" rtl="0" eaLnBrk="1" latinLnBrk="0" hangingPunct="1">
-              <a:lnSpc>
-                <a:spcPct val="90000"/>
-              </a:lnSpc>
-              <a:spcBef>
-                <a:spcPts val="500"/>
-              </a:spcBef>
-              <a:buFont typeface="Arial" panose="020B0604020202020204" pitchFamily="34" charset="0"/>
-              <a:buChar char="•"/>
-              <a:defRPr sz="1800" kern="1200">
-                <a:solidFill>
-                  <a:schemeClr val="tx1"/>
-                </a:solidFill>
-                <a:latin typeface="+mn-lt"/>
-                <a:ea typeface="+mn-ea"/>
-                <a:cs typeface="+mn-cs"/>
-              </a:defRPr>
-            </a:lvl8pPr>
-            <a:lvl9pPr marL="3886200" indent="-228600" algn="l" defTabSz="914400" rtl="0" eaLnBrk="1" latinLnBrk="0" hangingPunct="1">
-              <a:lnSpc>
-                <a:spcPct val="90000"/>
-              </a:lnSpc>
-              <a:spcBef>
-                <a:spcPts val="500"/>
-              </a:spcBef>
-              <a:buFont typeface="Arial" panose="020B0604020202020204" pitchFamily="34" charset="0"/>
-              <a:buChar char="•"/>
-              <a:defRPr sz="1800" kern="1200">
-                <a:solidFill>
-                  <a:schemeClr val="tx1"/>
-                </a:solidFill>
-                <a:latin typeface="+mn-lt"/>
-                <a:ea typeface="+mn-ea"/>
-                <a:cs typeface="+mn-cs"/>
-              </a:defRPr>
-            </a:lvl9pPr>
-          </a:lstStyle>
-          <a:p>
-            <a:pPr marL="0" indent="0" algn="ctr">
-              <a:spcBef>
-                <a:spcPts val="600"/>
-              </a:spcBef>
-              <a:buFont typeface="Arial" panose="020B0604020202020204" pitchFamily="34" charset="0"/>
-              <a:buNone/>
-            </a:pPr>
-            <a:r>
-              <a:rPr lang="en-GB" sz="1800" dirty="0">
-                <a:hlinkClick r:id="rId3"/>
-              </a:rPr>
-              <a:t>Si VsCode</a:t>
-            </a:r>
-            <a:endParaRPr lang="en-GB" sz="1800" dirty="0"/>
-          </a:p>
-          <a:p>
-            <a:pPr marL="274320" indent="-182880">
-              <a:spcBef>
-                <a:spcPts val="600"/>
-              </a:spcBef>
-            </a:pPr>
-            <a:r>
-              <a:rPr lang="fr-FR" sz="1200" b="0" dirty="0" err="1">
-                <a:solidFill>
-                  <a:schemeClr val="tx2"/>
-                </a:solidFill>
-              </a:rPr>
-              <a:t>Gen</a:t>
-            </a:r>
-            <a:r>
-              <a:rPr lang="fr-FR" sz="1200" b="0" dirty="0">
-                <a:solidFill>
-                  <a:schemeClr val="tx2"/>
-                </a:solidFill>
-              </a:rPr>
-              <a:t> ./Publish. Ds « Src/Api », run </a:t>
-            </a:r>
-            <a:r>
-              <a:rPr lang="en-US" sz="1200" b="0" dirty="0">
-                <a:solidFill>
-                  <a:schemeClr val="tx2"/>
-                </a:solidFill>
-              </a:rPr>
-              <a:t>“</a:t>
-            </a:r>
-            <a:r>
-              <a:rPr lang="en-GB" sz="1200" b="0" dirty="0">
-                <a:solidFill>
-                  <a:srgbClr val="9CDCFE"/>
-                </a:solidFill>
-                <a:latin typeface="Consolas" panose="020B0609020204030204" pitchFamily="49" charset="0"/>
-              </a:rPr>
-              <a:t>dotnet publish -c Release -o ./bin/Publish</a:t>
-            </a:r>
-            <a:r>
-              <a:rPr lang="en-GB" sz="1200" b="0" dirty="0">
-                <a:solidFill>
-                  <a:schemeClr val="tx2"/>
-                </a:solidFill>
-              </a:rPr>
-              <a:t>” (génère dans le dossier /bin)</a:t>
-            </a:r>
-          </a:p>
-          <a:p>
-            <a:pPr marL="274320" indent="-182880">
-              <a:spcBef>
-                <a:spcPts val="600"/>
-              </a:spcBef>
-            </a:pPr>
-            <a:r>
-              <a:rPr lang="en-GB" sz="1200" b="0" dirty="0">
-                <a:solidFill>
-                  <a:schemeClr val="tx2"/>
-                </a:solidFill>
-              </a:rPr>
-              <a:t>Déployer sur Azure. Ds extension “Azure /  Subscription / </a:t>
-            </a:r>
-            <a:r>
-              <a:rPr lang="en-GB" sz="1200" b="0" dirty="0" err="1">
-                <a:solidFill>
-                  <a:schemeClr val="tx2"/>
-                </a:solidFill>
-              </a:rPr>
-              <a:t>AppServices</a:t>
-            </a:r>
-            <a:r>
-              <a:rPr lang="en-GB" sz="1200" b="0" dirty="0">
-                <a:solidFill>
-                  <a:schemeClr val="tx2"/>
-                </a:solidFill>
-              </a:rPr>
-              <a:t>”. </a:t>
-            </a:r>
-            <a:r>
-              <a:rPr lang="en-GB" sz="1200" b="0" dirty="0" err="1">
-                <a:solidFill>
-                  <a:schemeClr val="tx2"/>
-                </a:solidFill>
-              </a:rPr>
-              <a:t>ClicDroit</a:t>
-            </a:r>
-            <a:r>
-              <a:rPr lang="en-GB" sz="1200" b="0" dirty="0">
-                <a:solidFill>
-                  <a:schemeClr val="tx2"/>
-                </a:solidFill>
-              </a:rPr>
-              <a:t> “Deploy to web App”</a:t>
-            </a:r>
-          </a:p>
-        </p:txBody>
-      </p:sp>
-      <p:sp>
-        <p:nvSpPr>
-          <p:cNvPr id="8" name="Text Placeholder 4">
-            <a:extLst>
-              <a:ext uri="{FF2B5EF4-FFF2-40B4-BE49-F238E27FC236}">
-                <a16:creationId xmlns:a16="http://schemas.microsoft.com/office/drawing/2014/main" id="{4D1660CA-0B13-98EE-99C7-E3A59CCD2087}"/>
-              </a:ext>
-            </a:extLst>
-          </p:cNvPr>
-          <p:cNvSpPr txBox="1">
-            <a:spLocks/>
-          </p:cNvSpPr>
-          <p:nvPr/>
-        </p:nvSpPr>
-        <p:spPr>
-          <a:xfrm>
-            <a:off x="1091648" y="3237156"/>
-            <a:ext cx="4625300" cy="1094200"/>
-          </a:xfrm>
-          <a:prstGeom prst="roundRect">
-            <a:avLst>
-              <a:gd name="adj" fmla="val 10291"/>
-            </a:avLst>
-          </a:prstGeom>
-          <a:ln w="15875">
-            <a:solidFill>
-              <a:schemeClr val="accent1"/>
-            </a:solidFill>
-          </a:ln>
-        </p:spPr>
-        <p:txBody>
-          <a:bodyPr vert="horz" lIns="0" tIns="0" rIns="0" bIns="0" rtlCol="0">
-            <a:noAutofit/>
-          </a:bodyPr>
-          <a:lstStyle>
-            <a:lvl1pPr marL="360000" indent="-360000" algn="l" defTabSz="914400" rtl="0" eaLnBrk="1" latinLnBrk="0" hangingPunct="1">
-              <a:lnSpc>
-                <a:spcPct val="90000"/>
-              </a:lnSpc>
-              <a:spcBef>
-                <a:spcPts val="1000"/>
-              </a:spcBef>
-              <a:buFont typeface="Arial" panose="020B0604020202020204" pitchFamily="34" charset="0"/>
-              <a:buChar char="•"/>
-              <a:defRPr sz="2000" b="1" kern="1200">
-                <a:solidFill>
-                  <a:schemeClr val="tx1"/>
-                </a:solidFill>
-                <a:latin typeface="+mn-lt"/>
-                <a:ea typeface="+mn-ea"/>
-                <a:cs typeface="+mn-cs"/>
-              </a:defRPr>
-            </a:lvl1pPr>
-            <a:lvl2pPr marL="648000" indent="-360000" algn="l" defTabSz="914400" rtl="0" eaLnBrk="1" latinLnBrk="0" hangingPunct="1">
-              <a:lnSpc>
-                <a:spcPct val="90000"/>
-              </a:lnSpc>
-              <a:spcBef>
-                <a:spcPts val="1200"/>
-              </a:spcBef>
-              <a:buFont typeface="Arial" panose="020B0604020202020204" pitchFamily="34" charset="0"/>
-              <a:buChar char="•"/>
-              <a:defRPr sz="1800" b="1" kern="1200">
-                <a:solidFill>
-                  <a:schemeClr val="tx2"/>
-                </a:solidFill>
-                <a:latin typeface="+mn-lt"/>
-                <a:ea typeface="+mn-ea"/>
-                <a:cs typeface="+mn-cs"/>
-              </a:defRPr>
-            </a:lvl2pPr>
-            <a:lvl3pPr marL="648000" indent="-360000" algn="l" defTabSz="914400" rtl="0" eaLnBrk="1" latinLnBrk="0" hangingPunct="1">
-              <a:lnSpc>
-                <a:spcPct val="90000"/>
-              </a:lnSpc>
-              <a:spcBef>
-                <a:spcPts val="1200"/>
-              </a:spcBef>
-              <a:buFont typeface="Arial" panose="020B0604020202020204" pitchFamily="34" charset="0"/>
-              <a:buChar char="•"/>
-              <a:defRPr lang="fr-FR" sz="1400" b="1" kern="1200" dirty="0">
-                <a:solidFill>
-                  <a:schemeClr val="bg1">
-                    <a:lumMod val="65000"/>
-                  </a:schemeClr>
-                </a:solidFill>
-                <a:latin typeface="+mn-lt"/>
-                <a:ea typeface="+mn-lt"/>
-                <a:cs typeface="+mn-lt"/>
-              </a:defRPr>
-            </a:lvl3pPr>
-            <a:lvl4pPr marL="720000" indent="-270000" algn="l" defTabSz="914400" rtl="0" eaLnBrk="1" latinLnBrk="0" hangingPunct="1">
-              <a:lnSpc>
-                <a:spcPct val="90000"/>
-              </a:lnSpc>
-              <a:spcBef>
-                <a:spcPts val="1000"/>
-              </a:spcBef>
-              <a:buFont typeface="Arial" panose="020B0604020202020204" pitchFamily="34" charset="0"/>
-              <a:buChar char="•"/>
-              <a:defRPr sz="1600" kern="1200">
-                <a:solidFill>
-                  <a:schemeClr val="tx2"/>
-                </a:solidFill>
-                <a:latin typeface="+mn-lt"/>
-                <a:ea typeface="+mn-ea"/>
-                <a:cs typeface="+mn-cs"/>
-              </a:defRPr>
-            </a:lvl4pPr>
-            <a:lvl5pPr marL="630000" indent="-270000" algn="l" defTabSz="914400" rtl="0" eaLnBrk="1" latinLnBrk="0" hangingPunct="1">
-              <a:lnSpc>
-                <a:spcPct val="90000"/>
-              </a:lnSpc>
-              <a:spcBef>
-                <a:spcPts val="1000"/>
-              </a:spcBef>
-              <a:buFont typeface="Arial" panose="020B0604020202020204" pitchFamily="34" charset="0"/>
-              <a:buChar char="•"/>
-              <a:defRPr sz="1600" kern="1200">
-                <a:solidFill>
-                  <a:schemeClr val="tx2"/>
-                </a:solidFill>
-                <a:latin typeface="+mn-lt"/>
-                <a:ea typeface="+mn-ea"/>
-                <a:cs typeface="+mn-cs"/>
-              </a:defRPr>
-            </a:lvl5pPr>
-            <a:lvl6pPr marL="2514600" indent="-228600" algn="l" defTabSz="914400" rtl="0" eaLnBrk="1" latinLnBrk="0" hangingPunct="1">
-              <a:lnSpc>
-                <a:spcPct val="90000"/>
-              </a:lnSpc>
-              <a:spcBef>
-                <a:spcPts val="500"/>
-              </a:spcBef>
-              <a:buFont typeface="Arial" panose="020B0604020202020204" pitchFamily="34" charset="0"/>
-              <a:buChar char="•"/>
-              <a:defRPr sz="1800" kern="1200">
-                <a:solidFill>
-                  <a:schemeClr val="tx1"/>
-                </a:solidFill>
-                <a:latin typeface="+mn-lt"/>
-                <a:ea typeface="+mn-ea"/>
-                <a:cs typeface="+mn-cs"/>
-              </a:defRPr>
-            </a:lvl6pPr>
-            <a:lvl7pPr marL="2971800" indent="-228600" algn="l" defTabSz="914400" rtl="0" eaLnBrk="1" latinLnBrk="0" hangingPunct="1">
-              <a:lnSpc>
-                <a:spcPct val="90000"/>
-              </a:lnSpc>
-              <a:spcBef>
-                <a:spcPts val="500"/>
-              </a:spcBef>
-              <a:buFont typeface="Arial" panose="020B0604020202020204" pitchFamily="34" charset="0"/>
-              <a:buChar char="•"/>
-              <a:defRPr sz="1800" kern="1200">
-                <a:solidFill>
-                  <a:schemeClr val="tx1"/>
-                </a:solidFill>
-                <a:latin typeface="+mn-lt"/>
-                <a:ea typeface="+mn-ea"/>
-                <a:cs typeface="+mn-cs"/>
-              </a:defRPr>
-            </a:lvl7pPr>
-            <a:lvl8pPr marL="3429000" indent="-228600" algn="l" defTabSz="914400" rtl="0" eaLnBrk="1" latinLnBrk="0" hangingPunct="1">
-              <a:lnSpc>
-                <a:spcPct val="90000"/>
-              </a:lnSpc>
-              <a:spcBef>
-                <a:spcPts val="500"/>
-              </a:spcBef>
-              <a:buFont typeface="Arial" panose="020B0604020202020204" pitchFamily="34" charset="0"/>
-              <a:buChar char="•"/>
-              <a:defRPr sz="1800" kern="1200">
-                <a:solidFill>
-                  <a:schemeClr val="tx1"/>
-                </a:solidFill>
-                <a:latin typeface="+mn-lt"/>
-                <a:ea typeface="+mn-ea"/>
-                <a:cs typeface="+mn-cs"/>
-              </a:defRPr>
-            </a:lvl8pPr>
-            <a:lvl9pPr marL="3886200" indent="-228600" algn="l" defTabSz="914400" rtl="0" eaLnBrk="1" latinLnBrk="0" hangingPunct="1">
-              <a:lnSpc>
-                <a:spcPct val="90000"/>
-              </a:lnSpc>
-              <a:spcBef>
-                <a:spcPts val="500"/>
-              </a:spcBef>
-              <a:buFont typeface="Arial" panose="020B0604020202020204" pitchFamily="34" charset="0"/>
-              <a:buChar char="•"/>
-              <a:defRPr sz="1800" kern="1200">
-                <a:solidFill>
-                  <a:schemeClr val="tx1"/>
-                </a:solidFill>
-                <a:latin typeface="+mn-lt"/>
-                <a:ea typeface="+mn-ea"/>
-                <a:cs typeface="+mn-cs"/>
-              </a:defRPr>
-            </a:lvl9pPr>
-          </a:lstStyle>
-          <a:p>
-            <a:pPr marL="0" indent="0" algn="ctr">
-              <a:spcBef>
-                <a:spcPts val="600"/>
-              </a:spcBef>
-              <a:buFont typeface="Arial" panose="020B0604020202020204" pitchFamily="34" charset="0"/>
-              <a:buNone/>
-            </a:pPr>
-            <a:r>
-              <a:rPr lang="en-GB" sz="1800" dirty="0"/>
-              <a:t>Si Vs202X</a:t>
-            </a:r>
-          </a:p>
-          <a:p>
-            <a:pPr marL="274320" indent="-182880">
-              <a:spcBef>
-                <a:spcPts val="600"/>
-              </a:spcBef>
-            </a:pPr>
-            <a:r>
-              <a:rPr lang="fr-FR" sz="1200" b="0" dirty="0">
-                <a:solidFill>
-                  <a:schemeClr val="tx2"/>
-                </a:solidFill>
-              </a:rPr>
-              <a:t>Publish. </a:t>
-            </a:r>
-            <a:r>
-              <a:rPr lang="fr-FR" sz="1200" b="0" dirty="0">
-                <a:solidFill>
-                  <a:schemeClr val="tx2"/>
-                </a:solidFill>
-                <a:hlinkClick r:id="rId4"/>
-              </a:rPr>
-              <a:t>Clic droit sur projet « Api » / Publish…</a:t>
-            </a:r>
-            <a:endParaRPr lang="en-GB" sz="1200" b="0" dirty="0">
-              <a:solidFill>
-                <a:schemeClr val="tx2"/>
-              </a:solidFill>
-            </a:endParaRPr>
-          </a:p>
-        </p:txBody>
-      </p:sp>
-    </p:spTree>
-    <p:extLst>
-      <p:ext uri="{BB962C8B-B14F-4D97-AF65-F5344CB8AC3E}">
-        <p14:creationId xmlns:p14="http://schemas.microsoft.com/office/powerpoint/2010/main" val="2477077953"/>
-      </p:ext>
-    </p:extLst>
-  </p:cSld>
-  <p:clrMapOvr>
-    <a:masterClrMapping/>
-  </p:clrMapOvr>
-  <p:extLst>
-    <p:ext uri="{6950BFC3-D8DA-4A85-94F7-54DA5524770B}">
-      <p188:commentRel xmlns:p188="http://schemas.microsoft.com/office/powerpoint/2018/8/main" r:id="rId2"/>
-    </p:ext>
-  </p:extLst>
 </p:sld>
 </file>
 
@@ -11725,7 +11733,7 @@
               <a:rPr lang="fr-FR" dirty="0">
                 <a:cs typeface="Arial"/>
               </a:rPr>
-              <a:t>Test</a:t>
+              <a:t>Publish </a:t>
             </a:r>
           </a:p>
           <a:p>
@@ -11734,7 +11742,7 @@
               <a:rPr lang="fr-FR" dirty="0">
                 <a:cs typeface="Arial"/>
               </a:rPr>
-              <a:t>Publish </a:t>
+              <a:t>Pipeline</a:t>
             </a:r>
           </a:p>
           <a:p>
@@ -11743,7 +11751,7 @@
               <a:rPr lang="fr-FR" dirty="0">
                 <a:cs typeface="Arial"/>
               </a:rPr>
-              <a:t>Pipeline</a:t>
+              <a:t>Test</a:t>
             </a:r>
           </a:p>
         </p:txBody>
@@ -11875,6 +11883,112 @@
       </p:grpSpPr>
       <p:sp>
         <p:nvSpPr>
+          <p:cNvPr id="31" name="Rectangle : coins arrondis 46">
+            <a:extLst>
+              <a:ext uri="{FF2B5EF4-FFF2-40B4-BE49-F238E27FC236}">
+                <a16:creationId xmlns:a16="http://schemas.microsoft.com/office/drawing/2014/main" id="{A2F953AD-CA84-7204-DACD-5F26D9DC7F9D}"/>
+              </a:ext>
+            </a:extLst>
+          </p:cNvPr>
+          <p:cNvSpPr/>
+          <p:nvPr/>
+        </p:nvSpPr>
+        <p:spPr>
+          <a:xfrm>
+            <a:off x="7013194" y="4388025"/>
+            <a:ext cx="2050796" cy="1446246"/>
+          </a:xfrm>
+          <a:prstGeom prst="roundRect">
+            <a:avLst>
+              <a:gd name="adj" fmla="val 10624"/>
+            </a:avLst>
+          </a:prstGeom>
+          <a:solidFill>
+            <a:srgbClr val="F2E81A"/>
+          </a:solidFill>
+        </p:spPr>
+        <p:style>
+          <a:lnRef idx="1">
+            <a:schemeClr val="accent1"/>
+          </a:lnRef>
+          <a:fillRef idx="3">
+            <a:schemeClr val="accent1"/>
+          </a:fillRef>
+          <a:effectRef idx="2">
+            <a:schemeClr val="accent1"/>
+          </a:effectRef>
+          <a:fontRef idx="minor">
+            <a:schemeClr val="lt1"/>
+          </a:fontRef>
+        </p:style>
+        <p:txBody>
+          <a:bodyPr rtlCol="0" anchor="t"/>
+          <a:lstStyle/>
+          <a:p>
+            <a:pPr algn="ctr"/>
+            <a:endParaRPr lang="fr-FR" b="1">
+              <a:solidFill>
+                <a:schemeClr val="tx1"/>
+              </a:solidFill>
+            </a:endParaRPr>
+          </a:p>
+        </p:txBody>
+      </p:sp>
+      <p:sp>
+        <p:nvSpPr>
+          <p:cNvPr id="23" name="Rectangle : coins arrondis 46">
+            <a:extLst>
+              <a:ext uri="{FF2B5EF4-FFF2-40B4-BE49-F238E27FC236}">
+                <a16:creationId xmlns:a16="http://schemas.microsoft.com/office/drawing/2014/main" id="{4DBF0461-6099-954F-99F0-5FDAF2073731}"/>
+              </a:ext>
+            </a:extLst>
+          </p:cNvPr>
+          <p:cNvSpPr/>
+          <p:nvPr/>
+        </p:nvSpPr>
+        <p:spPr>
+          <a:xfrm>
+            <a:off x="2458949" y="4351499"/>
+            <a:ext cx="1835896" cy="1482771"/>
+          </a:xfrm>
+          <a:prstGeom prst="roundRect">
+            <a:avLst>
+              <a:gd name="adj" fmla="val 10624"/>
+            </a:avLst>
+          </a:prstGeom>
+          <a:solidFill>
+            <a:srgbClr val="F2E81A"/>
+          </a:solidFill>
+        </p:spPr>
+        <p:style>
+          <a:lnRef idx="1">
+            <a:schemeClr val="accent1"/>
+          </a:lnRef>
+          <a:fillRef idx="3">
+            <a:schemeClr val="accent1"/>
+          </a:fillRef>
+          <a:effectRef idx="2">
+            <a:schemeClr val="accent1"/>
+          </a:effectRef>
+          <a:fontRef idx="minor">
+            <a:schemeClr val="lt1"/>
+          </a:fontRef>
+        </p:style>
+        <p:txBody>
+          <a:bodyPr rtlCol="0" anchor="t"/>
+          <a:lstStyle/>
+          <a:p>
+            <a:pPr algn="ctr"/>
+            <a:endParaRPr lang="fr-FR" b="1">
+              <a:solidFill>
+                <a:schemeClr val="tx1"/>
+              </a:solidFill>
+            </a:endParaRPr>
+          </a:p>
+        </p:txBody>
+      </p:sp>
+      <p:sp>
+        <p:nvSpPr>
           <p:cNvPr id="11" name="Text Placeholder 10">
             <a:extLst>
               <a:ext uri="{FF2B5EF4-FFF2-40B4-BE49-F238E27FC236}">
@@ -11924,7 +12038,7 @@
         <p:spPr>
           <a:xfrm>
             <a:off x="9213636" y="3037978"/>
-            <a:ext cx="1753646" cy="2725632"/>
+            <a:ext cx="1753646" cy="2796292"/>
           </a:xfrm>
           <a:prstGeom prst="roundRect">
             <a:avLst>
@@ -11962,7 +12076,7 @@
                   <a:schemeClr val="bg1"/>
                 </a:solidFill>
               </a:rPr>
-              <a:t>Tier Api</a:t>
+              <a:t>Tier Services</a:t>
             </a:r>
           </a:p>
         </p:txBody>
@@ -12037,11 +12151,11 @@
         <p:spPr>
           <a:xfrm>
             <a:off x="7013195" y="3042870"/>
-            <a:ext cx="2050797" cy="2725632"/>
+            <a:ext cx="2050797" cy="1234029"/>
           </a:xfrm>
           <a:prstGeom prst="roundRect">
             <a:avLst>
-              <a:gd name="adj" fmla="val 6845"/>
+              <a:gd name="adj" fmla="val 16510"/>
             </a:avLst>
           </a:prstGeom>
           <a:solidFill>
@@ -12370,8 +12484,8 @@
         </p:nvSpPr>
         <p:spPr>
           <a:xfrm>
-            <a:off x="9513863" y="3469824"/>
-            <a:ext cx="1363623" cy="379214"/>
+            <a:off x="9335045" y="3479763"/>
+            <a:ext cx="1542442" cy="379214"/>
           </a:xfrm>
           <a:prstGeom prst="roundRect">
             <a:avLst>
@@ -12414,7 +12528,7 @@
             <a:pPr algn="ctr"/>
             <a:r>
               <a:rPr lang="fr-FR" sz="1400" b="1" dirty="0"/>
-              <a:t>Mail | Brevo</a:t>
+              <a:t>Brevo.Api.Mail</a:t>
             </a:r>
           </a:p>
         </p:txBody>
@@ -12490,7 +12604,7 @@
         </p:nvSpPr>
         <p:spPr bwMode="auto">
           <a:xfrm>
-            <a:off x="7484467" y="4372574"/>
+            <a:off x="7484467" y="4621049"/>
             <a:ext cx="1152779" cy="790242"/>
           </a:xfrm>
           <a:prstGeom prst="can">
@@ -12610,10 +12724,10 @@
           <a:p>
             <a:pPr algn="ctr"/>
             <a:r>
-              <a:rPr lang="fr-FR" sz="1400" b="1" dirty="0"/>
+              <a:rPr lang="fr-FR" sz="1600" b="1" dirty="0"/>
               <a:t>Shop.Db</a:t>
             </a:r>
-            <a:endParaRPr lang="sv-SE" sz="1400" b="1" dirty="0"/>
+            <a:endParaRPr lang="sv-SE" sz="1600" b="1" dirty="0"/>
           </a:p>
           <a:p>
             <a:pPr algn="ctr"/>
@@ -12635,7 +12749,7 @@
         </p:nvSpPr>
         <p:spPr>
           <a:xfrm>
-            <a:off x="7353216" y="3270586"/>
+            <a:off x="7353216" y="3151318"/>
             <a:ext cx="1420221" cy="790242"/>
           </a:xfrm>
           <a:prstGeom prst="roundRect">
@@ -12670,7 +12784,7 @@
           <a:p>
             <a:pPr algn="ctr"/>
             <a:r>
-              <a:rPr lang="fr-FR" b="1" dirty="0">
+              <a:rPr lang="fr-FR" sz="1600" b="1" dirty="0">
                 <a:solidFill>
                   <a:schemeClr val="tx1"/>
                 </a:solidFill>
@@ -12786,13 +12900,18 @@
           <a:lstStyle/>
           <a:p>
             <a:r>
-              <a:rPr lang="fr-FR" sz="1600" b="1" dirty="0">
+              <a:rPr lang="fr-FR" sz="1600" b="1" dirty="0" err="1">
                 <a:solidFill>
                   <a:schemeClr val="bg1"/>
                 </a:solidFill>
               </a:rPr>
-              <a:t>User Machine</a:t>
-            </a:r>
+              <a:t>User.Machine</a:t>
+            </a:r>
+            <a:endParaRPr lang="fr-FR" sz="1600" b="1" dirty="0">
+              <a:solidFill>
+                <a:schemeClr val="bg1"/>
+              </a:solidFill>
+            </a:endParaRPr>
           </a:p>
         </p:txBody>
       </p:sp>
@@ -12845,13 +12964,18 @@
           <a:p>
             <a:pPr algn="ctr"/>
             <a:r>
-              <a:rPr lang="fr-FR" b="1" dirty="0">
+              <a:rPr lang="fr-FR" sz="1600" b="1" dirty="0">
                 <a:solidFill>
                   <a:schemeClr val="bg1"/>
                 </a:solidFill>
               </a:rPr>
               <a:t>Shop.App (Run)</a:t>
             </a:r>
+            <a:endParaRPr lang="fr-FR" b="1" dirty="0">
+              <a:solidFill>
+                <a:schemeClr val="bg1"/>
+              </a:solidFill>
+            </a:endParaRPr>
           </a:p>
         </p:txBody>
       </p:sp>
@@ -12992,8 +13116,8 @@
         </p:nvSpPr>
         <p:spPr>
           <a:xfrm>
-            <a:off x="9513863" y="4000117"/>
-            <a:ext cx="1363623" cy="379214"/>
+            <a:off x="9344887" y="4000117"/>
+            <a:ext cx="1532599" cy="379214"/>
           </a:xfrm>
           <a:prstGeom prst="roundRect">
             <a:avLst>
@@ -13117,8 +13241,8 @@
         </p:nvCxnSpPr>
         <p:spPr>
           <a:xfrm rot="16200000" flipH="1">
-            <a:off x="7662641" y="2869899"/>
-            <a:ext cx="762045" cy="39328"/>
+            <a:off x="7722275" y="2810265"/>
+            <a:ext cx="642777" cy="39328"/>
           </a:xfrm>
           <a:prstGeom prst="bentConnector3">
             <a:avLst>
@@ -13164,8 +13288,8 @@
         </p:nvCxnSpPr>
         <p:spPr>
           <a:xfrm rot="5400000">
-            <a:off x="7906219" y="4215466"/>
-            <a:ext cx="311746" cy="2470"/>
+            <a:off x="7722348" y="4280069"/>
+            <a:ext cx="679489" cy="2470"/>
           </a:xfrm>
           <a:prstGeom prst="bentConnector3">
             <a:avLst>
@@ -13257,9 +13381,9 @@
           <p:nvPr/>
         </p:nvCxnSpPr>
         <p:spPr>
-          <a:xfrm flipV="1">
-            <a:off x="8773437" y="3659431"/>
-            <a:ext cx="740426" cy="6276"/>
+          <a:xfrm>
+            <a:off x="8773437" y="3546439"/>
+            <a:ext cx="561608" cy="122931"/>
           </a:xfrm>
           <a:prstGeom prst="bentConnector3">
             <a:avLst>
@@ -13302,7 +13426,7 @@
         <p:spPr>
           <a:xfrm>
             <a:off x="4442452" y="2995308"/>
-            <a:ext cx="2042187" cy="2725632"/>
+            <a:ext cx="2042187" cy="2838962"/>
           </a:xfrm>
           <a:prstGeom prst="roundRect">
             <a:avLst>
@@ -13360,11 +13484,11 @@
         <p:spPr>
           <a:xfrm>
             <a:off x="2458948" y="3000200"/>
-            <a:ext cx="1836522" cy="2725632"/>
+            <a:ext cx="1836522" cy="1200220"/>
           </a:xfrm>
           <a:prstGeom prst="roundRect">
             <a:avLst>
-              <a:gd name="adj" fmla="val 6845"/>
+              <a:gd name="adj" fmla="val 13470"/>
             </a:avLst>
           </a:prstGeom>
           <a:solidFill>
@@ -13415,12 +13539,12 @@
         </p:nvSpPr>
         <p:spPr>
           <a:xfrm>
-            <a:off x="4631350" y="3427156"/>
+            <a:off x="4641289" y="3427156"/>
             <a:ext cx="1719336" cy="379214"/>
           </a:xfrm>
           <a:prstGeom prst="roundRect">
             <a:avLst>
-              <a:gd name="adj" fmla="val 32956"/>
+              <a:gd name="adj" fmla="val 27714"/>
             </a:avLst>
           </a:prstGeom>
           <a:solidFill>
@@ -13480,12 +13604,12 @@
         </p:nvSpPr>
         <p:spPr bwMode="auto">
           <a:xfrm>
-            <a:off x="2799688" y="4349568"/>
+            <a:off x="2799688" y="4627861"/>
             <a:ext cx="1152779" cy="790242"/>
           </a:xfrm>
           <a:prstGeom prst="can">
             <a:avLst>
-              <a:gd name="adj" fmla="val 18432"/>
+              <a:gd name="adj" fmla="val 15917"/>
             </a:avLst>
           </a:prstGeom>
           <a:solidFill>
@@ -13600,7 +13724,7 @@
           <a:p>
             <a:pPr algn="ctr"/>
             <a:r>
-              <a:rPr lang="fr-FR" sz="1400" b="1" dirty="0"/>
+              <a:rPr lang="fr-FR" sz="1600" b="1" dirty="0"/>
               <a:t>Shop.Db</a:t>
             </a:r>
           </a:p>
@@ -13618,10 +13742,6 @@
               <a:t>.SqLite</a:t>
             </a:r>
             <a:endParaRPr lang="sv-SE" sz="1400" b="1" dirty="0"/>
-          </a:p>
-          <a:p>
-            <a:pPr algn="ctr"/>
-            <a:endParaRPr lang="en-US" sz="1000" b="1" dirty="0"/>
           </a:p>
         </p:txBody>
       </p:sp>
@@ -13674,7 +13794,7 @@
           <a:p>
             <a:pPr algn="ctr"/>
             <a:r>
-              <a:rPr lang="fr-FR" b="1" dirty="0">
+              <a:rPr lang="fr-FR" sz="1600" b="1" dirty="0">
                 <a:solidFill>
                   <a:schemeClr val="tx1"/>
                 </a:solidFill>
@@ -13693,7 +13813,18 @@
                   </a:schemeClr>
                 </a:solidFill>
               </a:rPr>
-              <a:t>.Net7</a:t>
+              <a:t>.</a:t>
+            </a:r>
+            <a:r>
+              <a:rPr lang="fr-FR" sz="1600" b="1" i="1" dirty="0">
+                <a:solidFill>
+                  <a:schemeClr val="tx1">
+                    <a:lumMod val="60000"/>
+                    <a:lumOff val="40000"/>
+                  </a:schemeClr>
+                </a:solidFill>
+              </a:rPr>
+              <a:t>Net7</a:t>
             </a:r>
             <a:endParaRPr lang="fr-FR" b="1" dirty="0">
               <a:solidFill>
@@ -13965,8 +14096,8 @@
         </p:nvCxnSpPr>
         <p:spPr>
           <a:xfrm rot="16200000" flipH="1">
-            <a:off x="3208042" y="4181532"/>
-            <a:ext cx="331410" cy="4661"/>
+            <a:off x="3068896" y="4320678"/>
+            <a:ext cx="609703" cy="4661"/>
           </a:xfrm>
           <a:prstGeom prst="bentConnector3">
             <a:avLst>
@@ -14013,7 +14144,7 @@
         <p:spPr>
           <a:xfrm flipV="1">
             <a:off x="4081527" y="3616763"/>
-            <a:ext cx="549823" cy="6274"/>
+            <a:ext cx="559762" cy="6274"/>
           </a:xfrm>
           <a:prstGeom prst="bentConnector3">
             <a:avLst>
@@ -14248,6 +14379,87 @@
               <a:rPr lang="fr-FR" sz="1600" b="1" dirty="0"/>
               <a:t>Tier Api</a:t>
             </a:r>
+          </a:p>
+        </p:txBody>
+      </p:sp>
+      <p:sp>
+        <p:nvSpPr>
+          <p:cNvPr id="15" name="Rectangle : coins arrondis 9">
+            <a:extLst>
+              <a:ext uri="{FF2B5EF4-FFF2-40B4-BE49-F238E27FC236}">
+                <a16:creationId xmlns:a16="http://schemas.microsoft.com/office/drawing/2014/main" id="{84FC2902-6BEA-4610-2A06-D25B77376D51}"/>
+              </a:ext>
+            </a:extLst>
+          </p:cNvPr>
+          <p:cNvSpPr/>
+          <p:nvPr/>
+        </p:nvSpPr>
+        <p:spPr>
+          <a:xfrm>
+            <a:off x="4277535" y="1702537"/>
+            <a:ext cx="1420221" cy="660077"/>
+          </a:xfrm>
+          <a:prstGeom prst="roundRect">
+            <a:avLst>
+              <a:gd name="adj" fmla="val 19595"/>
+            </a:avLst>
+          </a:prstGeom>
+          <a:solidFill>
+            <a:schemeClr val="accent2">
+              <a:lumMod val="20000"/>
+              <a:lumOff val="80000"/>
+            </a:schemeClr>
+          </a:solidFill>
+        </p:spPr>
+        <p:style>
+          <a:lnRef idx="1">
+            <a:schemeClr val="accent1"/>
+          </a:lnRef>
+          <a:fillRef idx="3">
+            <a:schemeClr val="accent1"/>
+          </a:fillRef>
+          <a:effectRef idx="2">
+            <a:schemeClr val="accent1"/>
+          </a:effectRef>
+          <a:fontRef idx="minor">
+            <a:schemeClr val="lt1"/>
+          </a:fontRef>
+        </p:style>
+        <p:txBody>
+          <a:bodyPr vert="horz" rtlCol="0" anchor="ctr"/>
+          <a:lstStyle/>
+          <a:p>
+            <a:pPr algn="ctr"/>
+            <a:r>
+              <a:rPr lang="fr-FR" sz="1600" b="1" dirty="0">
+                <a:solidFill>
+                  <a:schemeClr val="tx1"/>
+                </a:solidFill>
+                <a:highlight>
+                  <a:srgbClr val="FFFF00"/>
+                </a:highlight>
+              </a:rPr>
+              <a:t>Shop.App</a:t>
+            </a:r>
+          </a:p>
+          <a:p>
+            <a:pPr algn="ctr"/>
+            <a:r>
+              <a:rPr lang="fr-FR" sz="1600" b="1" i="1" dirty="0">
+                <a:solidFill>
+                  <a:schemeClr val="tx1">
+                    <a:lumMod val="60000"/>
+                    <a:lumOff val="40000"/>
+                  </a:schemeClr>
+                </a:solidFill>
+              </a:rPr>
+              <a:t>Blazor</a:t>
+            </a:r>
+            <a:endParaRPr lang="fr-FR" sz="1600" b="1" dirty="0">
+              <a:solidFill>
+                <a:schemeClr val="tx1"/>
+              </a:solidFill>
+            </a:endParaRPr>
           </a:p>
         </p:txBody>
       </p:sp>
@@ -15906,7 +16118,7 @@
             </a:endParaRPr>
           </a:p>
           <a:p>
-            <a:pPr indent="-288000">
+            <a:pPr marL="365760" indent="-274320">
               <a:buFont typeface="Arial,Sans-Serif" panose="020B0604020202020204" pitchFamily="34" charset="0"/>
               <a:buChar char="•"/>
             </a:pPr>
@@ -16007,6 +16219,7 @@
             </a:r>
           </a:p>
           <a:p>
+            <a:pPr marL="365760" indent="-274320"/>
             <a:r>
               <a:rPr lang="fr-FR" sz="1800" dirty="0">
                 <a:solidFill>
@@ -16032,6 +16245,175 @@
               </a:rPr>
               <a:t>VsCode</a:t>
             </a:r>
+            <a:r>
+              <a:rPr lang="fr-FR" sz="1800" dirty="0">
+                <a:solidFill>
+                  <a:schemeClr val="bg1">
+                    <a:lumMod val="75000"/>
+                  </a:schemeClr>
+                </a:solidFill>
+              </a:rPr>
+              <a:t> | Vs2022</a:t>
+            </a:r>
+          </a:p>
+          <a:p>
+            <a:pPr marL="365760" indent="-274320"/>
+            <a:r>
+              <a:rPr lang="fr-FR" sz="1800" dirty="0">
+                <a:solidFill>
+                  <a:schemeClr val="tx2"/>
+                </a:solidFill>
+              </a:rPr>
+              <a:t>Package. </a:t>
+            </a:r>
+            <a:r>
+              <a:rPr lang="fr-FR" sz="1800" dirty="0">
+                <a:solidFill>
+                  <a:schemeClr val="bg1">
+                    <a:lumMod val="75000"/>
+                  </a:schemeClr>
+                </a:solidFill>
+                <a:hlinkClick r:id="rId3">
+                  <a:extLst>
+                    <a:ext uri="{A12FA001-AC4F-418D-AE19-62706E023703}">
+                      <ahyp:hlinkClr xmlns:ahyp="http://schemas.microsoft.com/office/drawing/2018/hyperlinkcolor" val="tx"/>
+                    </a:ext>
+                  </a:extLst>
+                </a:hlinkClick>
+              </a:rPr>
+              <a:t>Npm (Node.js)</a:t>
+            </a:r>
+            <a:r>
+              <a:rPr lang="fr-FR" sz="1800" b="0" dirty="0">
+                <a:solidFill>
+                  <a:schemeClr val="bg1">
+                    <a:lumMod val="65000"/>
+                  </a:schemeClr>
+                </a:solidFill>
+              </a:rPr>
+              <a:t> (App) | </a:t>
+            </a:r>
+            <a:r>
+              <a:rPr lang="fr-FR" sz="1800" dirty="0">
+                <a:solidFill>
+                  <a:schemeClr val="bg1">
+                    <a:lumMod val="75000"/>
+                  </a:schemeClr>
+                </a:solidFill>
+                <a:hlinkClick r:id="rId4">
+                  <a:extLst>
+                    <a:ext uri="{A12FA001-AC4F-418D-AE19-62706E023703}">
+                      <ahyp:hlinkClr xmlns:ahyp="http://schemas.microsoft.com/office/drawing/2018/hyperlinkcolor" val="tx"/>
+                    </a:ext>
+                  </a:extLst>
+                </a:hlinkClick>
+              </a:rPr>
+              <a:t>Nuget</a:t>
+            </a:r>
+            <a:r>
+              <a:rPr lang="fr-FR" sz="1800" dirty="0">
+                <a:solidFill>
+                  <a:schemeClr val="bg1">
+                    <a:lumMod val="75000"/>
+                  </a:schemeClr>
+                </a:solidFill>
+              </a:rPr>
+              <a:t> (Api)</a:t>
+            </a:r>
+            <a:endParaRPr lang="fr-FR" sz="1800" dirty="0">
+              <a:solidFill>
+                <a:schemeClr val="tx2"/>
+              </a:solidFill>
+            </a:endParaRPr>
+          </a:p>
+          <a:p>
+            <a:pPr marL="365760" indent="-274320"/>
+            <a:r>
+              <a:rPr lang="fr-FR" sz="1800" dirty="0">
+                <a:solidFill>
+                  <a:schemeClr val="tx2"/>
+                </a:solidFill>
+              </a:rPr>
+              <a:t>Host. </a:t>
+            </a:r>
+            <a:r>
+              <a:rPr lang="fr-FR" sz="1800" dirty="0">
+                <a:solidFill>
+                  <a:schemeClr val="bg1">
+                    <a:lumMod val="75000"/>
+                  </a:schemeClr>
+                </a:solidFill>
+                <a:hlinkClick r:id="rId5">
+                  <a:extLst>
+                    <a:ext uri="{A12FA001-AC4F-418D-AE19-62706E023703}">
+                      <ahyp:hlinkClr xmlns:ahyp="http://schemas.microsoft.com/office/drawing/2018/hyperlinkcolor" val="tx"/>
+                    </a:ext>
+                  </a:extLst>
+                </a:hlinkClick>
+              </a:rPr>
+              <a:t>Firebase</a:t>
+            </a:r>
+            <a:r>
+              <a:rPr lang="fr-FR" sz="1800" dirty="0">
+                <a:solidFill>
+                  <a:schemeClr val="bg1">
+                    <a:lumMod val="75000"/>
+                  </a:schemeClr>
+                </a:solidFill>
+              </a:rPr>
+              <a:t> (App) | </a:t>
+            </a:r>
+            <a:r>
+              <a:rPr lang="fr-FR" sz="1800" dirty="0">
+                <a:solidFill>
+                  <a:schemeClr val="bg1">
+                    <a:lumMod val="75000"/>
+                  </a:schemeClr>
+                </a:solidFill>
+                <a:highlight>
+                  <a:srgbClr val="FFFF00"/>
+                </a:highlight>
+              </a:rPr>
+              <a:t>Azure (Api)</a:t>
+            </a:r>
+            <a:r>
+              <a:rPr lang="fr-FR" sz="1800" dirty="0">
+                <a:solidFill>
+                  <a:schemeClr val="bg1">
+                    <a:lumMod val="75000"/>
+                  </a:schemeClr>
+                </a:solidFill>
+              </a:rPr>
+              <a:t> </a:t>
+            </a:r>
+          </a:p>
+          <a:p>
+            <a:pPr marL="365760" indent="-274320"/>
+            <a:r>
+              <a:rPr lang="fr-FR" sz="1800" dirty="0">
+                <a:solidFill>
+                  <a:schemeClr val="tx2"/>
+                </a:solidFill>
+              </a:rPr>
+              <a:t>Version. </a:t>
+            </a:r>
+            <a:r>
+              <a:rPr lang="fr-FR" sz="1800" dirty="0">
+                <a:solidFill>
+                  <a:schemeClr val="bg1">
+                    <a:lumMod val="75000"/>
+                  </a:schemeClr>
+                </a:solidFill>
+                <a:hlinkClick r:id="rId6">
+                  <a:extLst>
+                    <a:ext uri="{A12FA001-AC4F-418D-AE19-62706E023703}">
+                      <ahyp:hlinkClr xmlns:ahyp="http://schemas.microsoft.com/office/drawing/2018/hyperlinkcolor" val="tx"/>
+                    </a:ext>
+                  </a:extLst>
+                </a:hlinkClick>
+              </a:rPr>
+              <a:t>Git</a:t>
+            </a:r>
             <a:endParaRPr lang="fr-FR" sz="1800" dirty="0">
               <a:solidFill>
                 <a:schemeClr val="bg1">
@@ -16041,13 +16423,14 @@
             </a:endParaRPr>
           </a:p>
           <a:p>
+            <a:pPr marL="365760" indent="-274320"/>
             <a:r>
               <a:rPr lang="fr-FR" sz="1800" dirty="0">
                 <a:solidFill>
                   <a:schemeClr val="tx2"/>
                 </a:solidFill>
               </a:rPr>
-              <a:t>Package. </a:t>
+              <a:t>Storage. </a:t>
             </a:r>
             <a:r>
               <a:rPr lang="fr-FR" sz="1800" dirty="0">
@@ -16056,7 +16439,7 @@
                     <a:lumMod val="75000"/>
                   </a:schemeClr>
                 </a:solidFill>
-                <a:hlinkClick r:id="rId3">
+                <a:hlinkClick r:id="rId7">
                   <a:extLst>
                     <a:ext uri="{A12FA001-AC4F-418D-AE19-62706E023703}">
                       <ahyp:hlinkClr xmlns:ahyp="http://schemas.microsoft.com/office/drawing/2018/hyperlinkcolor" val="tx"/>
@@ -16064,136 +16447,7 @@
                   </a:extLst>
                 </a:hlinkClick>
               </a:rPr>
-              <a:t>Npm (Node.js)</a:t>
-            </a:r>
-            <a:r>
-              <a:rPr lang="fr-FR" sz="1800" b="0" dirty="0">
-                <a:solidFill>
-                  <a:schemeClr val="bg1">
-                    <a:lumMod val="65000"/>
-                  </a:schemeClr>
-                </a:solidFill>
-              </a:rPr>
-              <a:t> (App) | </a:t>
-            </a:r>
-            <a:r>
-              <a:rPr lang="fr-FR" sz="1800" dirty="0">
-                <a:solidFill>
-                  <a:schemeClr val="bg1">
-                    <a:lumMod val="75000"/>
-                  </a:schemeClr>
-                </a:solidFill>
-                <a:hlinkClick r:id="rId4">
-                  <a:extLst>
-                    <a:ext uri="{A12FA001-AC4F-418D-AE19-62706E023703}">
-                      <ahyp:hlinkClr xmlns:ahyp="http://schemas.microsoft.com/office/drawing/2018/hyperlinkcolor" val="tx"/>
-                    </a:ext>
-                  </a:extLst>
-                </a:hlinkClick>
-              </a:rPr>
-              <a:t>Nuget</a:t>
-            </a:r>
-            <a:r>
-              <a:rPr lang="fr-FR" sz="1800" dirty="0">
-                <a:solidFill>
-                  <a:schemeClr val="bg1">
-                    <a:lumMod val="75000"/>
-                  </a:schemeClr>
-                </a:solidFill>
-              </a:rPr>
-              <a:t> (Api)</a:t>
-            </a:r>
-            <a:endParaRPr lang="fr-FR" sz="1800" dirty="0">
-              <a:solidFill>
-                <a:schemeClr val="tx2"/>
-              </a:solidFill>
-            </a:endParaRPr>
-          </a:p>
-          <a:p>
-            <a:r>
-              <a:rPr lang="fr-FR" sz="1800" dirty="0">
-                <a:solidFill>
-                  <a:schemeClr val="tx2"/>
-                </a:solidFill>
-              </a:rPr>
-              <a:t>Host. </a:t>
-            </a:r>
-            <a:r>
-              <a:rPr lang="fr-FR" sz="1800" dirty="0">
-                <a:solidFill>
-                  <a:schemeClr val="bg1">
-                    <a:lumMod val="75000"/>
-                  </a:schemeClr>
-                </a:solidFill>
-                <a:hlinkClick r:id="rId5">
-                  <a:extLst>
-                    <a:ext uri="{A12FA001-AC4F-418D-AE19-62706E023703}">
-                      <ahyp:hlinkClr xmlns:ahyp="http://schemas.microsoft.com/office/drawing/2018/hyperlinkcolor" val="tx"/>
-                    </a:ext>
-                  </a:extLst>
-                </a:hlinkClick>
-              </a:rPr>
-              <a:t>Firebase</a:t>
-            </a:r>
-            <a:r>
-              <a:rPr lang="fr-FR" sz="1800" dirty="0">
-                <a:solidFill>
-                  <a:schemeClr val="bg1">
-                    <a:lumMod val="75000"/>
-                  </a:schemeClr>
-                </a:solidFill>
-              </a:rPr>
-              <a:t> (App) | </a:t>
-            </a:r>
-            <a:r>
-              <a:rPr lang="fr-FR" sz="1800" dirty="0">
-                <a:solidFill>
-                  <a:schemeClr val="bg1">
-                    <a:lumMod val="75000"/>
-                  </a:schemeClr>
-                </a:solidFill>
-                <a:highlight>
-                  <a:srgbClr val="FFFF00"/>
-                </a:highlight>
-              </a:rPr>
-              <a:t>Azure (Api)</a:t>
-            </a:r>
-            <a:r>
-              <a:rPr lang="fr-FR" sz="1800" dirty="0">
-                <a:solidFill>
-                  <a:schemeClr val="bg1">
-                    <a:lumMod val="75000"/>
-                  </a:schemeClr>
-                </a:solidFill>
-              </a:rPr>
-              <a:t> </a:t>
-            </a:r>
-          </a:p>
-          <a:p>
-            <a:r>
-              <a:rPr lang="fr-FR" sz="1800" dirty="0">
-                <a:solidFill>
-                  <a:schemeClr val="tx2"/>
-                </a:solidFill>
-              </a:rPr>
-              <a:t>Version. </a:t>
-            </a:r>
-            <a:r>
-              <a:rPr lang="fr-FR" sz="1800" dirty="0">
-                <a:solidFill>
-                  <a:schemeClr val="bg1">
-                    <a:lumMod val="75000"/>
-                  </a:schemeClr>
-                </a:solidFill>
-                <a:hlinkClick r:id="rId6">
-                  <a:extLst>
-                    <a:ext uri="{A12FA001-AC4F-418D-AE19-62706E023703}">
-                      <ahyp:hlinkClr xmlns:ahyp="http://schemas.microsoft.com/office/drawing/2018/hyperlinkcolor" val="tx"/>
-                    </a:ext>
-                  </a:extLst>
-                </a:hlinkClick>
-              </a:rPr>
-              <a:t>Git</a:t>
+              <a:t>GitHub</a:t>
             </a:r>
             <a:endParaRPr lang="fr-FR" sz="1800" dirty="0">
               <a:solidFill>
@@ -16204,40 +16458,7 @@
             </a:endParaRPr>
           </a:p>
           <a:p>
-            <a:r>
-              <a:rPr lang="fr-FR" sz="1800" dirty="0">
-                <a:solidFill>
-                  <a:schemeClr val="tx2"/>
-                </a:solidFill>
-              </a:rPr>
-              <a:t>Storage. </a:t>
-            </a:r>
-            <a:r>
-              <a:rPr lang="fr-FR" sz="1800" dirty="0">
-                <a:solidFill>
-                  <a:schemeClr val="bg1">
-                    <a:lumMod val="75000"/>
-                  </a:schemeClr>
-                </a:solidFill>
-                <a:hlinkClick r:id="rId7">
-                  <a:extLst>
-                    <a:ext uri="{A12FA001-AC4F-418D-AE19-62706E023703}">
-                      <ahyp:hlinkClr xmlns:ahyp="http://schemas.microsoft.com/office/drawing/2018/hyperlinkcolor" val="tx"/>
-                    </a:ext>
-                  </a:extLst>
-                </a:hlinkClick>
-              </a:rPr>
-              <a:t>GitHub</a:t>
-            </a:r>
-            <a:endParaRPr lang="fr-FR" sz="1800" dirty="0">
-              <a:solidFill>
-                <a:schemeClr val="bg1">
-                  <a:lumMod val="75000"/>
-                </a:schemeClr>
-              </a:solidFill>
-            </a:endParaRPr>
-          </a:p>
-          <a:p>
+            <a:pPr marL="365760" indent="-274320"/>
             <a:r>
               <a:rPr lang="fr-FR" sz="1800" dirty="0">
                 <a:solidFill>
@@ -16278,8 +16499,8 @@
         </p:nvSpPr>
         <p:spPr>
           <a:xfrm>
-            <a:off x="6136458" y="4633977"/>
-            <a:ext cx="5144311" cy="1344792"/>
+            <a:off x="6136458" y="3159459"/>
+            <a:ext cx="5144311" cy="1225728"/>
           </a:xfrm>
           <a:prstGeom prst="roundRect">
             <a:avLst>
@@ -16469,7 +16690,7 @@
             </a:pPr>
             <a:r>
               <a:rPr lang="en-US" dirty="0"/>
-              <a:t>Documentation</a:t>
+              <a:t>Doc.Storage</a:t>
             </a:r>
           </a:p>
           <a:p>
@@ -16479,7 +16700,308 @@
                   <a:schemeClr val="tx2"/>
                 </a:solidFill>
               </a:rPr>
+              <a:t>Pattern.</a:t>
+            </a:r>
+            <a:r>
+              <a:rPr lang="en-US" sz="1800" b="0" dirty="0">
+                <a:solidFill>
+                  <a:schemeClr val="tx2"/>
+                </a:solidFill>
+              </a:rPr>
+              <a:t> </a:t>
+            </a:r>
+            <a:r>
+              <a:rPr lang="en-US" sz="1800" b="0" dirty="0">
+                <a:solidFill>
+                  <a:schemeClr val="tx2"/>
+                </a:solidFill>
+                <a:highlight>
+                  <a:srgbClr val="C0C0C0"/>
+                </a:highlight>
+              </a:rPr>
+              <a:t>Wiki</a:t>
+            </a:r>
+            <a:r>
+              <a:rPr lang="en-US" sz="1800" b="0" dirty="0">
+                <a:solidFill>
+                  <a:schemeClr val="tx2"/>
+                </a:solidFill>
+              </a:rPr>
+              <a:t> &amp; File&amp;Folder</a:t>
+            </a:r>
+            <a:endParaRPr lang="fr-FR" sz="1800" dirty="0">
+              <a:solidFill>
+                <a:schemeClr val="tx2"/>
+              </a:solidFill>
+            </a:endParaRPr>
+          </a:p>
+          <a:p>
+            <a:r>
+              <a:rPr lang="fr-FR" sz="1800" dirty="0">
+                <a:solidFill>
+                  <a:schemeClr val="tx2"/>
+                </a:solidFill>
+              </a:rPr>
               <a:t>Design. </a:t>
+            </a:r>
+            <a:endParaRPr lang="fr-FR" sz="1800" dirty="0">
+              <a:solidFill>
+                <a:schemeClr val="bg1">
+                  <a:lumMod val="75000"/>
+                </a:schemeClr>
+              </a:solidFill>
+            </a:endParaRPr>
+          </a:p>
+        </p:txBody>
+      </p:sp>
+      <p:sp>
+        <p:nvSpPr>
+          <p:cNvPr id="4" name="Espace réservé du texte 7">
+            <a:extLst>
+              <a:ext uri="{FF2B5EF4-FFF2-40B4-BE49-F238E27FC236}">
+                <a16:creationId xmlns:a16="http://schemas.microsoft.com/office/drawing/2014/main" id="{3A48AB4F-26D2-2593-2008-80882D7A96B0}"/>
+              </a:ext>
+            </a:extLst>
+          </p:cNvPr>
+          <p:cNvSpPr txBox="1">
+            <a:spLocks/>
+          </p:cNvSpPr>
+          <p:nvPr/>
+        </p:nvSpPr>
+        <p:spPr>
+          <a:xfrm>
+            <a:off x="6136458" y="1189982"/>
+            <a:ext cx="5144311" cy="1818689"/>
+          </a:xfrm>
+          <a:prstGeom prst="roundRect">
+            <a:avLst>
+              <a:gd name="adj" fmla="val 10776"/>
+            </a:avLst>
+          </a:prstGeom>
+          <a:ln w="15875">
+            <a:solidFill>
+              <a:schemeClr val="accent1"/>
+            </a:solidFill>
+          </a:ln>
+        </p:spPr>
+        <p:txBody>
+          <a:bodyPr vert="horz" lIns="0" tIns="0" rIns="0" bIns="0" rtlCol="0" anchor="t">
+            <a:noAutofit/>
+          </a:bodyPr>
+          <a:lstStyle>
+            <a:lvl1pPr marL="360000" indent="-360000" algn="l" defTabSz="914400" rtl="0" eaLnBrk="1" latinLnBrk="0" hangingPunct="1">
+              <a:lnSpc>
+                <a:spcPct val="90000"/>
+              </a:lnSpc>
+              <a:spcBef>
+                <a:spcPts val="1000"/>
+              </a:spcBef>
+              <a:buFont typeface="Arial" panose="020B0604020202020204" pitchFamily="34" charset="0"/>
+              <a:buChar char="•"/>
+              <a:defRPr sz="2000" b="1" kern="1200">
+                <a:solidFill>
+                  <a:schemeClr val="tx1"/>
+                </a:solidFill>
+                <a:latin typeface="+mn-lt"/>
+                <a:ea typeface="+mn-ea"/>
+                <a:cs typeface="+mn-cs"/>
+              </a:defRPr>
+            </a:lvl1pPr>
+            <a:lvl2pPr marL="648000" indent="-360000" algn="l" defTabSz="914400" rtl="0" eaLnBrk="1" latinLnBrk="0" hangingPunct="1">
+              <a:lnSpc>
+                <a:spcPct val="90000"/>
+              </a:lnSpc>
+              <a:spcBef>
+                <a:spcPts val="1200"/>
+              </a:spcBef>
+              <a:buFont typeface="Arial" panose="020B0604020202020204" pitchFamily="34" charset="0"/>
+              <a:buChar char="•"/>
+              <a:defRPr sz="1800" b="1" kern="1200">
+                <a:solidFill>
+                  <a:schemeClr val="tx2"/>
+                </a:solidFill>
+                <a:latin typeface="+mn-lt"/>
+                <a:ea typeface="+mn-ea"/>
+                <a:cs typeface="+mn-cs"/>
+              </a:defRPr>
+            </a:lvl2pPr>
+            <a:lvl3pPr marL="648000" indent="-360000" algn="l" defTabSz="914400" rtl="0" eaLnBrk="1" latinLnBrk="0" hangingPunct="1">
+              <a:lnSpc>
+                <a:spcPct val="90000"/>
+              </a:lnSpc>
+              <a:spcBef>
+                <a:spcPts val="1200"/>
+              </a:spcBef>
+              <a:buFont typeface="Arial" panose="020B0604020202020204" pitchFamily="34" charset="0"/>
+              <a:buChar char="•"/>
+              <a:defRPr sz="1800" b="1" kern="1200">
+                <a:solidFill>
+                  <a:schemeClr val="bg1">
+                    <a:lumMod val="65000"/>
+                  </a:schemeClr>
+                </a:solidFill>
+                <a:latin typeface="+mn-lt"/>
+                <a:ea typeface="+mn-ea"/>
+                <a:cs typeface="+mn-cs"/>
+              </a:defRPr>
+            </a:lvl3pPr>
+            <a:lvl4pPr marL="720000" indent="-270000" algn="l" defTabSz="914400" rtl="0" eaLnBrk="1" latinLnBrk="0" hangingPunct="1">
+              <a:lnSpc>
+                <a:spcPct val="90000"/>
+              </a:lnSpc>
+              <a:spcBef>
+                <a:spcPts val="1000"/>
+              </a:spcBef>
+              <a:buFont typeface="Arial" panose="020B0604020202020204" pitchFamily="34" charset="0"/>
+              <a:buChar char="•"/>
+              <a:defRPr sz="1600" kern="1200">
+                <a:solidFill>
+                  <a:schemeClr val="tx2"/>
+                </a:solidFill>
+                <a:latin typeface="+mn-lt"/>
+                <a:ea typeface="+mn-ea"/>
+                <a:cs typeface="+mn-cs"/>
+              </a:defRPr>
+            </a:lvl4pPr>
+            <a:lvl5pPr marL="630000" indent="-270000" algn="l" defTabSz="914400" rtl="0" eaLnBrk="1" latinLnBrk="0" hangingPunct="1">
+              <a:lnSpc>
+                <a:spcPct val="90000"/>
+              </a:lnSpc>
+              <a:spcBef>
+                <a:spcPts val="1000"/>
+              </a:spcBef>
+              <a:buFont typeface="Arial" panose="020B0604020202020204" pitchFamily="34" charset="0"/>
+              <a:buChar char="•"/>
+              <a:defRPr sz="1600" kern="1200">
+                <a:solidFill>
+                  <a:schemeClr val="tx2"/>
+                </a:solidFill>
+                <a:latin typeface="+mn-lt"/>
+                <a:ea typeface="+mn-ea"/>
+                <a:cs typeface="+mn-cs"/>
+              </a:defRPr>
+            </a:lvl5pPr>
+            <a:lvl6pPr marL="2514600" indent="-228600" algn="l" defTabSz="914400" rtl="0" eaLnBrk="1" latinLnBrk="0" hangingPunct="1">
+              <a:lnSpc>
+                <a:spcPct val="90000"/>
+              </a:lnSpc>
+              <a:spcBef>
+                <a:spcPts val="500"/>
+              </a:spcBef>
+              <a:buFont typeface="Arial" panose="020B0604020202020204" pitchFamily="34" charset="0"/>
+              <a:buChar char="•"/>
+              <a:defRPr sz="1800" kern="1200">
+                <a:solidFill>
+                  <a:schemeClr val="tx1"/>
+                </a:solidFill>
+                <a:latin typeface="+mn-lt"/>
+                <a:ea typeface="+mn-ea"/>
+                <a:cs typeface="+mn-cs"/>
+              </a:defRPr>
+            </a:lvl6pPr>
+            <a:lvl7pPr marL="2971800" indent="-228600" algn="l" defTabSz="914400" rtl="0" eaLnBrk="1" latinLnBrk="0" hangingPunct="1">
+              <a:lnSpc>
+                <a:spcPct val="90000"/>
+              </a:lnSpc>
+              <a:spcBef>
+                <a:spcPts val="500"/>
+              </a:spcBef>
+              <a:buFont typeface="Arial" panose="020B0604020202020204" pitchFamily="34" charset="0"/>
+              <a:buChar char="•"/>
+              <a:defRPr sz="1800" kern="1200">
+                <a:solidFill>
+                  <a:schemeClr val="tx1"/>
+                </a:solidFill>
+                <a:latin typeface="+mn-lt"/>
+                <a:ea typeface="+mn-ea"/>
+                <a:cs typeface="+mn-cs"/>
+              </a:defRPr>
+            </a:lvl7pPr>
+            <a:lvl8pPr marL="3429000" indent="-228600" algn="l" defTabSz="914400" rtl="0" eaLnBrk="1" latinLnBrk="0" hangingPunct="1">
+              <a:lnSpc>
+                <a:spcPct val="90000"/>
+              </a:lnSpc>
+              <a:spcBef>
+                <a:spcPts val="500"/>
+              </a:spcBef>
+              <a:buFont typeface="Arial" panose="020B0604020202020204" pitchFamily="34" charset="0"/>
+              <a:buChar char="•"/>
+              <a:defRPr sz="1800" kern="1200">
+                <a:solidFill>
+                  <a:schemeClr val="tx1"/>
+                </a:solidFill>
+                <a:latin typeface="+mn-lt"/>
+                <a:ea typeface="+mn-ea"/>
+                <a:cs typeface="+mn-cs"/>
+              </a:defRPr>
+            </a:lvl8pPr>
+            <a:lvl9pPr marL="3886200" indent="-228600" algn="l" defTabSz="914400" rtl="0" eaLnBrk="1" latinLnBrk="0" hangingPunct="1">
+              <a:lnSpc>
+                <a:spcPct val="90000"/>
+              </a:lnSpc>
+              <a:spcBef>
+                <a:spcPts val="500"/>
+              </a:spcBef>
+              <a:buFont typeface="Arial" panose="020B0604020202020204" pitchFamily="34" charset="0"/>
+              <a:buChar char="•"/>
+              <a:defRPr sz="1800" kern="1200">
+                <a:solidFill>
+                  <a:schemeClr val="tx1"/>
+                </a:solidFill>
+                <a:latin typeface="+mn-lt"/>
+                <a:ea typeface="+mn-ea"/>
+                <a:cs typeface="+mn-cs"/>
+              </a:defRPr>
+            </a:lvl9pPr>
+          </a:lstStyle>
+          <a:p>
+            <a:pPr marL="0" indent="0" algn="ctr">
+              <a:spcBef>
+                <a:spcPts val="600"/>
+              </a:spcBef>
+              <a:buFont typeface="Arial" panose="020B0604020202020204" pitchFamily="34" charset="0"/>
+              <a:buNone/>
+            </a:pPr>
+            <a:r>
+              <a:rPr lang="en-US" dirty="0">
+                <a:ea typeface="+mn-lt"/>
+                <a:cs typeface="+mn-lt"/>
+              </a:rPr>
+              <a:t>Doc.Format</a:t>
+            </a:r>
+          </a:p>
+          <a:p>
+            <a:pPr marL="365760" indent="-274320">
+              <a:spcBef>
+                <a:spcPts val="600"/>
+              </a:spcBef>
+            </a:pPr>
+            <a:r>
+              <a:rPr lang="en-US" sz="1800" dirty="0">
+                <a:solidFill>
+                  <a:schemeClr val="tx2"/>
+                </a:solidFill>
+              </a:rPr>
+              <a:t>Process. </a:t>
+            </a:r>
+            <a:r>
+              <a:rPr lang="en-US" sz="1800" b="0" dirty="0">
+                <a:solidFill>
+                  <a:schemeClr val="tx2"/>
+                </a:solidFill>
+                <a:highlight>
+                  <a:srgbClr val="C0C0C0"/>
+                </a:highlight>
+              </a:rPr>
+              <a:t>Visio</a:t>
+            </a:r>
+            <a:r>
+              <a:rPr lang="en-US" sz="1800" b="0" dirty="0">
+                <a:solidFill>
+                  <a:schemeClr val="tx2"/>
+                </a:solidFill>
+              </a:rPr>
+              <a:t> | </a:t>
             </a:r>
             <a:r>
               <a:rPr lang="fr-FR" sz="1800" dirty="0">
@@ -16498,11 +17020,113 @@
               </a:rPr>
               <a:t>Lucidchart</a:t>
             </a:r>
-            <a:endParaRPr lang="fr-FR" sz="1800" dirty="0">
+            <a:endParaRPr lang="en-US" sz="1800" dirty="0">
               <a:solidFill>
-                <a:schemeClr val="bg1">
-                  <a:lumMod val="75000"/>
-                </a:schemeClr>
+                <a:schemeClr val="tx2"/>
+              </a:solidFill>
+              <a:highlight>
+                <a:srgbClr val="C0C0C0"/>
+              </a:highlight>
+            </a:endParaRPr>
+          </a:p>
+          <a:p>
+            <a:pPr marL="365760" indent="-274320">
+              <a:spcBef>
+                <a:spcPts val="600"/>
+              </a:spcBef>
+            </a:pPr>
+            <a:r>
+              <a:rPr lang="en-US" sz="1800" dirty="0">
+                <a:solidFill>
+                  <a:schemeClr val="tx2"/>
+                </a:solidFill>
+              </a:rPr>
+              <a:t>Architecture.</a:t>
+            </a:r>
+            <a:r>
+              <a:rPr lang="en-US" sz="1800" b="0" dirty="0">
+                <a:solidFill>
+                  <a:schemeClr val="tx2"/>
+                </a:solidFill>
+              </a:rPr>
+              <a:t> Ppt</a:t>
+            </a:r>
+            <a:endParaRPr lang="en-US" sz="1800" dirty="0">
+              <a:solidFill>
+                <a:schemeClr val="tx2"/>
+              </a:solidFill>
+            </a:endParaRPr>
+          </a:p>
+          <a:p>
+            <a:pPr marL="365760" indent="-274320">
+              <a:spcBef>
+                <a:spcPts val="600"/>
+              </a:spcBef>
+            </a:pPr>
+            <a:r>
+              <a:rPr lang="en-US" sz="1800" dirty="0">
+                <a:solidFill>
+                  <a:schemeClr val="tx2"/>
+                </a:solidFill>
+              </a:rPr>
+              <a:t>DataModel.</a:t>
+            </a:r>
+            <a:r>
+              <a:rPr lang="en-US" sz="1800" b="0" dirty="0">
+                <a:solidFill>
+                  <a:schemeClr val="tx2"/>
+                </a:solidFill>
+              </a:rPr>
+              <a:t> </a:t>
+            </a:r>
+            <a:r>
+              <a:rPr lang="fr-FR" sz="1800" dirty="0">
+                <a:solidFill>
+                  <a:schemeClr val="bg1">
+                    <a:lumMod val="75000"/>
+                  </a:schemeClr>
+                </a:solidFill>
+                <a:hlinkClick r:id="rId8">
+                  <a:extLst>
+                    <a:ext uri="{A12FA001-AC4F-418D-AE19-62706E023703}">
+                      <ahyp:hlinkClr xmlns:ahyp="http://schemas.microsoft.com/office/drawing/2018/hyperlinkcolor" val="tx"/>
+                    </a:ext>
+                  </a:extLst>
+                </a:hlinkClick>
+              </a:rPr>
+              <a:t>Lucidchart</a:t>
+            </a:r>
+            <a:endParaRPr lang="en-US" sz="1800" dirty="0">
+              <a:solidFill>
+                <a:schemeClr val="tx2"/>
+              </a:solidFill>
+            </a:endParaRPr>
+          </a:p>
+          <a:p>
+            <a:pPr marL="365760" indent="-274320">
+              <a:spcBef>
+                <a:spcPts val="600"/>
+              </a:spcBef>
+            </a:pPr>
+            <a:r>
+              <a:rPr lang="en-US" sz="1800" dirty="0">
+                <a:solidFill>
+                  <a:schemeClr val="tx2"/>
+                </a:solidFill>
+              </a:rPr>
+              <a:t>DiagSequence. </a:t>
+            </a:r>
+            <a:r>
+              <a:rPr lang="en-US" sz="1800" b="0" dirty="0">
+                <a:solidFill>
+                  <a:schemeClr val="tx2"/>
+                </a:solidFill>
+              </a:rPr>
+              <a:t>N.a</a:t>
+            </a:r>
+            <a:endParaRPr lang="en-US" sz="1800" dirty="0">
+              <a:solidFill>
+                <a:schemeClr val="tx2"/>
               </a:solidFill>
             </a:endParaRPr>
           </a:p>
@@ -16641,7 +17265,7 @@
             </a:endParaRPr>
           </a:p>
           <a:p>
-            <a:pPr indent="-288000">
+            <a:pPr marL="365760" indent="-274320">
               <a:buFont typeface="Arial,Sans-Serif" panose="020B0604020202020204" pitchFamily="34" charset="0"/>
               <a:buChar char="•"/>
             </a:pPr>
@@ -16804,7 +17428,7 @@
             </a:endParaRPr>
           </a:p>
           <a:p>
-            <a:pPr indent="-288000">
+            <a:pPr marL="365760" indent="-274320">
               <a:buFont typeface="Arial,Sans-Serif" panose="020B0604020202020204" pitchFamily="34" charset="0"/>
               <a:buChar char="•"/>
             </a:pPr>
@@ -16957,6 +17581,7 @@
             </a:r>
           </a:p>
           <a:p>
+            <a:pPr marL="365760" indent="-274320"/>
             <a:r>
               <a:rPr lang="fr-FR" sz="1800" dirty="0">
                 <a:solidFill>
@@ -16991,6 +17616,7 @@
             </a:endParaRPr>
           </a:p>
           <a:p>
+            <a:pPr marL="365760" indent="-274320"/>
             <a:r>
               <a:rPr lang="fr-FR" sz="1800" dirty="0">
                 <a:solidFill>
@@ -17050,6 +17676,7 @@
             </a:endParaRPr>
           </a:p>
           <a:p>
+            <a:pPr marL="365760" indent="-274320"/>
             <a:r>
               <a:rPr lang="fr-FR" sz="1800" dirty="0">
                 <a:solidFill>
@@ -17127,7 +17754,7 @@
             </a:endParaRPr>
           </a:p>
           <a:p>
-            <a:pPr indent="-288000">
+            <a:pPr marL="365760" indent="-274320">
               <a:buFont typeface="Arial,Sans-Serif" panose="020B0604020202020204" pitchFamily="34" charset="0"/>
               <a:buChar char="•"/>
             </a:pPr>
@@ -17177,7 +17804,7 @@
             </a:endParaRPr>
           </a:p>
           <a:p>
-            <a:pPr indent="-288000">
+            <a:pPr marL="365760" indent="-274320">
               <a:buFont typeface="Arial,Sans-Serif" panose="020B0604020202020204" pitchFamily="34" charset="0"/>
               <a:buChar char="•"/>
             </a:pPr>
@@ -17266,7 +17893,7 @@
             </a:endParaRPr>
           </a:p>
           <a:p>
-            <a:pPr indent="-288000">
+            <a:pPr marL="365760" indent="-274320">
               <a:buFont typeface="Arial,Sans-Serif" panose="020B0604020202020204" pitchFamily="34" charset="0"/>
               <a:buChar char="•"/>
             </a:pPr>
@@ -17302,7 +17929,7 @@
             </a:endParaRPr>
           </a:p>
           <a:p>
-            <a:pPr indent="-288000">
+            <a:pPr marL="365760" indent="-274320">
               <a:buFont typeface="Arial,Sans-Serif" panose="020B0604020202020204" pitchFamily="34" charset="0"/>
               <a:buChar char="•"/>
             </a:pPr>
@@ -17356,7 +17983,7 @@
             </a:endParaRPr>
           </a:p>
           <a:p>
-            <a:pPr indent="-288000">
+            <a:pPr marL="365760" indent="-274320">
               <a:buFont typeface="Arial,Sans-Serif" panose="020B0604020202020204" pitchFamily="34" charset="0"/>
               <a:buChar char="•"/>
             </a:pPr>
@@ -17470,6 +18097,7 @@
             </a:r>
           </a:p>
           <a:p>
+            <a:pPr marL="365760" indent="-274320"/>
             <a:r>
               <a:rPr lang="fr-FR" sz="1800" dirty="0">
                 <a:solidFill>
@@ -17558,6 +18186,7 @@
             </a:r>
           </a:p>
           <a:p>
+            <a:pPr marL="365760" indent="-274320"/>
             <a:r>
               <a:rPr lang="fr-FR" sz="1800" dirty="0">
                 <a:solidFill>
@@ -17646,6 +18275,7 @@
             </a:r>
           </a:p>
           <a:p>
+            <a:pPr marL="365760" indent="-274320"/>
             <a:r>
               <a:rPr lang="fr-FR" sz="1800" dirty="0">
                 <a:solidFill>

--- a/Shop.Solution/2.Shop.Solution.pptx
+++ b/Shop.Solution/2.Shop.Solution.pptx
@@ -14,7 +14,7 @@
     <p:sldId id="257" r:id="rId2"/>
     <p:sldId id="258" r:id="rId3"/>
     <p:sldId id="1724" r:id="rId4"/>
-    <p:sldId id="1734" r:id="rId5"/>
+    <p:sldId id="1743" r:id="rId5"/>
     <p:sldId id="1712" r:id="rId6"/>
     <p:sldId id="1713" r:id="rId7"/>
     <p:sldId id="1706" r:id="rId8"/>
@@ -136,7 +136,7 @@
         <p14:section name="Architecture" id="{145EF7B7-639A-454C-8B1B-36A85F7939BC}">
           <p14:sldIdLst>
             <p14:sldId id="1724"/>
-            <p14:sldId id="1734"/>
+            <p14:sldId id="1743"/>
             <p14:sldId id="1712"/>
             <p14:sldId id="1713"/>
           </p14:sldIdLst>
@@ -193,45 +193,6 @@
     </p:extLst>
   </p:cmAuthor>
 </p:cmAuthorLst>
-</file>
-
-<file path=ppt/comments/modernComment_6C6_BD03B7D0.xml><?xml version="1.0" encoding="utf-8"?>
-<p188:cmLst xmlns:a="http://schemas.openxmlformats.org/drawingml/2006/main" xmlns:r="http://schemas.openxmlformats.org/officeDocument/2006/relationships" xmlns:p188="http://schemas.microsoft.com/office/powerpoint/2018/8/main">
-  <p188:cm id="{B8FD6BCC-7993-4AF5-80CF-577F3E1DC1A0}" authorId="{FD341820-5CC1-30A7-C59F-9FF8CBD05A90}" created="2023-08-19T19:05:40.848">
-    <ac:deMkLst xmlns:ac="http://schemas.microsoft.com/office/drawing/2013/main/command">
-      <pc:docMk xmlns:pc="http://schemas.microsoft.com/office/powerpoint/2013/main/command"/>
-      <pc:sldMk xmlns:pc="http://schemas.microsoft.com/office/powerpoint/2013/main/command" cId="3171137488" sldId="1734"/>
-      <ac:spMk id="103" creationId="{7B35EB49-C1C4-40D9-8CAA-FCE2275A6DF4}"/>
-    </ac:deMkLst>
-    <p188:txBody>
-      <a:bodyPr/>
-      <a:lstStyle/>
-      <a:p>
-        <a:r>
-          <a:rPr lang="en-US"/>
-          <a:t>shoppinglistappback.azurewebsites.net</a:t>
-        </a:r>
-      </a:p>
-    </p188:txBody>
-  </p188:cm>
-  <p188:cm id="{B6C2F84F-3344-4276-8CF5-CD461A0E54D3}" authorId="{FD341820-5CC1-30A7-C59F-9FF8CBD05A90}" created="2023-08-19T19:07:42.027">
-    <ac:deMkLst xmlns:ac="http://schemas.microsoft.com/office/drawing/2013/main/command">
-      <pc:docMk xmlns:pc="http://schemas.microsoft.com/office/powerpoint/2013/main/command"/>
-      <pc:sldMk xmlns:pc="http://schemas.microsoft.com/office/powerpoint/2013/main/command" cId="3171137488" sldId="1734"/>
-      <ac:spMk id="10" creationId="{517302A5-1414-4925-8129-DD7D2FE262F1}"/>
-    </ac:deMkLst>
-    <p188:txBody>
-      <a:bodyPr/>
-      <a:lstStyle/>
-      <a:p>
-        <a:r>
-          <a:rPr lang="en-US"/>
-          <a:t>shoppinglistapp-44a01.web.app</a:t>
-        </a:r>
-      </a:p>
-    </p188:txBody>
-  </p188:cm>
-</p188:cmLst>
 </file>
 
 <file path=ppt/comments/modernComment_6C7_E06CF71A.xml><?xml version="1.0" encoding="utf-8"?>
@@ -372,7 +333,7 @@
           <a:p>
             <a:fld id="{F869B831-4E69-4D2A-AD19-BF4301D60DCB}" type="datetimeFigureOut">
               <a:rPr lang="fr-FR" smtClean="0"/>
-              <a:t>07/09/2023</a:t>
+              <a:t>10/09/2023</a:t>
             </a:fld>
             <a:endParaRPr lang="fr-FR"/>
           </a:p>
@@ -549,7 +510,7 @@
           <a:p>
             <a:fld id="{21CD3A5E-BD05-4410-88B3-BEFECD2D9F92}" type="datetimeFigureOut">
               <a:rPr lang="fr-FR" smtClean="0"/>
-              <a:t>07/09/2023</a:t>
+              <a:t>10/09/2023</a:t>
             </a:fld>
             <a:endParaRPr lang="fr-FR"/>
           </a:p>
@@ -890,7 +851,7 @@
     </p:spTree>
     <p:extLst>
       <p:ext uri="{BB962C8B-B14F-4D97-AF65-F5344CB8AC3E}">
-        <p14:creationId xmlns:p14="http://schemas.microsoft.com/office/powerpoint/2010/main" val="783355286"/>
+        <p14:creationId xmlns:p14="http://schemas.microsoft.com/office/powerpoint/2010/main" val="136718993"/>
       </p:ext>
     </p:extLst>
   </p:cSld>
@@ -5774,7 +5735,7 @@
           <a:p>
             <a:r>
               <a:rPr lang="fr-FR" dirty="0"/>
-              <a:t>Technologie</a:t>
+              <a:t>Technology</a:t>
             </a:r>
           </a:p>
         </p:txBody>
@@ -5802,7 +5763,7 @@
           <a:p>
             <a:r>
               <a:rPr lang="fr-FR" dirty="0"/>
-              <a:t>Api.Net</a:t>
+              <a:t>Shop.Api (.Net)</a:t>
             </a:r>
           </a:p>
         </p:txBody>
@@ -6070,12 +6031,12 @@
         </p:nvSpPr>
         <p:spPr>
           <a:xfrm>
-            <a:off x="838200" y="2122557"/>
-            <a:ext cx="5144311" cy="1306444"/>
+            <a:off x="838200" y="2122556"/>
+            <a:ext cx="5144311" cy="2394513"/>
           </a:xfrm>
           <a:prstGeom prst="roundRect">
             <a:avLst>
-              <a:gd name="adj" fmla="val 13110"/>
+              <a:gd name="adj" fmla="val 7714"/>
             </a:avLst>
           </a:prstGeom>
         </p:spPr>
@@ -6163,13 +6124,90 @@
               </a:rPr>
               <a:t>EfCore</a:t>
             </a:r>
-            <a:endParaRPr lang="fr-FR" sz="1800" b="0" dirty="0">
+            <a:endParaRPr lang="fr-FR" sz="1800" dirty="0">
               <a:solidFill>
                 <a:schemeClr val="bg1">
-                  <a:lumMod val="65000"/>
+                  <a:lumMod val="75000"/>
                 </a:schemeClr>
               </a:solidFill>
             </a:endParaRPr>
+          </a:p>
+          <a:p>
+            <a:pPr indent="-288000">
+              <a:buFont typeface="Arial,Sans-Serif" panose="020B0604020202020204" pitchFamily="34" charset="0"/>
+              <a:buChar char="•"/>
+            </a:pPr>
+            <a:r>
+              <a:rPr lang="fr-FR" sz="1800" dirty="0">
+                <a:solidFill>
+                  <a:schemeClr val="tx2"/>
+                </a:solidFill>
+              </a:rPr>
+              <a:t>Validation. </a:t>
+            </a:r>
+            <a:r>
+              <a:rPr lang="fr-FR" sz="1800" b="0" dirty="0">
+                <a:solidFill>
+                  <a:schemeClr val="tx2"/>
+                </a:solidFill>
+              </a:rPr>
+              <a:t>FluentValidation</a:t>
+            </a:r>
+          </a:p>
+          <a:p>
+            <a:pPr indent="-288000">
+              <a:buFont typeface="Arial,Sans-Serif" panose="020B0604020202020204" pitchFamily="34" charset="0"/>
+              <a:buChar char="•"/>
+            </a:pPr>
+            <a:r>
+              <a:rPr lang="fr-FR" sz="1800" dirty="0">
+                <a:solidFill>
+                  <a:schemeClr val="tx2"/>
+                </a:solidFill>
+              </a:rPr>
+              <a:t>I18n. </a:t>
+            </a:r>
+            <a:r>
+              <a:rPr lang="fr-FR" sz="1800" b="0" dirty="0">
+                <a:solidFill>
+                  <a:schemeClr val="tx2"/>
+                </a:solidFill>
+              </a:rPr>
+              <a:t>N.a</a:t>
+            </a:r>
+          </a:p>
+          <a:p>
+            <a:pPr indent="-288000">
+              <a:buFont typeface="Arial,Sans-Serif" panose="020B0604020202020204" pitchFamily="34" charset="0"/>
+              <a:buChar char="•"/>
+            </a:pPr>
+            <a:r>
+              <a:rPr lang="fr-FR" sz="1800" dirty="0">
+                <a:solidFill>
+                  <a:schemeClr val="tx2"/>
+                </a:solidFill>
+              </a:rPr>
+              <a:t>Logging.</a:t>
+            </a:r>
+            <a:r>
+              <a:rPr lang="fr-FR" sz="1800" b="0" dirty="0">
+                <a:solidFill>
+                  <a:schemeClr val="tx2"/>
+                </a:solidFill>
+              </a:rPr>
+              <a:t> </a:t>
+            </a:r>
+            <a:r>
+              <a:rPr lang="fr-FR" sz="1800" b="0" dirty="0">
+                <a:solidFill>
+                  <a:schemeClr val="tx2"/>
+                </a:solidFill>
+                <a:highlight>
+                  <a:srgbClr val="FFFF00"/>
+                </a:highlight>
+              </a:rPr>
+              <a:t>Serilog (Todo)</a:t>
+            </a:r>
           </a:p>
         </p:txBody>
       </p:sp>
@@ -6435,8 +6473,8 @@
         </p:nvSpPr>
         <p:spPr>
           <a:xfrm>
-            <a:off x="838199" y="3582081"/>
-            <a:ext cx="5144311" cy="2394514"/>
+            <a:off x="838199" y="4668225"/>
+            <a:ext cx="5144311" cy="1308369"/>
           </a:xfrm>
           <a:prstGeom prst="roundRect">
             <a:avLst>
@@ -6822,15 +6860,7 @@
             </a:pPr>
             <a:r>
               <a:rPr lang="fr-FR" sz="1800" dirty="0"/>
-              <a:t>(</a:t>
-            </a:r>
-            <a:r>
-              <a:rPr lang="fr-FR" sz="1800" dirty="0" err="1"/>
-              <a:t>App&amp;Api</a:t>
-            </a:r>
-            <a:r>
-              <a:rPr lang="fr-FR" sz="1800" dirty="0"/>
-              <a:t>).Net</a:t>
+              <a:t>(App&amp;Api).Net</a:t>
             </a:r>
           </a:p>
           <a:p>
@@ -9014,7 +9044,7 @@
                   <a:schemeClr val="tx2"/>
                 </a:solidFill>
               </a:rPr>
-              <a:t>sln</a:t>
+              <a:t>Sln</a:t>
             </a:r>
             <a:endParaRPr lang="fr-FR" sz="1400" b="0" dirty="0">
               <a:solidFill>
@@ -9053,6 +9083,36 @@
                 </a:solidFill>
               </a:rPr>
               <a:t> Solution / Mng Package Nuget</a:t>
+            </a:r>
+          </a:p>
+          <a:p>
+            <a:pPr marL="363510" indent="-285750">
+              <a:spcBef>
+                <a:spcPts val="600"/>
+              </a:spcBef>
+            </a:pPr>
+            <a:r>
+              <a:rPr lang="fr-FR" sz="1400" b="0" dirty="0">
+                <a:solidFill>
+                  <a:schemeClr val="tx2"/>
+                </a:solidFill>
+              </a:rPr>
+              <a:t>New C# Lib. In Vs202X</a:t>
+            </a:r>
+          </a:p>
+          <a:p>
+            <a:pPr marL="363510" indent="-285750">
+              <a:spcBef>
+                <a:spcPts val="600"/>
+              </a:spcBef>
+            </a:pPr>
+            <a:r>
+              <a:rPr lang="fr-FR" sz="1400" b="0" dirty="0">
+                <a:solidFill>
+                  <a:schemeClr val="tx2"/>
+                </a:solidFill>
+              </a:rPr>
+              <a:t>Mng C# Project Ref. In Vs202X </a:t>
             </a:r>
           </a:p>
           <a:p>
@@ -14466,18 +14526,13 @@
     </p:spTree>
     <p:extLst>
       <p:ext uri="{BB962C8B-B14F-4D97-AF65-F5344CB8AC3E}">
-        <p14:creationId xmlns:p14="http://schemas.microsoft.com/office/powerpoint/2010/main" val="3171137488"/>
+        <p14:creationId xmlns:p14="http://schemas.microsoft.com/office/powerpoint/2010/main" val="2061401629"/>
       </p:ext>
     </p:extLst>
   </p:cSld>
   <p:clrMapOvr>
     <a:masterClrMapping/>
   </p:clrMapOvr>
-  <p:extLst>
-    <p:ext uri="{6950BFC3-D8DA-4A85-94F7-54DA5524770B}">
-      <p188:commentRel xmlns:p188="http://schemas.microsoft.com/office/powerpoint/2018/8/main" r:id="rId3"/>
-    </p:ext>
-  </p:extLst>
 </p:sld>
 </file>
 
@@ -14741,6 +14796,13 @@
           <a:p>
             <a:r>
               <a:rPr lang="fr-FR" dirty="0"/>
+              <a:t>Storage</a:t>
+            </a:r>
+          </a:p>
+          <a:p>
+            <a:pPr lvl="1"/>
+            <a:r>
+              <a:rPr lang="fr-FR" dirty="0"/>
               <a:t>Database</a:t>
             </a:r>
           </a:p>
@@ -14790,7 +14852,7 @@
         </p:nvSpPr>
         <p:spPr>
           <a:xfrm>
-            <a:off x="6391363" y="4681151"/>
+            <a:off x="1657869" y="4672315"/>
             <a:ext cx="2934412" cy="1087351"/>
           </a:xfrm>
           <a:prstGeom prst="roundRect">
@@ -15241,10 +15303,9 @@
                     <a:p>
                       <a:pPr algn="ctr"/>
                       <a:r>
-                        <a:rPr lang="fr-FR" dirty="0" err="1"/>
+                        <a:rPr lang="fr-FR" dirty="0"/>
                         <a:t>Theme</a:t>
                       </a:r>
-                      <a:endParaRPr lang="fr-FR" dirty="0"/>
                     </a:p>
                   </a:txBody>
                   <a:tcPr anchor="ctr"/>
@@ -15897,7 +15958,7 @@
                 <a:latin typeface="Arial"/>
                 <a:cs typeface="Arial"/>
               </a:rPr>
-              <a:t>Technologie</a:t>
+              <a:t>Technology</a:t>
             </a:r>
             <a:endParaRPr lang="fr-FR" dirty="0"/>
           </a:p>
@@ -16041,7 +16102,7 @@
           <a:p>
             <a:r>
               <a:rPr lang="fr-FR" dirty="0"/>
-              <a:t>Technologie</a:t>
+              <a:t>Technology</a:t>
             </a:r>
           </a:p>
         </p:txBody>
@@ -16985,48 +17046,17 @@
               <a:t>Process. </a:t>
             </a:r>
             <a:r>
-              <a:rPr lang="en-US" sz="1800" b="0" dirty="0">
+              <a:rPr lang="fr-FR" sz="1800" b="0" dirty="0" err="1">
                 <a:solidFill>
                   <a:schemeClr val="tx2"/>
                 </a:solidFill>
-                <a:highlight>
-                  <a:srgbClr val="C0C0C0"/>
-                </a:highlight>
-              </a:rPr>
-              <a:t>Visio</a:t>
-            </a:r>
-            <a:r>
-              <a:rPr lang="en-US" sz="1800" b="0" dirty="0">
-                <a:solidFill>
-                  <a:schemeClr val="tx2"/>
-                </a:solidFill>
-              </a:rPr>
-              <a:t> | </a:t>
-            </a:r>
-            <a:r>
-              <a:rPr lang="fr-FR" sz="1800" dirty="0">
-                <a:solidFill>
-                  <a:schemeClr val="bg1">
-                    <a:lumMod val="75000"/>
-                  </a:schemeClr>
-                </a:solidFill>
-                <a:hlinkClick r:id="rId8">
-                  <a:extLst>
-                    <a:ext uri="{A12FA001-AC4F-418D-AE19-62706E023703}">
-                      <ahyp:hlinkClr xmlns:ahyp="http://schemas.microsoft.com/office/drawing/2018/hyperlinkcolor" val="tx"/>
-                    </a:ext>
-                  </a:extLst>
-                </a:hlinkClick>
-              </a:rPr>
-              <a:t>Lucidchart</a:t>
-            </a:r>
-            <a:endParaRPr lang="en-US" sz="1800" dirty="0">
+              </a:rPr>
+              <a:t>WebSequenceDiagram</a:t>
+            </a:r>
+            <a:endParaRPr lang="en-US" sz="1800" b="0" dirty="0">
               <a:solidFill>
                 <a:schemeClr val="tx2"/>
               </a:solidFill>
-              <a:highlight>
-                <a:srgbClr val="C0C0C0"/>
-              </a:highlight>
             </a:endParaRPr>
           </a:p>
           <a:p>
@@ -17403,11 +17433,32 @@
               <a:t> </a:t>
             </a:r>
             <a:r>
-              <a:rPr lang="fr-FR" sz="1800" dirty="0">
+              <a:rPr lang="fr-FR" sz="1800" b="0" dirty="0">
                 <a:solidFill>
                   <a:schemeClr val="bg1">
                     <a:lumMod val="75000"/>
                   </a:schemeClr>
+                </a:solidFill>
+              </a:rPr>
+              <a:t>Scss</a:t>
+            </a:r>
+            <a:endParaRPr lang="fr-FR" sz="1800" dirty="0">
+              <a:solidFill>
+                <a:schemeClr val="bg1">
+                  <a:lumMod val="75000"/>
+                </a:schemeClr>
+              </a:solidFill>
+            </a:endParaRPr>
+          </a:p>
+          <a:p>
+            <a:pPr marL="365760" indent="-274320">
+              <a:buFont typeface="Arial,Sans-Serif" panose="020B0604020202020204" pitchFamily="34" charset="0"/>
+              <a:buChar char="•"/>
+            </a:pPr>
+            <a:r>
+              <a:rPr lang="fr-FR" sz="1800" dirty="0">
+                <a:solidFill>
+                  <a:schemeClr val="tx2"/>
                 </a:solidFill>
                 <a:hlinkClick r:id="rId4">
                   <a:extLst>
@@ -17417,60 +17468,15 @@
                   </a:extLst>
                 </a:hlinkClick>
               </a:rPr>
-              <a:t>Sass</a:t>
-            </a:r>
-            <a:endParaRPr lang="fr-FR" sz="1800" dirty="0">
-              <a:solidFill>
-                <a:schemeClr val="bg1">
-                  <a:lumMod val="75000"/>
-                </a:schemeClr>
-              </a:solidFill>
-            </a:endParaRPr>
-          </a:p>
-          <a:p>
-            <a:pPr marL="365760" indent="-274320">
-              <a:buFont typeface="Arial,Sans-Serif" panose="020B0604020202020204" pitchFamily="34" charset="0"/>
-              <a:buChar char="•"/>
-            </a:pPr>
+              <a:t>CSS Pre-Processor</a:t>
+            </a:r>
             <a:r>
               <a:rPr lang="fr-FR" sz="1800" dirty="0">
                 <a:solidFill>
                   <a:schemeClr val="tx2"/>
                 </a:solidFill>
-                <a:hlinkClick r:id="rId5">
-                  <a:extLst>
-                    <a:ext uri="{A12FA001-AC4F-418D-AE19-62706E023703}">
-                      <ahyp:hlinkClr xmlns:ahyp="http://schemas.microsoft.com/office/drawing/2018/hyperlinkcolor" val="tx"/>
-                    </a:ext>
-                  </a:extLst>
-                </a:hlinkClick>
-              </a:rPr>
-              <a:t>CSS Pre-Processor</a:t>
-            </a:r>
-            <a:r>
-              <a:rPr lang="fr-FR" sz="1800" dirty="0">
-                <a:solidFill>
-                  <a:schemeClr val="tx2"/>
-                </a:solidFill>
               </a:rPr>
               <a:t>. </a:t>
-            </a:r>
-            <a:r>
-              <a:rPr lang="fr-FR" sz="1800" dirty="0">
-                <a:solidFill>
-                  <a:schemeClr val="bg1">
-                    <a:lumMod val="75000"/>
-                  </a:schemeClr>
-                </a:solidFill>
-                <a:hlinkClick r:id="rId4">
-                  <a:extLst>
-                    <a:ext uri="{A12FA001-AC4F-418D-AE19-62706E023703}">
-                      <ahyp:hlinkClr xmlns:ahyp="http://schemas.microsoft.com/office/drawing/2018/hyperlinkcolor" val="tx"/>
-                    </a:ext>
-                  </a:extLst>
-                </a:hlinkClick>
-              </a:rPr>
-              <a:t>Sass</a:t>
             </a:r>
             <a:r>
               <a:rPr lang="fr-FR" sz="1800" b="0" dirty="0">
@@ -17480,7 +17486,7 @@
                   </a:schemeClr>
                 </a:solidFill>
               </a:rPr>
-              <a:t> (Sass / Scss)</a:t>
+              <a:t>Scss</a:t>
             </a:r>
           </a:p>
         </p:txBody>
@@ -17508,7 +17514,7 @@
           <a:p>
             <a:r>
               <a:rPr lang="fr-FR" dirty="0"/>
-              <a:t>Technologie</a:t>
+              <a:t>Technology</a:t>
             </a:r>
           </a:p>
         </p:txBody>
@@ -17536,7 +17542,7 @@
           <a:p>
             <a:r>
               <a:rPr lang="fr-FR" dirty="0"/>
-              <a:t>App.Angular</a:t>
+              <a:t>Shop.App (Angular)</a:t>
             </a:r>
           </a:p>
         </p:txBody>
@@ -17597,6 +17603,41 @@
                     <a:lumMod val="75000"/>
                   </a:schemeClr>
                 </a:solidFill>
+                <a:hlinkClick r:id="rId5">
+                  <a:extLst>
+                    <a:ext uri="{A12FA001-AC4F-418D-AE19-62706E023703}">
+                      <ahyp:hlinkClr xmlns:ahyp="http://schemas.microsoft.com/office/drawing/2018/hyperlinkcolor" val="tx"/>
+                    </a:ext>
+                  </a:extLst>
+                </a:hlinkClick>
+              </a:rPr>
+              <a:t>Jasonwatmore.Alert</a:t>
+            </a:r>
+            <a:endParaRPr lang="fr-FR" sz="1800" dirty="0">
+              <a:solidFill>
+                <a:schemeClr val="bg1">
+                  <a:lumMod val="75000"/>
+                </a:schemeClr>
+              </a:solidFill>
+            </a:endParaRPr>
+          </a:p>
+          <a:p>
+            <a:pPr marL="365760" indent="-274320"/>
+            <a:r>
+              <a:rPr lang="fr-FR" sz="1800" dirty="0">
+                <a:solidFill>
+                  <a:schemeClr val="tx2"/>
+                </a:solidFill>
+              </a:rPr>
+              <a:t>Ngrx. </a:t>
+            </a:r>
+            <a:r>
+              <a:rPr lang="fr-FR" sz="1800" dirty="0" err="1">
+                <a:solidFill>
+                  <a:schemeClr val="bg1">
+                    <a:lumMod val="75000"/>
+                  </a:schemeClr>
+                </a:solidFill>
                 <a:hlinkClick r:id="rId6">
                   <a:extLst>
                     <a:ext uri="{A12FA001-AC4F-418D-AE19-62706E023703}">
@@ -17605,7 +17646,32 @@
                   </a:extLst>
                 </a:hlinkClick>
               </a:rPr>
-              <a:t>Jasonwatmore.Alert</a:t>
+              <a:t>Loiane</a:t>
+            </a:r>
+            <a:r>
+              <a:rPr lang="fr-FR" sz="1800" dirty="0">
+                <a:solidFill>
+                  <a:schemeClr val="tx2"/>
+                </a:solidFill>
+              </a:rPr>
+              <a:t> | </a:t>
+            </a:r>
+            <a:r>
+              <a:rPr lang="fr-FR" sz="1800" dirty="0" err="1">
+                <a:solidFill>
+                  <a:schemeClr val="bg1">
+                    <a:lumMod val="75000"/>
+                  </a:schemeClr>
+                </a:solidFill>
+                <a:hlinkClick r:id="rId7">
+                  <a:extLst>
+                    <a:ext uri="{A12FA001-AC4F-418D-AE19-62706E023703}">
+                      <ahyp:hlinkClr xmlns:ahyp="http://schemas.microsoft.com/office/drawing/2018/hyperlinkcolor" val="tx"/>
+                    </a:ext>
+                  </a:extLst>
+                </a:hlinkClick>
+              </a:rPr>
+              <a:t>UltimateCourses</a:t>
             </a:r>
             <a:endParaRPr lang="fr-FR" sz="1800" dirty="0">
               <a:solidFill>
@@ -17623,7 +17689,7 @@
                   <a:schemeClr val="tx2"/>
                 </a:solidFill>
               </a:rPr>
-              <a:t>Ngrx. </a:t>
+              <a:t>Lib Ref. </a:t>
             </a:r>
             <a:r>
               <a:rPr lang="fr-FR" sz="1800" dirty="0" err="1">
@@ -17632,70 +17698,10 @@
                     <a:lumMod val="75000"/>
                   </a:schemeClr>
                 </a:solidFill>
-                <a:hlinkClick r:id="rId7">
-                  <a:extLst>
-                    <a:ext uri="{A12FA001-AC4F-418D-AE19-62706E023703}">
-                      <ahyp:hlinkClr xmlns:ahyp="http://schemas.microsoft.com/office/drawing/2018/hyperlinkcolor" val="tx"/>
-                    </a:ext>
-                  </a:extLst>
-                </a:hlinkClick>
-              </a:rPr>
-              <a:t>Loiane</a:t>
-            </a:r>
-            <a:r>
-              <a:rPr lang="fr-FR" sz="1800" dirty="0">
-                <a:solidFill>
-                  <a:schemeClr val="tx2"/>
-                </a:solidFill>
-              </a:rPr>
-              <a:t> | </a:t>
-            </a:r>
-            <a:r>
-              <a:rPr lang="fr-FR" sz="1800" dirty="0" err="1">
-                <a:solidFill>
-                  <a:schemeClr val="bg1">
-                    <a:lumMod val="75000"/>
-                  </a:schemeClr>
-                </a:solidFill>
-                <a:hlinkClick r:id="rId8">
-                  <a:extLst>
-                    <a:ext uri="{A12FA001-AC4F-418D-AE19-62706E023703}">
-                      <ahyp:hlinkClr xmlns:ahyp="http://schemas.microsoft.com/office/drawing/2018/hyperlinkcolor" val="tx"/>
-                    </a:ext>
-                  </a:extLst>
-                </a:hlinkClick>
-              </a:rPr>
-              <a:t>UltimateCourses</a:t>
-            </a:r>
-            <a:endParaRPr lang="fr-FR" sz="1800" dirty="0">
-              <a:solidFill>
-                <a:schemeClr val="bg1">
-                  <a:lumMod val="75000"/>
-                </a:schemeClr>
-              </a:solidFill>
-            </a:endParaRPr>
-          </a:p>
-          <a:p>
-            <a:pPr marL="365760" indent="-274320"/>
-            <a:r>
-              <a:rPr lang="fr-FR" sz="1800" dirty="0">
-                <a:solidFill>
-                  <a:schemeClr val="tx2"/>
-                </a:solidFill>
-              </a:rPr>
-              <a:t>Lib Ref. </a:t>
-            </a:r>
-            <a:r>
-              <a:rPr lang="fr-FR" sz="1800" dirty="0" err="1">
-                <a:solidFill>
-                  <a:schemeClr val="bg1">
-                    <a:lumMod val="75000"/>
-                  </a:schemeClr>
-                </a:solidFill>
                 <a:highlight>
                   <a:srgbClr val="FFFF00"/>
                 </a:highlight>
-                <a:hlinkClick r:id="rId9"/>
+                <a:hlinkClick r:id="rId8"/>
               </a:rPr>
               <a:t>AngularEnterprise</a:t>
             </a:r>
@@ -17785,6 +17791,50 @@
                     <a:lumMod val="75000"/>
                   </a:schemeClr>
                 </a:solidFill>
+                <a:hlinkClick r:id="rId9">
+                  <a:extLst>
+                    <a:ext uri="{A12FA001-AC4F-418D-AE19-62706E023703}">
+                      <ahyp:hlinkClr xmlns:ahyp="http://schemas.microsoft.com/office/drawing/2018/hyperlinkcolor" val="tx"/>
+                    </a:ext>
+                  </a:extLst>
+                </a:hlinkClick>
+              </a:rPr>
+              <a:t>Angular</a:t>
+            </a:r>
+            <a:endParaRPr lang="fr-FR" sz="1800" dirty="0">
+              <a:solidFill>
+                <a:schemeClr val="bg1">
+                  <a:lumMod val="75000"/>
+                </a:schemeClr>
+              </a:solidFill>
+            </a:endParaRPr>
+          </a:p>
+          <a:p>
+            <a:pPr marL="365760" indent="-274320">
+              <a:buFont typeface="Arial,Sans-Serif" panose="020B0604020202020204" pitchFamily="34" charset="0"/>
+              <a:buChar char="•"/>
+            </a:pPr>
+            <a:r>
+              <a:rPr lang="fr-FR" sz="1800" dirty="0">
+                <a:solidFill>
+                  <a:schemeClr val="tx2"/>
+                </a:solidFill>
+              </a:rPr>
+              <a:t>State Mngt.</a:t>
+            </a:r>
+            <a:r>
+              <a:rPr lang="fr-FR" sz="1800" b="0" dirty="0">
+                <a:cs typeface="Arial"/>
+              </a:rPr>
+              <a:t> </a:t>
+            </a:r>
+            <a:r>
+              <a:rPr lang="fr-FR" sz="1800" dirty="0">
+                <a:solidFill>
+                  <a:schemeClr val="bg1">
+                    <a:lumMod val="75000"/>
+                  </a:schemeClr>
+                </a:solidFill>
                 <a:hlinkClick r:id="rId10">
                   <a:extLst>
                     <a:ext uri="{A12FA001-AC4F-418D-AE19-62706E023703}">
@@ -17793,7 +17843,52 @@
                   </a:extLst>
                 </a:hlinkClick>
               </a:rPr>
-              <a:t>Angular</a:t>
+              <a:t>Ngrx</a:t>
+            </a:r>
+            <a:r>
+              <a:rPr lang="fr-FR" sz="1800" dirty="0">
+                <a:solidFill>
+                  <a:schemeClr val="bg1">
+                    <a:lumMod val="75000"/>
+                  </a:schemeClr>
+                </a:solidFill>
+              </a:rPr>
+              <a:t> </a:t>
+            </a:r>
+            <a:r>
+              <a:rPr lang="fr-FR" sz="1800" dirty="0">
+                <a:solidFill>
+                  <a:schemeClr val="tx2"/>
+                </a:solidFill>
+              </a:rPr>
+              <a:t>|</a:t>
+            </a:r>
+            <a:r>
+              <a:rPr lang="fr-FR" sz="1800" dirty="0">
+                <a:solidFill>
+                  <a:schemeClr val="bg1">
+                    <a:lumMod val="75000"/>
+                  </a:schemeClr>
+                </a:solidFill>
+              </a:rPr>
+              <a:t> </a:t>
+            </a:r>
+            <a:r>
+              <a:rPr lang="fr-FR" sz="1800" dirty="0">
+                <a:solidFill>
+                  <a:schemeClr val="bg1">
+                    <a:lumMod val="75000"/>
+                  </a:schemeClr>
+                </a:solidFill>
+                <a:hlinkClick r:id="rId11">
+                  <a:extLst>
+                    <a:ext uri="{A12FA001-AC4F-418D-AE19-62706E023703}">
+                      <ahyp:hlinkClr xmlns:ahyp="http://schemas.microsoft.com/office/drawing/2018/hyperlinkcolor" val="tx"/>
+                    </a:ext>
+                  </a:extLst>
+                </a:hlinkClick>
+              </a:rPr>
+              <a:t>Redux</a:t>
             </a:r>
             <a:endParaRPr lang="fr-FR" sz="1800" dirty="0">
               <a:solidFill>
@@ -17814,58 +17909,7 @@
                   <a:schemeClr val="tx2"/>
                 </a:solidFill>
               </a:rPr>
-              <a:t>State Mngt.</a:t>
-            </a:r>
-            <a:r>
-              <a:rPr lang="fr-FR" sz="1800" b="0" dirty="0">
-                <a:cs typeface="Arial"/>
-              </a:rPr>
-              <a:t> </a:t>
-            </a:r>
-            <a:r>
-              <a:rPr lang="fr-FR" sz="1800" dirty="0">
-                <a:solidFill>
-                  <a:schemeClr val="bg1">
-                    <a:lumMod val="75000"/>
-                  </a:schemeClr>
-                </a:solidFill>
-                <a:hlinkClick r:id="rId11">
-                  <a:extLst>
-                    <a:ext uri="{A12FA001-AC4F-418D-AE19-62706E023703}">
-                      <ahyp:hlinkClr xmlns:ahyp="http://schemas.microsoft.com/office/drawing/2018/hyperlinkcolor" val="tx"/>
-                    </a:ext>
-                  </a:extLst>
-                </a:hlinkClick>
-              </a:rPr>
-              <a:t>Ngrx</a:t>
-            </a:r>
-            <a:r>
-              <a:rPr lang="fr-FR" sz="1800" dirty="0">
-                <a:solidFill>
-                  <a:schemeClr val="bg1">
-                    <a:lumMod val="75000"/>
-                  </a:schemeClr>
-                </a:solidFill>
-              </a:rPr>
-              <a:t> </a:t>
-            </a:r>
-            <a:r>
-              <a:rPr lang="fr-FR" sz="1800" dirty="0">
-                <a:solidFill>
-                  <a:schemeClr val="tx2"/>
-                </a:solidFill>
-              </a:rPr>
-              <a:t>|</a:t>
-            </a:r>
-            <a:r>
-              <a:rPr lang="fr-FR" sz="1800" dirty="0">
-                <a:solidFill>
-                  <a:schemeClr val="bg1">
-                    <a:lumMod val="75000"/>
-                  </a:schemeClr>
-                </a:solidFill>
-              </a:rPr>
-              <a:t> </a:t>
+              <a:t>Components. </a:t>
             </a:r>
             <a:r>
               <a:rPr lang="fr-FR" sz="1800" dirty="0">
@@ -17882,13 +17926,11 @@
                   </a:extLst>
                 </a:hlinkClick>
               </a:rPr>
-              <a:t>Redux</a:t>
+              <a:t>Angular.Material</a:t>
             </a:r>
             <a:endParaRPr lang="fr-FR" sz="1800" dirty="0">
               <a:solidFill>
-                <a:schemeClr val="bg1">
-                  <a:lumMod val="75000"/>
-                </a:schemeClr>
+                <a:schemeClr val="tx2"/>
               </a:solidFill>
             </a:endParaRPr>
           </a:p>
@@ -17903,7 +17945,23 @@
                   <a:schemeClr val="tx2"/>
                 </a:solidFill>
               </a:rPr>
-              <a:t>Components. </a:t>
+              <a:t>Reactive </a:t>
+            </a:r>
+            <a:r>
+              <a:rPr lang="en-US" sz="1800" dirty="0">
+                <a:solidFill>
+                  <a:schemeClr val="tx2"/>
+                </a:solidFill>
+              </a:rPr>
+              <a:t>Programming</a:t>
+            </a:r>
+            <a:r>
+              <a:rPr lang="fr-FR" sz="1800" dirty="0">
+                <a:solidFill>
+                  <a:schemeClr val="tx2"/>
+                </a:solidFill>
+              </a:rPr>
+              <a:t>. </a:t>
             </a:r>
             <a:r>
               <a:rPr lang="fr-FR" sz="1800" dirty="0">
@@ -17920,133 +17978,8 @@
                   </a:extLst>
                 </a:hlinkClick>
               </a:rPr>
-              <a:t>Angular.Material</a:t>
-            </a:r>
-            <a:endParaRPr lang="fr-FR" sz="1800" dirty="0">
-              <a:solidFill>
-                <a:schemeClr val="tx2"/>
-              </a:solidFill>
-            </a:endParaRPr>
-          </a:p>
-          <a:p>
-            <a:pPr marL="365760" indent="-274320">
-              <a:buFont typeface="Arial,Sans-Serif" panose="020B0604020202020204" pitchFamily="34" charset="0"/>
-              <a:buChar char="•"/>
-            </a:pPr>
-            <a:r>
-              <a:rPr lang="fr-FR" sz="1800" dirty="0">
-                <a:solidFill>
-                  <a:schemeClr val="tx2"/>
-                </a:solidFill>
-              </a:rPr>
-              <a:t>Reactive </a:t>
-            </a:r>
-            <a:r>
-              <a:rPr lang="en-US" sz="1800" dirty="0">
-                <a:solidFill>
-                  <a:schemeClr val="tx2"/>
-                </a:solidFill>
-              </a:rPr>
-              <a:t>Programming</a:t>
-            </a:r>
-            <a:r>
-              <a:rPr lang="fr-FR" sz="1800" dirty="0">
-                <a:solidFill>
-                  <a:schemeClr val="tx2"/>
-                </a:solidFill>
-              </a:rPr>
-              <a:t>. </a:t>
-            </a:r>
-            <a:r>
-              <a:rPr lang="fr-FR" sz="1800" dirty="0">
-                <a:solidFill>
-                  <a:schemeClr val="bg1">
-                    <a:lumMod val="75000"/>
-                  </a:schemeClr>
-                </a:solidFill>
-                <a:hlinkClick r:id="rId14">
-                  <a:extLst>
-                    <a:ext uri="{A12FA001-AC4F-418D-AE19-62706E023703}">
-                      <ahyp:hlinkClr xmlns:ahyp="http://schemas.microsoft.com/office/drawing/2018/hyperlinkcolor" val="tx"/>
-                    </a:ext>
-                  </a:extLst>
-                </a:hlinkClick>
-              </a:rPr>
               <a:t>Rxjs</a:t>
             </a:r>
-            <a:endParaRPr lang="fr-FR" sz="1800" dirty="0">
-              <a:solidFill>
-                <a:schemeClr val="bg1">
-                  <a:lumMod val="75000"/>
-                </a:schemeClr>
-              </a:solidFill>
-            </a:endParaRPr>
-          </a:p>
-          <a:p>
-            <a:pPr marL="365760" indent="-274320">
-              <a:buFont typeface="Arial,Sans-Serif" panose="020B0604020202020204" pitchFamily="34" charset="0"/>
-              <a:buChar char="•"/>
-            </a:pPr>
-            <a:r>
-              <a:rPr lang="fr-FR" sz="1800" dirty="0">
-                <a:solidFill>
-                  <a:schemeClr val="tx2"/>
-                </a:solidFill>
-              </a:rPr>
-              <a:t>Interaction Front / Back. </a:t>
-            </a:r>
-            <a:r>
-              <a:rPr lang="fr-FR" sz="1800" dirty="0">
-                <a:solidFill>
-                  <a:schemeClr val="bg1">
-                    <a:lumMod val="75000"/>
-                  </a:schemeClr>
-                </a:solidFill>
-              </a:rPr>
-              <a:t>Http </a:t>
-            </a:r>
-            <a:r>
-              <a:rPr lang="fr-FR" sz="1800" dirty="0">
-                <a:solidFill>
-                  <a:schemeClr val="tx2"/>
-                </a:solidFill>
-              </a:rPr>
-              <a:t>|</a:t>
-            </a:r>
-            <a:r>
-              <a:rPr lang="fr-FR" sz="1800" dirty="0">
-                <a:solidFill>
-                  <a:schemeClr val="bg1">
-                    <a:lumMod val="75000"/>
-                  </a:schemeClr>
-                </a:solidFill>
-              </a:rPr>
-              <a:t> Rest </a:t>
-            </a:r>
-            <a:r>
-              <a:rPr lang="fr-FR" sz="1800" dirty="0">
-                <a:solidFill>
-                  <a:schemeClr val="tx2"/>
-                </a:solidFill>
-              </a:rPr>
-              <a:t>|</a:t>
-            </a:r>
-            <a:r>
-              <a:rPr lang="fr-FR" sz="1800" dirty="0">
-                <a:solidFill>
-                  <a:schemeClr val="bg1">
-                    <a:lumMod val="75000"/>
-                  </a:schemeClr>
-                </a:solidFill>
-              </a:rPr>
-              <a:t> Json</a:t>
-            </a:r>
-          </a:p>
-          <a:p>
-            <a:pPr indent="-288000">
-              <a:buFont typeface="Arial,Sans-Serif" panose="020B0604020202020204" pitchFamily="34" charset="0"/>
-              <a:buChar char="•"/>
-            </a:pPr>
             <a:endParaRPr lang="fr-FR" sz="1800" dirty="0">
               <a:solidFill>
                 <a:schemeClr val="bg1">
@@ -18116,6 +18049,54 @@
                 <a:highlight>
                   <a:srgbClr val="FFFF00"/>
                 </a:highlight>
+                <a:hlinkClick r:id="rId14">
+                  <a:extLst>
+                    <a:ext uri="{A12FA001-AC4F-418D-AE19-62706E023703}">
+                      <ahyp:hlinkClr xmlns:ahyp="http://schemas.microsoft.com/office/drawing/2018/hyperlinkcolor" val="tx"/>
+                    </a:ext>
+                  </a:extLst>
+                </a:hlinkClick>
+              </a:rPr>
+              <a:t>Jasmine</a:t>
+            </a:r>
+            <a:r>
+              <a:rPr lang="fr-FR" sz="1800" b="0" dirty="0">
+                <a:solidFill>
+                  <a:schemeClr val="bg1">
+                    <a:lumMod val="65000"/>
+                  </a:schemeClr>
+                </a:solidFill>
+              </a:rPr>
+              <a:t> </a:t>
+            </a:r>
+            <a:r>
+              <a:rPr lang="fr-FR" sz="1800" dirty="0">
+                <a:solidFill>
+                  <a:schemeClr val="tx2"/>
+                </a:solidFill>
+              </a:rPr>
+              <a:t>|</a:t>
+            </a:r>
+            <a:r>
+              <a:rPr lang="fr-FR" sz="1800" b="0" dirty="0">
+                <a:solidFill>
+                  <a:schemeClr val="bg1">
+                    <a:lumMod val="65000"/>
+                  </a:schemeClr>
+                </a:solidFill>
+              </a:rPr>
+              <a:t> </a:t>
+            </a:r>
+            <a:r>
+              <a:rPr lang="fr-FR" sz="1800" dirty="0">
+                <a:solidFill>
+                  <a:schemeClr val="bg1">
+                    <a:lumMod val="75000"/>
+                  </a:schemeClr>
+                </a:solidFill>
+                <a:highlight>
+                  <a:srgbClr val="FFFF00"/>
+                </a:highlight>
                 <a:hlinkClick r:id="rId15">
                   <a:extLst>
                     <a:ext uri="{A12FA001-AC4F-418D-AE19-62706E023703}">
@@ -18124,7 +18105,7 @@
                   </a:extLst>
                 </a:hlinkClick>
               </a:rPr>
-              <a:t>Jasmine</a:t>
+              <a:t>Karma</a:t>
             </a:r>
             <a:r>
               <a:rPr lang="fr-FR" sz="1800" b="0" dirty="0">
@@ -18134,25 +18115,18 @@
                   </a:schemeClr>
                 </a:solidFill>
               </a:rPr>
-              <a:t> </a:t>
-            </a:r>
+              <a:t> ?</a:t>
+            </a:r>
+          </a:p>
+          <a:p>
+            <a:pPr marL="365760" indent="-274320"/>
             <a:r>
               <a:rPr lang="fr-FR" sz="1800" dirty="0">
                 <a:solidFill>
                   <a:schemeClr val="tx2"/>
                 </a:solidFill>
               </a:rPr>
-              <a:t>|</a:t>
-            </a:r>
-            <a:r>
-              <a:rPr lang="fr-FR" sz="1800" b="0" dirty="0">
-                <a:solidFill>
-                  <a:schemeClr val="bg1">
-                    <a:lumMod val="65000"/>
-                  </a:schemeClr>
-                </a:solidFill>
-              </a:rPr>
-              <a:t> </a:t>
+              <a:t>Test.E2e. </a:t>
             </a:r>
             <a:r>
               <a:rPr lang="fr-FR" sz="1800" dirty="0">
@@ -18172,7 +18146,7 @@
                   </a:extLst>
                 </a:hlinkClick>
               </a:rPr>
-              <a:t>Karma</a:t>
+              <a:t>Protractor</a:t>
             </a:r>
             <a:r>
               <a:rPr lang="fr-FR" sz="1800" b="0" dirty="0">
@@ -18182,18 +18156,25 @@
                   </a:schemeClr>
                 </a:solidFill>
               </a:rPr>
-              <a:t> ?</a:t>
-            </a:r>
-          </a:p>
-          <a:p>
-            <a:pPr marL="365760" indent="-274320"/>
+              <a:t> </a:t>
+            </a:r>
             <a:r>
               <a:rPr lang="fr-FR" sz="1800" dirty="0">
                 <a:solidFill>
                   <a:schemeClr val="tx2"/>
                 </a:solidFill>
               </a:rPr>
-              <a:t>Test.E2e. </a:t>
+              <a:t>|</a:t>
+            </a:r>
+            <a:r>
+              <a:rPr lang="fr-FR" sz="1800" b="0" dirty="0">
+                <a:solidFill>
+                  <a:schemeClr val="bg1">
+                    <a:lumMod val="65000"/>
+                  </a:schemeClr>
+                </a:solidFill>
+              </a:rPr>
+              <a:t> </a:t>
             </a:r>
             <a:r>
               <a:rPr lang="fr-FR" sz="1800" dirty="0">
@@ -18213,7 +18194,7 @@
                   </a:extLst>
                 </a:hlinkClick>
               </a:rPr>
-              <a:t>Protractor</a:t>
+              <a:t>Cypress</a:t>
             </a:r>
             <a:r>
               <a:rPr lang="fr-FR" sz="1800" b="0" dirty="0">
@@ -18223,28 +18204,24 @@
                   </a:schemeClr>
                 </a:solidFill>
               </a:rPr>
-              <a:t> </a:t>
-            </a:r>
+              <a:t> ?</a:t>
+            </a:r>
+          </a:p>
+          <a:p>
+            <a:pPr marL="365760" indent="-274320"/>
             <a:r>
               <a:rPr lang="fr-FR" sz="1800" dirty="0">
                 <a:solidFill>
                   <a:schemeClr val="tx2"/>
                 </a:solidFill>
               </a:rPr>
-              <a:t>|</a:t>
-            </a:r>
-            <a:r>
-              <a:rPr lang="fr-FR" sz="1800" b="0" dirty="0">
-                <a:solidFill>
-                  <a:schemeClr val="bg1">
-                    <a:lumMod val="65000"/>
-                  </a:schemeClr>
-                </a:solidFill>
-              </a:rPr>
-              <a:t> </a:t>
-            </a:r>
-            <a:r>
-              <a:rPr lang="fr-FR" sz="1800" dirty="0">
+              <a:t>Quality (Static) (// Linter)</a:t>
+            </a:r>
+          </a:p>
+          <a:p>
+            <a:pPr lvl="1"/>
+            <a:r>
+              <a:rPr lang="fr-FR" sz="1600" dirty="0">
                 <a:solidFill>
                   <a:schemeClr val="bg1">
                     <a:lumMod val="75000"/>
@@ -18261,7 +18238,20 @@
                   </a:extLst>
                 </a:hlinkClick>
               </a:rPr>
-              <a:t>Cypress</a:t>
+              <a:t>Prettier</a:t>
+            </a:r>
+            <a:r>
+              <a:rPr lang="fr-FR" sz="1600" dirty="0">
+                <a:solidFill>
+                  <a:schemeClr val="bg1">
+                    <a:lumMod val="75000"/>
+                  </a:schemeClr>
+                </a:solidFill>
+                <a:highlight>
+                  <a:srgbClr val="FFFF00"/>
+                </a:highlight>
+              </a:rPr>
+              <a:t> </a:t>
             </a:r>
             <a:r>
               <a:rPr lang="fr-FR" sz="1800" b="0" dirty="0">
@@ -18271,22 +18261,26 @@
                   </a:schemeClr>
                 </a:solidFill>
               </a:rPr>
-              <a:t> ?</a:t>
-            </a:r>
-          </a:p>
-          <a:p>
-            <a:pPr marL="365760" indent="-274320"/>
+              <a:t> </a:t>
+            </a:r>
             <a:r>
               <a:rPr lang="fr-FR" sz="1800" dirty="0">
                 <a:solidFill>
                   <a:schemeClr val="tx2"/>
                 </a:solidFill>
               </a:rPr>
-              <a:t>Quality (Static) (// Linter)</a:t>
-            </a:r>
-          </a:p>
-          <a:p>
-            <a:pPr lvl="1"/>
+              <a:t>|</a:t>
+            </a:r>
+            <a:r>
+              <a:rPr lang="fr-FR" sz="1800" b="0" dirty="0">
+                <a:solidFill>
+                  <a:schemeClr val="bg1">
+                    <a:lumMod val="65000"/>
+                  </a:schemeClr>
+                </a:solidFill>
+              </a:rPr>
+              <a:t> </a:t>
+            </a:r>
             <a:r>
               <a:rPr lang="fr-FR" sz="1600" dirty="0">
                 <a:solidFill>
@@ -18305,23 +18299,10 @@
                   </a:extLst>
                 </a:hlinkClick>
               </a:rPr>
-              <a:t>Prettier</a:t>
+              <a:t>Codelyzer</a:t>
             </a:r>
             <a:r>
               <a:rPr lang="fr-FR" sz="1600" dirty="0">
-                <a:solidFill>
-                  <a:schemeClr val="bg1">
-                    <a:lumMod val="75000"/>
-                  </a:schemeClr>
-                </a:solidFill>
-                <a:highlight>
-                  <a:srgbClr val="FFFF00"/>
-                </a:highlight>
-              </a:rPr>
-              <a:t> </a:t>
-            </a:r>
-            <a:r>
-              <a:rPr lang="fr-FR" sz="1800" b="0" dirty="0">
                 <a:solidFill>
                   <a:schemeClr val="bg1">
                     <a:lumMod val="65000"/>
@@ -18331,23 +18312,21 @@
               <a:t> </a:t>
             </a:r>
             <a:r>
-              <a:rPr lang="fr-FR" sz="1800" dirty="0">
-                <a:solidFill>
-                  <a:schemeClr val="tx2"/>
-                </a:solidFill>
-              </a:rPr>
-              <a:t>|</a:t>
-            </a:r>
-            <a:r>
-              <a:rPr lang="fr-FR" sz="1800" b="0" dirty="0">
-                <a:solidFill>
-                  <a:schemeClr val="bg1">
-                    <a:lumMod val="65000"/>
-                  </a:schemeClr>
-                </a:solidFill>
-              </a:rPr>
-              <a:t> </a:t>
-            </a:r>
+              <a:rPr lang="fr-FR" sz="1600" dirty="0">
+                <a:solidFill>
+                  <a:srgbClr val="FFC000"/>
+                </a:solidFill>
+              </a:rPr>
+              <a:t>(deprecated)</a:t>
+            </a:r>
+            <a:endParaRPr lang="fr-FR" sz="1600" b="0" dirty="0">
+              <a:solidFill>
+                <a:srgbClr val="FFC000"/>
+              </a:solidFill>
+            </a:endParaRPr>
+          </a:p>
+          <a:p>
+            <a:pPr lvl="1"/>
             <a:r>
               <a:rPr lang="fr-FR" sz="1600" dirty="0">
                 <a:solidFill>
@@ -18366,7 +18345,25 @@
                   </a:extLst>
                 </a:hlinkClick>
               </a:rPr>
-              <a:t>Codelyzer</a:t>
+              <a:t>Tslint</a:t>
+            </a:r>
+            <a:r>
+              <a:rPr lang="fr-FR" sz="1600" dirty="0">
+                <a:solidFill>
+                  <a:schemeClr val="bg1">
+                    <a:lumMod val="75000"/>
+                  </a:schemeClr>
+                </a:solidFill>
+              </a:rPr>
+              <a:t> </a:t>
+            </a:r>
+            <a:r>
+              <a:rPr lang="fr-FR" sz="1600" dirty="0">
+                <a:solidFill>
+                  <a:srgbClr val="FFC000"/>
+                </a:solidFill>
+              </a:rPr>
+              <a:t>(deprecated)</a:t>
             </a:r>
             <a:r>
               <a:rPr lang="fr-FR" sz="1600" dirty="0">
@@ -18379,21 +18376,15 @@
               <a:t> </a:t>
             </a:r>
             <a:r>
-              <a:rPr lang="fr-FR" sz="1600" dirty="0">
-                <a:solidFill>
-                  <a:srgbClr val="FFC000"/>
-                </a:solidFill>
-              </a:rPr>
-              <a:t>(deprecated)</a:t>
-            </a:r>
-            <a:endParaRPr lang="fr-FR" sz="1600" b="0" dirty="0">
-              <a:solidFill>
-                <a:srgbClr val="FFC000"/>
-              </a:solidFill>
-            </a:endParaRPr>
-          </a:p>
-          <a:p>
-            <a:pPr lvl="1"/>
+              <a:rPr lang="fr-FR" sz="1600" b="0" dirty="0">
+                <a:solidFill>
+                  <a:schemeClr val="bg1">
+                    <a:lumMod val="65000"/>
+                  </a:schemeClr>
+                </a:solidFill>
+              </a:rPr>
+              <a:t>=&gt; </a:t>
+            </a:r>
             <a:r>
               <a:rPr lang="fr-FR" sz="1600" dirty="0">
                 <a:solidFill>
@@ -18405,64 +18396,6 @@
                   <a:srgbClr val="FFFF00"/>
                 </a:highlight>
                 <a:hlinkClick r:id="rId21">
-                  <a:extLst>
-                    <a:ext uri="{A12FA001-AC4F-418D-AE19-62706E023703}">
-                      <ahyp:hlinkClr xmlns:ahyp="http://schemas.microsoft.com/office/drawing/2018/hyperlinkcolor" val="tx"/>
-                    </a:ext>
-                  </a:extLst>
-                </a:hlinkClick>
-              </a:rPr>
-              <a:t>Tslint</a:t>
-            </a:r>
-            <a:r>
-              <a:rPr lang="fr-FR" sz="1600" dirty="0">
-                <a:solidFill>
-                  <a:schemeClr val="bg1">
-                    <a:lumMod val="75000"/>
-                  </a:schemeClr>
-                </a:solidFill>
-              </a:rPr>
-              <a:t> </a:t>
-            </a:r>
-            <a:r>
-              <a:rPr lang="fr-FR" sz="1600" dirty="0">
-                <a:solidFill>
-                  <a:srgbClr val="FFC000"/>
-                </a:solidFill>
-              </a:rPr>
-              <a:t>(deprecated)</a:t>
-            </a:r>
-            <a:r>
-              <a:rPr lang="fr-FR" sz="1600" dirty="0">
-                <a:solidFill>
-                  <a:schemeClr val="bg1">
-                    <a:lumMod val="65000"/>
-                  </a:schemeClr>
-                </a:solidFill>
-              </a:rPr>
-              <a:t> </a:t>
-            </a:r>
-            <a:r>
-              <a:rPr lang="fr-FR" sz="1600" b="0" dirty="0">
-                <a:solidFill>
-                  <a:schemeClr val="bg1">
-                    <a:lumMod val="65000"/>
-                  </a:schemeClr>
-                </a:solidFill>
-              </a:rPr>
-              <a:t>=&gt; </a:t>
-            </a:r>
-            <a:r>
-              <a:rPr lang="fr-FR" sz="1600" dirty="0">
-                <a:solidFill>
-                  <a:schemeClr val="bg1">
-                    <a:lumMod val="75000"/>
-                  </a:schemeClr>
-                </a:solidFill>
-                <a:highlight>
-                  <a:srgbClr val="FFFF00"/>
-                </a:highlight>
-                <a:hlinkClick r:id="rId22">
                   <a:extLst>
                     <a:ext uri="{A12FA001-AC4F-418D-AE19-62706E023703}">
                       <ahyp:hlinkClr xmlns:ahyp="http://schemas.microsoft.com/office/drawing/2018/hyperlinkcolor" val="tx"/>
@@ -18727,6 +18660,54 @@
                     <a:lumMod val="75000"/>
                   </a:schemeClr>
                 </a:solidFill>
+                <a:hlinkClick r:id="rId22">
+                  <a:extLst>
+                    <a:ext uri="{A12FA001-AC4F-418D-AE19-62706E023703}">
+                      <ahyp:hlinkClr xmlns:ahyp="http://schemas.microsoft.com/office/drawing/2018/hyperlinkcolor" val="tx"/>
+                    </a:ext>
+                  </a:extLst>
+                </a:hlinkClick>
+              </a:rPr>
+              <a:t>intégré</a:t>
+            </a:r>
+            <a:r>
+              <a:rPr lang="en-GB" sz="1800" dirty="0">
+                <a:solidFill>
+                  <a:schemeClr val="tx2"/>
+                </a:solidFill>
+              </a:rPr>
+              <a:t> | </a:t>
+            </a:r>
+            <a:r>
+              <a:rPr lang="en-GB" sz="1800" dirty="0">
+                <a:solidFill>
+                  <a:schemeClr val="tx2"/>
+                </a:solidFill>
+                <a:highlight>
+                  <a:srgbClr val="00FFFF"/>
+                </a:highlight>
+                <a:hlinkClick r:id="rId12"/>
+              </a:rPr>
+              <a:t>majeur</a:t>
+            </a:r>
+            <a:r>
+              <a:rPr lang="en-GB" sz="1800" dirty="0">
+                <a:solidFill>
+                  <a:schemeClr val="tx2"/>
+                </a:solidFill>
+              </a:rPr>
+              <a:t> | </a:t>
+            </a:r>
+            <a:r>
+              <a:rPr lang="fr-FR" sz="1800" dirty="0">
+                <a:solidFill>
+                  <a:schemeClr val="bg1">
+                    <a:lumMod val="75000"/>
+                  </a:schemeClr>
+                </a:solidFill>
+                <a:highlight>
+                  <a:srgbClr val="FFFF00"/>
+                </a:highlight>
                 <a:hlinkClick r:id="rId23">
                   <a:extLst>
                     <a:ext uri="{A12FA001-AC4F-418D-AE19-62706E023703}">
@@ -18735,54 +18716,6 @@
                   </a:extLst>
                 </a:hlinkClick>
               </a:rPr>
-              <a:t>intégré</a:t>
-            </a:r>
-            <a:r>
-              <a:rPr lang="en-GB" sz="1800" dirty="0">
-                <a:solidFill>
-                  <a:schemeClr val="tx2"/>
-                </a:solidFill>
-              </a:rPr>
-              <a:t> | </a:t>
-            </a:r>
-            <a:r>
-              <a:rPr lang="en-GB" sz="1800" dirty="0">
-                <a:solidFill>
-                  <a:schemeClr val="tx2"/>
-                </a:solidFill>
-                <a:highlight>
-                  <a:srgbClr val="00FFFF"/>
-                </a:highlight>
-                <a:hlinkClick r:id="rId13"/>
-              </a:rPr>
-              <a:t>majeur</a:t>
-            </a:r>
-            <a:r>
-              <a:rPr lang="en-GB" sz="1800" dirty="0">
-                <a:solidFill>
-                  <a:schemeClr val="tx2"/>
-                </a:solidFill>
-              </a:rPr>
-              <a:t> | </a:t>
-            </a:r>
-            <a:r>
-              <a:rPr lang="fr-FR" sz="1800" dirty="0">
-                <a:solidFill>
-                  <a:schemeClr val="bg1">
-                    <a:lumMod val="75000"/>
-                  </a:schemeClr>
-                </a:solidFill>
-                <a:highlight>
-                  <a:srgbClr val="FFFF00"/>
-                </a:highlight>
-                <a:hlinkClick r:id="rId24">
-                  <a:extLst>
-                    <a:ext uri="{A12FA001-AC4F-418D-AE19-62706E023703}">
-                      <ahyp:hlinkClr xmlns:ahyp="http://schemas.microsoft.com/office/drawing/2018/hyperlinkcolor" val="tx"/>
-                    </a:ext>
-                  </a:extLst>
-                </a:hlinkClick>
-              </a:rPr>
               <a:t>à creuser</a:t>
             </a:r>
             <a:endParaRPr lang="fr-FR" sz="1800" dirty="0">
@@ -18791,7 +18724,7 @@
                   <a:lumMod val="75000"/>
                 </a:schemeClr>
               </a:solidFill>
-              <a:hlinkClick r:id="rId25">
+              <a:hlinkClick r:id="rId24">
                 <a:extLst>
                   <a:ext uri="{A12FA001-AC4F-418D-AE19-62706E023703}">
                     <ahyp:hlinkClr xmlns:ahyp="http://schemas.microsoft.com/office/drawing/2018/hyperlinkcolor" val="tx"/>

--- a/Shop.Solution/2.Shop.Solution.pptx
+++ b/Shop.Solution/2.Shop.Solution.pptx
@@ -141,7 +141,7 @@
             <p14:sldId id="1713"/>
           </p14:sldIdLst>
         </p14:section>
-        <p14:section name="Technologie" id="{98E12F07-642A-4F2F-8352-3FEDFD1E43AE}">
+        <p14:section name="Technology" id="{98E12F07-642A-4F2F-8352-3FEDFD1E43AE}">
           <p14:sldIdLst>
             <p14:sldId id="1706"/>
             <p14:sldId id="1721"/>
@@ -333,7 +333,7 @@
           <a:p>
             <a:fld id="{F869B831-4E69-4D2A-AD19-BF4301D60DCB}" type="datetimeFigureOut">
               <a:rPr lang="fr-FR" smtClean="0"/>
-              <a:t>10/09/2023</a:t>
+              <a:t>13/09/2023</a:t>
             </a:fld>
             <a:endParaRPr lang="fr-FR"/>
           </a:p>
@@ -510,7 +510,7 @@
           <a:p>
             <a:fld id="{21CD3A5E-BD05-4410-88B3-BEFECD2D9F92}" type="datetimeFigureOut">
               <a:rPr lang="fr-FR" smtClean="0"/>
-              <a:t>10/09/2023</a:t>
+              <a:t>13/09/2023</a:t>
             </a:fld>
             <a:endParaRPr lang="fr-FR"/>
           </a:p>

--- a/Shop.Solution/2.Shop.Solution.pptx
+++ b/Shop.Solution/2.Shop.Solution.pptx
@@ -333,7 +333,7 @@
           <a:p>
             <a:fld id="{F869B831-4E69-4D2A-AD19-BF4301D60DCB}" type="datetimeFigureOut">
               <a:rPr lang="fr-FR" smtClean="0"/>
-              <a:t>13/09/2023</a:t>
+              <a:t>21/01/2024</a:t>
             </a:fld>
             <a:endParaRPr lang="fr-FR"/>
           </a:p>
@@ -411,7 +411,7 @@
           <a:p>
             <a:fld id="{96F4F53E-5B08-447E-A5A6-1405897979A7}" type="slidenum">
               <a:rPr lang="fr-FR" smtClean="0"/>
-              <a:t>‹#›</a:t>
+              <a:t>‹N°›</a:t>
             </a:fld>
             <a:endParaRPr lang="fr-FR"/>
           </a:p>
@@ -510,7 +510,7 @@
           <a:p>
             <a:fld id="{21CD3A5E-BD05-4410-88B3-BEFECD2D9F92}" type="datetimeFigureOut">
               <a:rPr lang="fr-FR" smtClean="0"/>
-              <a:t>13/09/2023</a:t>
+              <a:t>21/01/2024</a:t>
             </a:fld>
             <a:endParaRPr lang="fr-FR"/>
           </a:p>
@@ -668,7 +668,7 @@
           <a:p>
             <a:fld id="{7B05D11B-0242-421F-A54B-8A2F6741ECDA}" type="slidenum">
               <a:rPr lang="fr-FR" smtClean="0"/>
-              <a:t>‹#›</a:t>
+              <a:t>‹N°›</a:t>
             </a:fld>
             <a:endParaRPr lang="fr-FR"/>
           </a:p>
@@ -1316,7 +1316,7 @@
           <a:p>
             <a:fld id="{E14D0CC5-784E-4B7E-B9F4-EE71C08DA69C}" type="slidenum">
               <a:rPr lang="fr-FR" smtClean="0"/>
-              <a:t>‹#›</a:t>
+              <a:t>‹N°›</a:t>
             </a:fld>
             <a:endParaRPr lang="fr-FR"/>
           </a:p>
@@ -3155,7 +3155,7 @@
           <a:p>
             <a:fld id="{E14D0CC5-784E-4B7E-B9F4-EE71C08DA69C}" type="slidenum">
               <a:rPr lang="fr-FR" smtClean="0"/>
-              <a:t>‹#›</a:t>
+              <a:t>‹N°›</a:t>
             </a:fld>
             <a:endParaRPr lang="fr-FR"/>
           </a:p>
@@ -3214,7 +3214,7 @@
           <a:p>
             <a:fld id="{E14D0CC5-784E-4B7E-B9F4-EE71C08DA69C}" type="slidenum">
               <a:rPr lang="fr-FR" smtClean="0"/>
-              <a:t>‹#›</a:t>
+              <a:t>‹N°›</a:t>
             </a:fld>
             <a:endParaRPr lang="fr-FR"/>
           </a:p>
@@ -3563,7 +3563,7 @@
           <a:p>
             <a:fld id="{E14D0CC5-784E-4B7E-B9F4-EE71C08DA69C}" type="slidenum">
               <a:rPr lang="fr-FR" smtClean="0"/>
-              <a:t>‹#›</a:t>
+              <a:t>‹N°›</a:t>
             </a:fld>
             <a:endParaRPr lang="fr-FR"/>
           </a:p>
@@ -4059,7 +4059,7 @@
           <a:p>
             <a:fld id="{E14D0CC5-784E-4B7E-B9F4-EE71C08DA69C}" type="slidenum">
               <a:rPr lang="fr-FR" smtClean="0"/>
-              <a:t>‹#›</a:t>
+              <a:t>‹N°›</a:t>
             </a:fld>
             <a:endParaRPr lang="fr-FR"/>
           </a:p>
@@ -4243,7 +4243,7 @@
           <a:p>
             <a:fld id="{E14D0CC5-784E-4B7E-B9F4-EE71C08DA69C}" type="slidenum">
               <a:rPr lang="fr-FR" smtClean="0"/>
-              <a:t>‹#›</a:t>
+              <a:t>‹N°›</a:t>
             </a:fld>
             <a:endParaRPr lang="fr-FR"/>
           </a:p>
@@ -4885,7 +4885,7 @@
             <a:fld id="{E14D0CC5-784E-4B7E-B9F4-EE71C08DA69C}" type="slidenum">
               <a:rPr lang="fr-FR" smtClean="0"/>
               <a:pPr/>
-              <a:t>‹#›</a:t>
+              <a:t>‹N°›</a:t>
             </a:fld>
             <a:endParaRPr lang="fr-FR" dirty="0"/>
           </a:p>
@@ -15236,7 +15236,7 @@
             <p:ph type="tbl" sz="quarter" idx="17"/>
             <p:extLst>
               <p:ext uri="{D42A27DB-BD31-4B8C-83A1-F6EECF244321}">
-                <p14:modId xmlns:p14="http://schemas.microsoft.com/office/powerpoint/2010/main" val="4021730610"/>
+                <p14:modId xmlns:p14="http://schemas.microsoft.com/office/powerpoint/2010/main" val="3479864033"/>
               </p:ext>
             </p:extLst>
           </p:nvPr>
@@ -15840,7 +15840,7 @@
                           <a:ea typeface="+mn-ea"/>
                           <a:cs typeface="+mn-cs"/>
                         </a:rPr>
-                        <a:t>N/a</a:t>
+                        <a:t>N.a</a:t>
                       </a:r>
                     </a:p>
                   </a:txBody>

--- a/Shop.Solution/2.Shop.Solution.pptx
+++ b/Shop.Solution/2.Shop.Solution.pptx
@@ -230,8 +230,11 @@
       <a:lstStyle/>
       <a:p>
         <a:r>
-          <a:rPr lang="en-US"/>
-          <a:t>If rights pbs. firebase login –reauth</a:t>
+          <a:rPr lang="en-GB"/>
+          <a:t>If rights pbs. 
+-&gt; firebase logout
+-&gt; firebase login
+OU -&gt; firebase login –reauth</a:t>
         </a:r>
       </a:p>
     </p188:txBody>
@@ -333,7 +336,7 @@
           <a:p>
             <a:fld id="{F869B831-4E69-4D2A-AD19-BF4301D60DCB}" type="datetimeFigureOut">
               <a:rPr lang="fr-FR" smtClean="0"/>
-              <a:t>21/01/2024</a:t>
+              <a:t>24/03/2025</a:t>
             </a:fld>
             <a:endParaRPr lang="fr-FR"/>
           </a:p>
@@ -411,7 +414,7 @@
           <a:p>
             <a:fld id="{96F4F53E-5B08-447E-A5A6-1405897979A7}" type="slidenum">
               <a:rPr lang="fr-FR" smtClean="0"/>
-              <a:t>‹N°›</a:t>
+              <a:t>‹#›</a:t>
             </a:fld>
             <a:endParaRPr lang="fr-FR"/>
           </a:p>
@@ -510,7 +513,7 @@
           <a:p>
             <a:fld id="{21CD3A5E-BD05-4410-88B3-BEFECD2D9F92}" type="datetimeFigureOut">
               <a:rPr lang="fr-FR" smtClean="0"/>
-              <a:t>21/01/2024</a:t>
+              <a:t>24/03/2025</a:t>
             </a:fld>
             <a:endParaRPr lang="fr-FR"/>
           </a:p>
@@ -668,7 +671,7 @@
           <a:p>
             <a:fld id="{7B05D11B-0242-421F-A54B-8A2F6741ECDA}" type="slidenum">
               <a:rPr lang="fr-FR" smtClean="0"/>
-              <a:t>‹N°›</a:t>
+              <a:t>‹#›</a:t>
             </a:fld>
             <a:endParaRPr lang="fr-FR"/>
           </a:p>
@@ -1316,7 +1319,7 @@
           <a:p>
             <a:fld id="{E14D0CC5-784E-4B7E-B9F4-EE71C08DA69C}" type="slidenum">
               <a:rPr lang="fr-FR" smtClean="0"/>
-              <a:t>‹N°›</a:t>
+              <a:t>‹#›</a:t>
             </a:fld>
             <a:endParaRPr lang="fr-FR"/>
           </a:p>
@@ -3155,7 +3158,7 @@
           <a:p>
             <a:fld id="{E14D0CC5-784E-4B7E-B9F4-EE71C08DA69C}" type="slidenum">
               <a:rPr lang="fr-FR" smtClean="0"/>
-              <a:t>‹N°›</a:t>
+              <a:t>‹#›</a:t>
             </a:fld>
             <a:endParaRPr lang="fr-FR"/>
           </a:p>
@@ -3214,7 +3217,7 @@
           <a:p>
             <a:fld id="{E14D0CC5-784E-4B7E-B9F4-EE71C08DA69C}" type="slidenum">
               <a:rPr lang="fr-FR" smtClean="0"/>
-              <a:t>‹N°›</a:t>
+              <a:t>‹#›</a:t>
             </a:fld>
             <a:endParaRPr lang="fr-FR"/>
           </a:p>
@@ -3563,7 +3566,7 @@
           <a:p>
             <a:fld id="{E14D0CC5-784E-4B7E-B9F4-EE71C08DA69C}" type="slidenum">
               <a:rPr lang="fr-FR" smtClean="0"/>
-              <a:t>‹N°›</a:t>
+              <a:t>‹#›</a:t>
             </a:fld>
             <a:endParaRPr lang="fr-FR"/>
           </a:p>
@@ -4059,7 +4062,7 @@
           <a:p>
             <a:fld id="{E14D0CC5-784E-4B7E-B9F4-EE71C08DA69C}" type="slidenum">
               <a:rPr lang="fr-FR" smtClean="0"/>
-              <a:t>‹N°›</a:t>
+              <a:t>‹#›</a:t>
             </a:fld>
             <a:endParaRPr lang="fr-FR"/>
           </a:p>
@@ -4243,7 +4246,7 @@
           <a:p>
             <a:fld id="{E14D0CC5-784E-4B7E-B9F4-EE71C08DA69C}" type="slidenum">
               <a:rPr lang="fr-FR" smtClean="0"/>
-              <a:t>‹N°›</a:t>
+              <a:t>‹#›</a:t>
             </a:fld>
             <a:endParaRPr lang="fr-FR"/>
           </a:p>
@@ -4885,7 +4888,7 @@
             <a:fld id="{E14D0CC5-784E-4B7E-B9F4-EE71C08DA69C}" type="slidenum">
               <a:rPr lang="fr-FR" smtClean="0"/>
               <a:pPr/>
-              <a:t>‹N°›</a:t>
+              <a:t>‹#›</a:t>
             </a:fld>
             <a:endParaRPr lang="fr-FR" dirty="0"/>
           </a:p>
@@ -6977,8 +6980,8 @@
           <a:lstStyle/>
           <a:p>
             <a:r>
-              <a:rPr lang="en-US" dirty="0"/>
-              <a:t>Env Local</a:t>
+              <a:rPr lang="en-US"/>
+              <a:t>Local</a:t>
             </a:r>
             <a:endParaRPr lang="fr-FR" dirty="0"/>
           </a:p>
@@ -7228,8 +7231,8 @@
         </p:nvSpPr>
         <p:spPr>
           <a:xfrm>
-            <a:off x="995321" y="3742030"/>
-            <a:ext cx="4827396" cy="974690"/>
+            <a:off x="995321" y="3038168"/>
+            <a:ext cx="4827396" cy="1192937"/>
           </a:xfrm>
           <a:prstGeom prst="roundRect">
             <a:avLst>
@@ -7433,8 +7436,20 @@
               </a:spcBef>
             </a:pPr>
             <a:r>
+              <a:rPr lang="fr-FR" sz="1400" b="0" dirty="0" err="1"/>
+              <a:t>Node.Js</a:t>
+            </a:r>
+            <a:r>
               <a:rPr lang="fr-FR" sz="1400" b="0" dirty="0"/>
-              <a:t>Node.Js (+ npm inclus)</a:t>
+              <a:t> en </a:t>
+            </a:r>
+            <a:r>
+              <a:rPr lang="fr-FR" sz="1400" b="0" dirty="0">
+                <a:highlight>
+                  <a:srgbClr val="FFFF00"/>
+                </a:highlight>
+              </a:rPr>
+              <a:t>14.15.0</a:t>
             </a:r>
           </a:p>
           <a:p>
@@ -7444,14 +7459,37 @@
               </a:spcBef>
             </a:pPr>
             <a:r>
+              <a:rPr lang="fr-FR" sz="1400" b="0" dirty="0">
+                <a:highlight>
+                  <a:srgbClr val="FFFF00"/>
+                </a:highlight>
+              </a:rPr>
+              <a:t>Angular CLI en 12.2.28</a:t>
+            </a:r>
+          </a:p>
+          <a:p>
+            <a:pPr marL="365760" lvl="1" indent="-274320">
+              <a:spcBef>
+                <a:spcPts val="600"/>
+              </a:spcBef>
+            </a:pPr>
+            <a:r>
               <a:rPr lang="fr-FR" sz="1400" b="0" dirty="0"/>
-              <a:t>Firebase Cli. npm install -g firebase-</a:t>
-            </a:r>
-            <a:r>
-              <a:rPr lang="fr-FR" sz="1400" b="0" dirty="0" err="1"/>
-              <a:t>tools</a:t>
-            </a:r>
-            <a:endParaRPr lang="en-GB" sz="1400" b="0" dirty="0"/>
+              <a:t>Firebase Cli. npm install -g firebase-tools@</a:t>
+            </a:r>
+            <a:r>
+              <a:rPr lang="fr-FR" sz="1400" b="0" dirty="0">
+                <a:highlight>
+                  <a:srgbClr val="FFFF00"/>
+                </a:highlight>
+              </a:rPr>
+              <a:t>9.9.0</a:t>
+            </a:r>
+            <a:endParaRPr lang="en-GB" sz="1400" b="0" dirty="0">
+              <a:highlight>
+                <a:srgbClr val="FFFF00"/>
+              </a:highlight>
+            </a:endParaRPr>
           </a:p>
         </p:txBody>
       </p:sp>
@@ -7471,8 +7509,8 @@
         </p:nvSpPr>
         <p:spPr>
           <a:xfrm>
-            <a:off x="838199" y="3428999"/>
-            <a:ext cx="5144312" cy="2549601"/>
+            <a:off x="838199" y="2660301"/>
+            <a:ext cx="5144312" cy="3318299"/>
           </a:xfrm>
           <a:prstGeom prst="roundRect">
             <a:avLst>
@@ -7686,8 +7724,8 @@
         </p:nvSpPr>
         <p:spPr>
           <a:xfrm>
-            <a:off x="993768" y="4852804"/>
-            <a:ext cx="4827396" cy="974690"/>
+            <a:off x="993768" y="4380254"/>
+            <a:ext cx="4827396" cy="1447239"/>
           </a:xfrm>
           <a:prstGeom prst="roundRect">
             <a:avLst>
@@ -8315,7 +8353,7 @@
         <p:spPr>
           <a:xfrm>
             <a:off x="838200" y="1089497"/>
-            <a:ext cx="5144311" cy="2204309"/>
+            <a:ext cx="5144311" cy="1417729"/>
           </a:xfrm>
           <a:prstGeom prst="roundRect">
             <a:avLst>
@@ -8354,8 +8392,8 @@
         </p:nvSpPr>
         <p:spPr>
           <a:xfrm>
-            <a:off x="993768" y="1455174"/>
-            <a:ext cx="4827396" cy="635746"/>
+            <a:off x="993768" y="1455173"/>
+            <a:ext cx="2830980" cy="909487"/>
           </a:xfrm>
           <a:prstGeom prst="roundRect">
             <a:avLst>
@@ -8581,8 +8619,8 @@
         </p:nvSpPr>
         <p:spPr>
           <a:xfrm>
-            <a:off x="993768" y="2227003"/>
-            <a:ext cx="4827396" cy="909487"/>
+            <a:off x="3978700" y="1455174"/>
+            <a:ext cx="1917758" cy="909487"/>
           </a:xfrm>
           <a:prstGeom prst="roundRect">
             <a:avLst>
